--- a/ToolsForAPI.pptx
+++ b/ToolsForAPI.pptx
@@ -5,7 +5,7 @@
     <p:sldMasterId id="2147483733" r:id="rId1"/>
   </p:sldMasterIdLst>
   <p:notesMasterIdLst>
-    <p:notesMasterId r:id="rId24"/>
+    <p:notesMasterId r:id="rId32"/>
   </p:notesMasterIdLst>
   <p:sldIdLst>
     <p:sldId id="257" r:id="rId2"/>
@@ -30,6 +30,14 @@
     <p:sldId id="338" r:id="rId21"/>
     <p:sldId id="339" r:id="rId22"/>
     <p:sldId id="340" r:id="rId23"/>
+    <p:sldId id="341" r:id="rId24"/>
+    <p:sldId id="342" r:id="rId25"/>
+    <p:sldId id="343" r:id="rId26"/>
+    <p:sldId id="344" r:id="rId27"/>
+    <p:sldId id="345" r:id="rId28"/>
+    <p:sldId id="346" r:id="rId29"/>
+    <p:sldId id="347" r:id="rId30"/>
+    <p:sldId id="348" r:id="rId31"/>
   </p:sldIdLst>
   <p:sldSz cx="12192000" cy="6858000"/>
   <p:notesSz cx="6858000" cy="9144000"/>
@@ -136,6 +144,10 @@
             <p14:sldId id="257"/>
             <p14:sldId id="319"/>
             <p14:sldId id="320"/>
+          </p14:sldIdLst>
+        </p14:section>
+        <p14:section name="SERVICESTACK" id="{EF669987-80A5-42A6-A047-FB3F12A6E087}">
+          <p14:sldIdLst>
             <p14:sldId id="322"/>
             <p14:sldId id="323"/>
             <p14:sldId id="324"/>
@@ -155,6 +167,14 @@
             <p14:sldId id="338"/>
             <p14:sldId id="339"/>
             <p14:sldId id="340"/>
+            <p14:sldId id="341"/>
+            <p14:sldId id="342"/>
+            <p14:sldId id="343"/>
+            <p14:sldId id="344"/>
+            <p14:sldId id="345"/>
+            <p14:sldId id="346"/>
+            <p14:sldId id="347"/>
+            <p14:sldId id="348"/>
           </p14:sldIdLst>
         </p14:section>
       </p14:sectionLst>
@@ -248,7 +268,7 @@
           <a:p>
             <a:fld id="{CAF0A8B5-738B-4F91-AEE8-4CECB76619C0}" type="datetimeFigureOut">
               <a:rPr lang="es-CO" smtClean="0"/>
-              <a:t>23/07/2018</a:t>
+              <a:t>24/07/2018</a:t>
             </a:fld>
             <a:endParaRPr lang="es-CO"/>
           </a:p>
@@ -2520,6 +2540,800 @@
 </p:notes>
 </file>
 
+<file path=ppt/notesSlides/notesSlide23.xml><?xml version="1.0" encoding="utf-8"?>
+<p:notes xmlns:a="http://schemas.openxmlformats.org/drawingml/2006/main" xmlns:r="http://schemas.openxmlformats.org/officeDocument/2006/relationships" xmlns:p="http://schemas.openxmlformats.org/presentationml/2006/main">
+  <p:cSld>
+    <p:spTree>
+      <p:nvGrpSpPr>
+        <p:cNvPr id="1" name=""/>
+        <p:cNvGrpSpPr/>
+        <p:nvPr/>
+      </p:nvGrpSpPr>
+      <p:grpSpPr>
+        <a:xfrm>
+          <a:off x="0" y="0"/>
+          <a:ext cx="0" cy="0"/>
+          <a:chOff x="0" y="0"/>
+          <a:chExt cx="0" cy="0"/>
+        </a:xfrm>
+      </p:grpSpPr>
+      <p:sp>
+        <p:nvSpPr>
+          <p:cNvPr id="2" name="Marcador de imagen de diapositiva 1"/>
+          <p:cNvSpPr>
+            <a:spLocks noGrp="1" noRot="1" noChangeAspect="1"/>
+          </p:cNvSpPr>
+          <p:nvPr>
+            <p:ph type="sldImg"/>
+          </p:nvPr>
+        </p:nvSpPr>
+        <p:spPr/>
+      </p:sp>
+      <p:sp>
+        <p:nvSpPr>
+          <p:cNvPr id="3" name="Marcador de notas 2"/>
+          <p:cNvSpPr>
+            <a:spLocks noGrp="1"/>
+          </p:cNvSpPr>
+          <p:nvPr>
+            <p:ph type="body" idx="1"/>
+          </p:nvPr>
+        </p:nvSpPr>
+        <p:spPr/>
+        <p:txBody>
+          <a:bodyPr/>
+          <a:lstStyle/>
+          <a:p>
+            <a:r>
+              <a:rPr lang="es-ES" dirty="0"/>
+              <a:t>El concepto de El host de la aplicación debe definir un punto central para configurar y cablear la solicitud al servicio. Solo puede haber un host de aplicación por aplicación. En general, un servicio </a:t>
+            </a:r>
+            <a:r>
+              <a:rPr lang="es-ES" dirty="0" err="1"/>
+              <a:t>ServiceStack</a:t>
+            </a:r>
+            <a:r>
+              <a:rPr lang="es-ES" dirty="0"/>
+              <a:t> se puede alojar en Internet </a:t>
+            </a:r>
+            <a:r>
+              <a:rPr lang="es-ES" dirty="0" err="1"/>
+              <a:t>Information</a:t>
+            </a:r>
+            <a:r>
+              <a:rPr lang="es-ES" dirty="0"/>
+              <a:t> Services (IIS) como un aplicación de consola, servicio de Windows o mezclado con ASP.NET o ASP.NET MVC solicitud.</a:t>
+            </a:r>
+            <a:endParaRPr lang="es-CO" dirty="0"/>
+          </a:p>
+        </p:txBody>
+      </p:sp>
+      <p:sp>
+        <p:nvSpPr>
+          <p:cNvPr id="4" name="Marcador de número de diapositiva 3"/>
+          <p:cNvSpPr>
+            <a:spLocks noGrp="1"/>
+          </p:cNvSpPr>
+          <p:nvPr>
+            <p:ph type="sldNum" sz="quarter" idx="10"/>
+          </p:nvPr>
+        </p:nvSpPr>
+        <p:spPr/>
+        <p:txBody>
+          <a:bodyPr/>
+          <a:lstStyle/>
+          <a:p>
+            <a:fld id="{F82B9EC9-5510-408D-8820-096EB829DDB0}" type="slidenum">
+              <a:rPr lang="es-CO" smtClean="0"/>
+              <a:t>23</a:t>
+            </a:fld>
+            <a:endParaRPr lang="es-CO"/>
+          </a:p>
+        </p:txBody>
+      </p:sp>
+    </p:spTree>
+    <p:extLst>
+      <p:ext uri="{BB962C8B-B14F-4D97-AF65-F5344CB8AC3E}">
+        <p14:creationId xmlns:p14="http://schemas.microsoft.com/office/powerpoint/2010/main" val="2600084489"/>
+      </p:ext>
+    </p:extLst>
+  </p:cSld>
+  <p:clrMapOvr>
+    <a:masterClrMapping/>
+  </p:clrMapOvr>
+</p:notes>
+</file>
+
+<file path=ppt/notesSlides/notesSlide24.xml><?xml version="1.0" encoding="utf-8"?>
+<p:notes xmlns:a="http://schemas.openxmlformats.org/drawingml/2006/main" xmlns:r="http://schemas.openxmlformats.org/officeDocument/2006/relationships" xmlns:p="http://schemas.openxmlformats.org/presentationml/2006/main">
+  <p:cSld>
+    <p:spTree>
+      <p:nvGrpSpPr>
+        <p:cNvPr id="1" name=""/>
+        <p:cNvGrpSpPr/>
+        <p:nvPr/>
+      </p:nvGrpSpPr>
+      <p:grpSpPr>
+        <a:xfrm>
+          <a:off x="0" y="0"/>
+          <a:ext cx="0" cy="0"/>
+          <a:chOff x="0" y="0"/>
+          <a:chExt cx="0" cy="0"/>
+        </a:xfrm>
+      </p:grpSpPr>
+      <p:sp>
+        <p:nvSpPr>
+          <p:cNvPr id="2" name="Marcador de imagen de diapositiva 1"/>
+          <p:cNvSpPr>
+            <a:spLocks noGrp="1" noRot="1" noChangeAspect="1"/>
+          </p:cNvSpPr>
+          <p:nvPr>
+            <p:ph type="sldImg"/>
+          </p:nvPr>
+        </p:nvSpPr>
+        <p:spPr/>
+      </p:sp>
+      <p:sp>
+        <p:nvSpPr>
+          <p:cNvPr id="3" name="Marcador de notas 2"/>
+          <p:cNvSpPr>
+            <a:spLocks noGrp="1"/>
+          </p:cNvSpPr>
+          <p:nvPr>
+            <p:ph type="body" idx="1"/>
+          </p:nvPr>
+        </p:nvSpPr>
+        <p:spPr/>
+        <p:txBody>
+          <a:bodyPr/>
+          <a:lstStyle/>
+          <a:p>
+            <a:br>
+              <a:rPr lang="es-MX" dirty="0"/>
+            </a:br>
+            <a:r>
+              <a:rPr lang="es-MX" sz="1200" b="0" i="0" kern="1200" dirty="0">
+                <a:solidFill>
+                  <a:schemeClr val="tx1"/>
+                </a:solidFill>
+                <a:effectLst/>
+                <a:latin typeface="+mn-lt"/>
+                <a:ea typeface="+mn-ea"/>
+                <a:cs typeface="+mn-cs"/>
+              </a:rPr>
+              <a:t>Las aplicaciones web implementarán la clase </a:t>
+            </a:r>
+            <a:r>
+              <a:rPr lang="es-MX" sz="1200" b="0" i="0" kern="1200" dirty="0" err="1">
+                <a:solidFill>
+                  <a:schemeClr val="tx1"/>
+                </a:solidFill>
+                <a:effectLst/>
+                <a:latin typeface="+mn-lt"/>
+                <a:ea typeface="+mn-ea"/>
+                <a:cs typeface="+mn-cs"/>
+              </a:rPr>
+              <a:t>AppHostBase</a:t>
+            </a:r>
+            <a:r>
+              <a:rPr lang="es-MX" sz="1200" b="0" i="0" kern="1200" dirty="0">
+                <a:solidFill>
+                  <a:schemeClr val="tx1"/>
+                </a:solidFill>
+                <a:effectLst/>
+                <a:latin typeface="+mn-lt"/>
+                <a:ea typeface="+mn-ea"/>
+                <a:cs typeface="+mn-cs"/>
+              </a:rPr>
+              <a:t> mientras que la consola y Windows Las aplicaciones de servicio implementarán </a:t>
+            </a:r>
+            <a:r>
+              <a:rPr lang="es-MX" sz="1200" b="0" i="0" kern="1200" dirty="0" err="1">
+                <a:solidFill>
+                  <a:schemeClr val="tx1"/>
+                </a:solidFill>
+                <a:effectLst/>
+                <a:latin typeface="+mn-lt"/>
+                <a:ea typeface="+mn-ea"/>
+                <a:cs typeface="+mn-cs"/>
+              </a:rPr>
+              <a:t>AppHostHttpListenerBase</a:t>
+            </a:r>
+            <a:r>
+              <a:rPr lang="es-MX" sz="1200" b="0" i="0" kern="1200" dirty="0">
+                <a:solidFill>
+                  <a:schemeClr val="tx1"/>
+                </a:solidFill>
+                <a:effectLst/>
+                <a:latin typeface="+mn-lt"/>
+                <a:ea typeface="+mn-ea"/>
+                <a:cs typeface="+mn-cs"/>
+              </a:rPr>
+              <a:t>.</a:t>
+            </a:r>
+            <a:endParaRPr lang="es-CO" dirty="0"/>
+          </a:p>
+        </p:txBody>
+      </p:sp>
+      <p:sp>
+        <p:nvSpPr>
+          <p:cNvPr id="4" name="Marcador de número de diapositiva 3"/>
+          <p:cNvSpPr>
+            <a:spLocks noGrp="1"/>
+          </p:cNvSpPr>
+          <p:nvPr>
+            <p:ph type="sldNum" sz="quarter" idx="10"/>
+          </p:nvPr>
+        </p:nvSpPr>
+        <p:spPr/>
+        <p:txBody>
+          <a:bodyPr/>
+          <a:lstStyle/>
+          <a:p>
+            <a:fld id="{F82B9EC9-5510-408D-8820-096EB829DDB0}" type="slidenum">
+              <a:rPr lang="es-CO" smtClean="0"/>
+              <a:t>24</a:t>
+            </a:fld>
+            <a:endParaRPr lang="es-CO"/>
+          </a:p>
+        </p:txBody>
+      </p:sp>
+    </p:spTree>
+    <p:extLst>
+      <p:ext uri="{BB962C8B-B14F-4D97-AF65-F5344CB8AC3E}">
+        <p14:creationId xmlns:p14="http://schemas.microsoft.com/office/powerpoint/2010/main" val="311631124"/>
+      </p:ext>
+    </p:extLst>
+  </p:cSld>
+  <p:clrMapOvr>
+    <a:masterClrMapping/>
+  </p:clrMapOvr>
+</p:notes>
+</file>
+
+<file path=ppt/notesSlides/notesSlide25.xml><?xml version="1.0" encoding="utf-8"?>
+<p:notes xmlns:a="http://schemas.openxmlformats.org/drawingml/2006/main" xmlns:r="http://schemas.openxmlformats.org/officeDocument/2006/relationships" xmlns:p="http://schemas.openxmlformats.org/presentationml/2006/main">
+  <p:cSld>
+    <p:spTree>
+      <p:nvGrpSpPr>
+        <p:cNvPr id="1" name=""/>
+        <p:cNvGrpSpPr/>
+        <p:nvPr/>
+      </p:nvGrpSpPr>
+      <p:grpSpPr>
+        <a:xfrm>
+          <a:off x="0" y="0"/>
+          <a:ext cx="0" cy="0"/>
+          <a:chOff x="0" y="0"/>
+          <a:chExt cx="0" cy="0"/>
+        </a:xfrm>
+      </p:grpSpPr>
+      <p:sp>
+        <p:nvSpPr>
+          <p:cNvPr id="2" name="Marcador de imagen de diapositiva 1"/>
+          <p:cNvSpPr>
+            <a:spLocks noGrp="1" noRot="1" noChangeAspect="1"/>
+          </p:cNvSpPr>
+          <p:nvPr>
+            <p:ph type="sldImg"/>
+          </p:nvPr>
+        </p:nvSpPr>
+        <p:spPr/>
+      </p:sp>
+      <p:sp>
+        <p:nvSpPr>
+          <p:cNvPr id="3" name="Marcador de notas 2"/>
+          <p:cNvSpPr>
+            <a:spLocks noGrp="1"/>
+          </p:cNvSpPr>
+          <p:nvPr>
+            <p:ph type="body" idx="1"/>
+          </p:nvPr>
+        </p:nvSpPr>
+        <p:spPr/>
+        <p:txBody>
+          <a:bodyPr/>
+          <a:lstStyle/>
+          <a:p>
+            <a:br>
+              <a:rPr lang="es-MX" dirty="0"/>
+            </a:br>
+            <a:r>
+              <a:rPr lang="es-MX" sz="1200" b="0" i="0" kern="1200" dirty="0">
+                <a:solidFill>
+                  <a:schemeClr val="tx1"/>
+                </a:solidFill>
+                <a:effectLst/>
+                <a:latin typeface="+mn-lt"/>
+                <a:ea typeface="+mn-ea"/>
+                <a:cs typeface="+mn-cs"/>
+              </a:rPr>
+              <a:t>Las aplicaciones web implementarán la clase </a:t>
+            </a:r>
+            <a:r>
+              <a:rPr lang="es-MX" sz="1200" b="0" i="0" kern="1200" dirty="0" err="1">
+                <a:solidFill>
+                  <a:schemeClr val="tx1"/>
+                </a:solidFill>
+                <a:effectLst/>
+                <a:latin typeface="+mn-lt"/>
+                <a:ea typeface="+mn-ea"/>
+                <a:cs typeface="+mn-cs"/>
+              </a:rPr>
+              <a:t>AppHostBase</a:t>
+            </a:r>
+            <a:r>
+              <a:rPr lang="es-MX" sz="1200" b="0" i="0" kern="1200" dirty="0">
+                <a:solidFill>
+                  <a:schemeClr val="tx1"/>
+                </a:solidFill>
+                <a:effectLst/>
+                <a:latin typeface="+mn-lt"/>
+                <a:ea typeface="+mn-ea"/>
+                <a:cs typeface="+mn-cs"/>
+              </a:rPr>
+              <a:t> mientras que la consola y Windows Las aplicaciones de servicio implementarán </a:t>
+            </a:r>
+            <a:r>
+              <a:rPr lang="es-MX" sz="1200" b="0" i="0" kern="1200" dirty="0" err="1">
+                <a:solidFill>
+                  <a:schemeClr val="tx1"/>
+                </a:solidFill>
+                <a:effectLst/>
+                <a:latin typeface="+mn-lt"/>
+                <a:ea typeface="+mn-ea"/>
+                <a:cs typeface="+mn-cs"/>
+              </a:rPr>
+              <a:t>AppHostHttpListenerBase</a:t>
+            </a:r>
+            <a:r>
+              <a:rPr lang="es-MX" sz="1200" b="0" i="0" kern="1200" dirty="0">
+                <a:solidFill>
+                  <a:schemeClr val="tx1"/>
+                </a:solidFill>
+                <a:effectLst/>
+                <a:latin typeface="+mn-lt"/>
+                <a:ea typeface="+mn-ea"/>
+                <a:cs typeface="+mn-cs"/>
+              </a:rPr>
+              <a:t>.</a:t>
+            </a:r>
+            <a:endParaRPr lang="es-CO" dirty="0"/>
+          </a:p>
+        </p:txBody>
+      </p:sp>
+      <p:sp>
+        <p:nvSpPr>
+          <p:cNvPr id="4" name="Marcador de número de diapositiva 3"/>
+          <p:cNvSpPr>
+            <a:spLocks noGrp="1"/>
+          </p:cNvSpPr>
+          <p:nvPr>
+            <p:ph type="sldNum" sz="quarter" idx="10"/>
+          </p:nvPr>
+        </p:nvSpPr>
+        <p:spPr/>
+        <p:txBody>
+          <a:bodyPr/>
+          <a:lstStyle/>
+          <a:p>
+            <a:fld id="{F82B9EC9-5510-408D-8820-096EB829DDB0}" type="slidenum">
+              <a:rPr lang="es-CO" smtClean="0"/>
+              <a:t>25</a:t>
+            </a:fld>
+            <a:endParaRPr lang="es-CO"/>
+          </a:p>
+        </p:txBody>
+      </p:sp>
+    </p:spTree>
+    <p:extLst>
+      <p:ext uri="{BB962C8B-B14F-4D97-AF65-F5344CB8AC3E}">
+        <p14:creationId xmlns:p14="http://schemas.microsoft.com/office/powerpoint/2010/main" val="1445232955"/>
+      </p:ext>
+    </p:extLst>
+  </p:cSld>
+  <p:clrMapOvr>
+    <a:masterClrMapping/>
+  </p:clrMapOvr>
+</p:notes>
+</file>
+
+<file path=ppt/notesSlides/notesSlide26.xml><?xml version="1.0" encoding="utf-8"?>
+<p:notes xmlns:a="http://schemas.openxmlformats.org/drawingml/2006/main" xmlns:r="http://schemas.openxmlformats.org/officeDocument/2006/relationships" xmlns:p="http://schemas.openxmlformats.org/presentationml/2006/main">
+  <p:cSld>
+    <p:spTree>
+      <p:nvGrpSpPr>
+        <p:cNvPr id="1" name=""/>
+        <p:cNvGrpSpPr/>
+        <p:nvPr/>
+      </p:nvGrpSpPr>
+      <p:grpSpPr>
+        <a:xfrm>
+          <a:off x="0" y="0"/>
+          <a:ext cx="0" cy="0"/>
+          <a:chOff x="0" y="0"/>
+          <a:chExt cx="0" cy="0"/>
+        </a:xfrm>
+      </p:grpSpPr>
+      <p:sp>
+        <p:nvSpPr>
+          <p:cNvPr id="2" name="Marcador de imagen de diapositiva 1"/>
+          <p:cNvSpPr>
+            <a:spLocks noGrp="1" noRot="1" noChangeAspect="1"/>
+          </p:cNvSpPr>
+          <p:nvPr>
+            <p:ph type="sldImg"/>
+          </p:nvPr>
+        </p:nvSpPr>
+        <p:spPr/>
+      </p:sp>
+      <p:sp>
+        <p:nvSpPr>
+          <p:cNvPr id="3" name="Marcador de notas 2"/>
+          <p:cNvSpPr>
+            <a:spLocks noGrp="1"/>
+          </p:cNvSpPr>
+          <p:nvPr>
+            <p:ph type="body" idx="1"/>
+          </p:nvPr>
+        </p:nvSpPr>
+        <p:spPr/>
+        <p:txBody>
+          <a:bodyPr/>
+          <a:lstStyle/>
+          <a:p>
+            <a:endParaRPr lang="es-CO" dirty="0"/>
+          </a:p>
+        </p:txBody>
+      </p:sp>
+      <p:sp>
+        <p:nvSpPr>
+          <p:cNvPr id="4" name="Marcador de número de diapositiva 3"/>
+          <p:cNvSpPr>
+            <a:spLocks noGrp="1"/>
+          </p:cNvSpPr>
+          <p:nvPr>
+            <p:ph type="sldNum" sz="quarter" idx="10"/>
+          </p:nvPr>
+        </p:nvSpPr>
+        <p:spPr/>
+        <p:txBody>
+          <a:bodyPr/>
+          <a:lstStyle/>
+          <a:p>
+            <a:fld id="{F82B9EC9-5510-408D-8820-096EB829DDB0}" type="slidenum">
+              <a:rPr lang="es-CO" smtClean="0"/>
+              <a:t>26</a:t>
+            </a:fld>
+            <a:endParaRPr lang="es-CO"/>
+          </a:p>
+        </p:txBody>
+      </p:sp>
+    </p:spTree>
+    <p:extLst>
+      <p:ext uri="{BB962C8B-B14F-4D97-AF65-F5344CB8AC3E}">
+        <p14:creationId xmlns:p14="http://schemas.microsoft.com/office/powerpoint/2010/main" val="4056466179"/>
+      </p:ext>
+    </p:extLst>
+  </p:cSld>
+  <p:clrMapOvr>
+    <a:masterClrMapping/>
+  </p:clrMapOvr>
+</p:notes>
+</file>
+
+<file path=ppt/notesSlides/notesSlide27.xml><?xml version="1.0" encoding="utf-8"?>
+<p:notes xmlns:a="http://schemas.openxmlformats.org/drawingml/2006/main" xmlns:r="http://schemas.openxmlformats.org/officeDocument/2006/relationships" xmlns:p="http://schemas.openxmlformats.org/presentationml/2006/main">
+  <p:cSld>
+    <p:spTree>
+      <p:nvGrpSpPr>
+        <p:cNvPr id="1" name=""/>
+        <p:cNvGrpSpPr/>
+        <p:nvPr/>
+      </p:nvGrpSpPr>
+      <p:grpSpPr>
+        <a:xfrm>
+          <a:off x="0" y="0"/>
+          <a:ext cx="0" cy="0"/>
+          <a:chOff x="0" y="0"/>
+          <a:chExt cx="0" cy="0"/>
+        </a:xfrm>
+      </p:grpSpPr>
+      <p:sp>
+        <p:nvSpPr>
+          <p:cNvPr id="2" name="Marcador de imagen de diapositiva 1"/>
+          <p:cNvSpPr>
+            <a:spLocks noGrp="1" noRot="1" noChangeAspect="1"/>
+          </p:cNvSpPr>
+          <p:nvPr>
+            <p:ph type="sldImg"/>
+          </p:nvPr>
+        </p:nvSpPr>
+        <p:spPr/>
+      </p:sp>
+      <p:sp>
+        <p:nvSpPr>
+          <p:cNvPr id="3" name="Marcador de notas 2"/>
+          <p:cNvSpPr>
+            <a:spLocks noGrp="1"/>
+          </p:cNvSpPr>
+          <p:nvPr>
+            <p:ph type="body" idx="1"/>
+          </p:nvPr>
+        </p:nvSpPr>
+        <p:spPr/>
+        <p:txBody>
+          <a:bodyPr/>
+          <a:lstStyle/>
+          <a:p>
+            <a:r>
+              <a:rPr lang="es-ES" dirty="0" err="1"/>
+              <a:t>Request</a:t>
+            </a:r>
+            <a:r>
+              <a:rPr lang="es-ES" dirty="0"/>
+              <a:t> implementa la interfaz </a:t>
+            </a:r>
+            <a:r>
+              <a:rPr lang="es-ES" dirty="0" err="1"/>
+              <a:t>IHttpRequest</a:t>
+            </a:r>
+            <a:r>
+              <a:rPr lang="es-ES" dirty="0"/>
+              <a:t> incorporada de .NET y, por lo tanto, expone todo eso es posible que necesitemos saber sobre la solicitud actual. Entre otras cosas a tener en cuenta es la capacidad de inspeccionar </a:t>
+            </a:r>
+            <a:r>
+              <a:rPr lang="es-ES" dirty="0" err="1"/>
+              <a:t>Headers</a:t>
+            </a:r>
+            <a:r>
+              <a:rPr lang="es-ES" dirty="0"/>
+              <a:t>, </a:t>
+            </a:r>
+            <a:r>
+              <a:rPr lang="es-ES" dirty="0" err="1"/>
+              <a:t>QueryString</a:t>
+            </a:r>
+            <a:r>
+              <a:rPr lang="es-ES" dirty="0"/>
+              <a:t> y el </a:t>
+            </a:r>
+            <a:r>
+              <a:rPr lang="es-ES" dirty="0" err="1"/>
+              <a:t>HttpMethod</a:t>
+            </a:r>
+            <a:r>
+              <a:rPr lang="es-ES" dirty="0"/>
+              <a:t> actual</a:t>
+            </a:r>
+            <a:endParaRPr lang="es-CO" dirty="0"/>
+          </a:p>
+        </p:txBody>
+      </p:sp>
+      <p:sp>
+        <p:nvSpPr>
+          <p:cNvPr id="4" name="Marcador de número de diapositiva 3"/>
+          <p:cNvSpPr>
+            <a:spLocks noGrp="1"/>
+          </p:cNvSpPr>
+          <p:nvPr>
+            <p:ph type="sldNum" sz="quarter" idx="10"/>
+          </p:nvPr>
+        </p:nvSpPr>
+        <p:spPr/>
+        <p:txBody>
+          <a:bodyPr/>
+          <a:lstStyle/>
+          <a:p>
+            <a:fld id="{F82B9EC9-5510-408D-8820-096EB829DDB0}" type="slidenum">
+              <a:rPr lang="es-CO" smtClean="0"/>
+              <a:t>27</a:t>
+            </a:fld>
+            <a:endParaRPr lang="es-CO"/>
+          </a:p>
+        </p:txBody>
+      </p:sp>
+    </p:spTree>
+    <p:extLst>
+      <p:ext uri="{BB962C8B-B14F-4D97-AF65-F5344CB8AC3E}">
+        <p14:creationId xmlns:p14="http://schemas.microsoft.com/office/powerpoint/2010/main" val="3484569848"/>
+      </p:ext>
+    </p:extLst>
+  </p:cSld>
+  <p:clrMapOvr>
+    <a:masterClrMapping/>
+  </p:clrMapOvr>
+</p:notes>
+</file>
+
+<file path=ppt/notesSlides/notesSlide28.xml><?xml version="1.0" encoding="utf-8"?>
+<p:notes xmlns:a="http://schemas.openxmlformats.org/drawingml/2006/main" xmlns:r="http://schemas.openxmlformats.org/officeDocument/2006/relationships" xmlns:p="http://schemas.openxmlformats.org/presentationml/2006/main">
+  <p:cSld>
+    <p:spTree>
+      <p:nvGrpSpPr>
+        <p:cNvPr id="1" name=""/>
+        <p:cNvGrpSpPr/>
+        <p:nvPr/>
+      </p:nvGrpSpPr>
+      <p:grpSpPr>
+        <a:xfrm>
+          <a:off x="0" y="0"/>
+          <a:ext cx="0" cy="0"/>
+          <a:chOff x="0" y="0"/>
+          <a:chExt cx="0" cy="0"/>
+        </a:xfrm>
+      </p:grpSpPr>
+      <p:sp>
+        <p:nvSpPr>
+          <p:cNvPr id="2" name="Marcador de imagen de diapositiva 1"/>
+          <p:cNvSpPr>
+            <a:spLocks noGrp="1" noRot="1" noChangeAspect="1"/>
+          </p:cNvSpPr>
+          <p:nvPr>
+            <p:ph type="sldImg"/>
+          </p:nvPr>
+        </p:nvSpPr>
+        <p:spPr/>
+      </p:sp>
+      <p:sp>
+        <p:nvSpPr>
+          <p:cNvPr id="3" name="Marcador de notas 2"/>
+          <p:cNvSpPr>
+            <a:spLocks noGrp="1"/>
+          </p:cNvSpPr>
+          <p:nvPr>
+            <p:ph type="body" idx="1"/>
+          </p:nvPr>
+        </p:nvSpPr>
+        <p:spPr/>
+        <p:txBody>
+          <a:bodyPr/>
+          <a:lstStyle/>
+          <a:p>
+            <a:r>
+              <a:rPr lang="es-ES" dirty="0"/>
+              <a:t>La respuesta representa el objeto que el cliente eventualmente recibirá. Entre otros, uno de los La mayoría de los métodos útiles expuestos por el objeto Response es el método </a:t>
+            </a:r>
+            <a:r>
+              <a:rPr lang="es-ES" dirty="0" err="1"/>
+              <a:t>AddHeader</a:t>
+            </a:r>
+            <a:r>
+              <a:rPr lang="es-ES" dirty="0"/>
+              <a:t>, que manipula los encabezados devueltos al cliente. Veamos un ejemplo de </a:t>
+            </a:r>
+            <a:r>
+              <a:rPr lang="es-ES" dirty="0" err="1"/>
+              <a:t>AddHeader</a:t>
+            </a:r>
+            <a:r>
+              <a:rPr lang="es-ES" dirty="0"/>
+              <a:t> uso</a:t>
+            </a:r>
+            <a:endParaRPr lang="es-CO" dirty="0"/>
+          </a:p>
+        </p:txBody>
+      </p:sp>
+      <p:sp>
+        <p:nvSpPr>
+          <p:cNvPr id="4" name="Marcador de número de diapositiva 3"/>
+          <p:cNvSpPr>
+            <a:spLocks noGrp="1"/>
+          </p:cNvSpPr>
+          <p:nvPr>
+            <p:ph type="sldNum" sz="quarter" idx="10"/>
+          </p:nvPr>
+        </p:nvSpPr>
+        <p:spPr/>
+        <p:txBody>
+          <a:bodyPr/>
+          <a:lstStyle/>
+          <a:p>
+            <a:fld id="{F82B9EC9-5510-408D-8820-096EB829DDB0}" type="slidenum">
+              <a:rPr lang="es-CO" smtClean="0"/>
+              <a:t>28</a:t>
+            </a:fld>
+            <a:endParaRPr lang="es-CO"/>
+          </a:p>
+        </p:txBody>
+      </p:sp>
+    </p:spTree>
+    <p:extLst>
+      <p:ext uri="{BB962C8B-B14F-4D97-AF65-F5344CB8AC3E}">
+        <p14:creationId xmlns:p14="http://schemas.microsoft.com/office/powerpoint/2010/main" val="508439794"/>
+      </p:ext>
+    </p:extLst>
+  </p:cSld>
+  <p:clrMapOvr>
+    <a:masterClrMapping/>
+  </p:clrMapOvr>
+</p:notes>
+</file>
+
+<file path=ppt/notesSlides/notesSlide29.xml><?xml version="1.0" encoding="utf-8"?>
+<p:notes xmlns:a="http://schemas.openxmlformats.org/drawingml/2006/main" xmlns:r="http://schemas.openxmlformats.org/officeDocument/2006/relationships" xmlns:p="http://schemas.openxmlformats.org/presentationml/2006/main">
+  <p:cSld>
+    <p:spTree>
+      <p:nvGrpSpPr>
+        <p:cNvPr id="1" name=""/>
+        <p:cNvGrpSpPr/>
+        <p:nvPr/>
+      </p:nvGrpSpPr>
+      <p:grpSpPr>
+        <a:xfrm>
+          <a:off x="0" y="0"/>
+          <a:ext cx="0" cy="0"/>
+          <a:chOff x="0" y="0"/>
+          <a:chExt cx="0" cy="0"/>
+        </a:xfrm>
+      </p:grpSpPr>
+      <p:sp>
+        <p:nvSpPr>
+          <p:cNvPr id="2" name="Marcador de imagen de diapositiva 1"/>
+          <p:cNvSpPr>
+            <a:spLocks noGrp="1" noRot="1" noChangeAspect="1"/>
+          </p:cNvSpPr>
+          <p:nvPr>
+            <p:ph type="sldImg"/>
+          </p:nvPr>
+        </p:nvSpPr>
+        <p:spPr/>
+      </p:sp>
+      <p:sp>
+        <p:nvSpPr>
+          <p:cNvPr id="3" name="Marcador de notas 2"/>
+          <p:cNvSpPr>
+            <a:spLocks noGrp="1"/>
+          </p:cNvSpPr>
+          <p:nvPr>
+            <p:ph type="body" idx="1"/>
+          </p:nvPr>
+        </p:nvSpPr>
+        <p:spPr/>
+        <p:txBody>
+          <a:bodyPr/>
+          <a:lstStyle/>
+          <a:p>
+            <a:endParaRPr lang="es-CO" dirty="0"/>
+          </a:p>
+        </p:txBody>
+      </p:sp>
+      <p:sp>
+        <p:nvSpPr>
+          <p:cNvPr id="4" name="Marcador de número de diapositiva 3"/>
+          <p:cNvSpPr>
+            <a:spLocks noGrp="1"/>
+          </p:cNvSpPr>
+          <p:nvPr>
+            <p:ph type="sldNum" sz="quarter" idx="10"/>
+          </p:nvPr>
+        </p:nvSpPr>
+        <p:spPr/>
+        <p:txBody>
+          <a:bodyPr/>
+          <a:lstStyle/>
+          <a:p>
+            <a:fld id="{F82B9EC9-5510-408D-8820-096EB829DDB0}" type="slidenum">
+              <a:rPr lang="es-CO" smtClean="0"/>
+              <a:t>29</a:t>
+            </a:fld>
+            <a:endParaRPr lang="es-CO"/>
+          </a:p>
+        </p:txBody>
+      </p:sp>
+    </p:spTree>
+    <p:extLst>
+      <p:ext uri="{BB962C8B-B14F-4D97-AF65-F5344CB8AC3E}">
+        <p14:creationId xmlns:p14="http://schemas.microsoft.com/office/powerpoint/2010/main" val="3849737789"/>
+      </p:ext>
+    </p:extLst>
+  </p:cSld>
+  <p:clrMapOvr>
+    <a:masterClrMapping/>
+  </p:clrMapOvr>
+</p:notes>
+</file>
+
 <file path=ppt/notesSlides/notesSlide3.xml><?xml version="1.0" encoding="utf-8"?>
 <p:notes xmlns:a="http://schemas.openxmlformats.org/drawingml/2006/main" xmlns:r="http://schemas.openxmlformats.org/officeDocument/2006/relationships" xmlns:p="http://schemas.openxmlformats.org/presentationml/2006/main">
   <p:cSld>
@@ -2595,6 +3409,181 @@
     <p:extLst>
       <p:ext uri="{BB962C8B-B14F-4D97-AF65-F5344CB8AC3E}">
         <p14:creationId xmlns:p14="http://schemas.microsoft.com/office/powerpoint/2010/main" val="1967713560"/>
+      </p:ext>
+    </p:extLst>
+  </p:cSld>
+  <p:clrMapOvr>
+    <a:masterClrMapping/>
+  </p:clrMapOvr>
+</p:notes>
+</file>
+
+<file path=ppt/notesSlides/notesSlide30.xml><?xml version="1.0" encoding="utf-8"?>
+<p:notes xmlns:a="http://schemas.openxmlformats.org/drawingml/2006/main" xmlns:r="http://schemas.openxmlformats.org/officeDocument/2006/relationships" xmlns:p="http://schemas.openxmlformats.org/presentationml/2006/main">
+  <p:cSld>
+    <p:spTree>
+      <p:nvGrpSpPr>
+        <p:cNvPr id="1" name=""/>
+        <p:cNvGrpSpPr/>
+        <p:nvPr/>
+      </p:nvGrpSpPr>
+      <p:grpSpPr>
+        <a:xfrm>
+          <a:off x="0" y="0"/>
+          <a:ext cx="0" cy="0"/>
+          <a:chOff x="0" y="0"/>
+          <a:chExt cx="0" cy="0"/>
+        </a:xfrm>
+      </p:grpSpPr>
+      <p:sp>
+        <p:nvSpPr>
+          <p:cNvPr id="2" name="Marcador de imagen de diapositiva 1"/>
+          <p:cNvSpPr>
+            <a:spLocks noGrp="1" noRot="1" noChangeAspect="1"/>
+          </p:cNvSpPr>
+          <p:nvPr>
+            <p:ph type="sldImg"/>
+          </p:nvPr>
+        </p:nvSpPr>
+        <p:spPr/>
+      </p:sp>
+      <p:sp>
+        <p:nvSpPr>
+          <p:cNvPr id="3" name="Marcador de notas 2"/>
+          <p:cNvSpPr>
+            <a:spLocks noGrp="1"/>
+          </p:cNvSpPr>
+          <p:nvPr>
+            <p:ph type="body" idx="1"/>
+          </p:nvPr>
+        </p:nvSpPr>
+        <p:spPr/>
+        <p:txBody>
+          <a:bodyPr/>
+          <a:lstStyle/>
+          <a:p>
+            <a:r>
+              <a:rPr lang="es-ES" dirty="0"/>
+              <a:t>Si no se especifica lo contrario, </a:t>
+            </a:r>
+            <a:r>
+              <a:rPr lang="es-ES" dirty="0" err="1"/>
+              <a:t>ServiceStack</a:t>
+            </a:r>
+            <a:r>
+              <a:rPr lang="es-ES" dirty="0"/>
+              <a:t> ofrece principalmente tres formas de negociar el tipo de contenido del recurso: </a:t>
+            </a:r>
+          </a:p>
+          <a:p>
+            <a:endParaRPr lang="es-ES" dirty="0"/>
+          </a:p>
+          <a:p>
+            <a:r>
+              <a:rPr lang="es-ES" dirty="0"/>
+              <a:t>El encabezado HTTP </a:t>
+            </a:r>
+            <a:r>
+              <a:rPr lang="es-ES" dirty="0" err="1"/>
+              <a:t>Accept</a:t>
+            </a:r>
+            <a:r>
+              <a:rPr lang="es-ES" dirty="0"/>
+              <a:t>. </a:t>
+            </a:r>
+          </a:p>
+          <a:p>
+            <a:r>
+              <a:rPr lang="es-ES" dirty="0"/>
+              <a:t>El parámetro de cadena de consulta de formato. </a:t>
+            </a:r>
+          </a:p>
+          <a:p>
+            <a:r>
+              <a:rPr lang="es-ES" dirty="0"/>
+              <a:t>La extensión del archivo (por ejemplo, http: // &lt;</a:t>
+            </a:r>
+            <a:r>
+              <a:rPr lang="es-ES" dirty="0" err="1"/>
+              <a:t>servername</a:t>
+            </a:r>
+            <a:r>
+              <a:rPr lang="es-ES" dirty="0"/>
+              <a:t>&gt; /</a:t>
+            </a:r>
+            <a:r>
+              <a:rPr lang="es-ES" dirty="0" err="1"/>
+              <a:t>orders.json</a:t>
+            </a:r>
+            <a:r>
+              <a:rPr lang="es-ES" dirty="0"/>
+              <a:t>). </a:t>
+            </a:r>
+          </a:p>
+          <a:p>
+            <a:endParaRPr lang="es-ES" dirty="0"/>
+          </a:p>
+          <a:p>
+            <a:r>
+              <a:rPr lang="es-ES" dirty="0"/>
+              <a:t>El uso del encabezado HTTP </a:t>
+            </a:r>
+            <a:r>
+              <a:rPr lang="es-ES" dirty="0" err="1"/>
+              <a:t>Accept</a:t>
+            </a:r>
+            <a:r>
+              <a:rPr lang="es-ES" dirty="0"/>
+              <a:t> es considerado por muchos como un recomendado y más forma elegante de negociar el tipo de contenido, y es el estándar HTTP. Sin embargo, es un calor tema y hay un debate sobre si se deben pasar las instrucciones de formato directamente en el URI. yo piensa que es bueno tenerlos a ambos, ya que ambos tienen sus pros y sus contras. </a:t>
+            </a:r>
+          </a:p>
+          <a:p>
+            <a:endParaRPr lang="es-ES" dirty="0"/>
+          </a:p>
+          <a:p>
+            <a:r>
+              <a:rPr lang="es-ES" dirty="0"/>
+              <a:t>Como ya debería estar familiarizado con cómo usar el encabezado HTTP Accept6, no iremos en detalles. La siguiente tabla muestra las opciones disponibles en </a:t>
+            </a:r>
+            <a:r>
+              <a:rPr lang="es-ES" dirty="0" err="1"/>
+              <a:t>ServiceStack</a:t>
+            </a:r>
+            <a:r>
+              <a:rPr lang="es-ES" dirty="0"/>
+              <a:t>.</a:t>
+            </a:r>
+            <a:endParaRPr lang="es-CO" dirty="0"/>
+          </a:p>
+        </p:txBody>
+      </p:sp>
+      <p:sp>
+        <p:nvSpPr>
+          <p:cNvPr id="4" name="Marcador de número de diapositiva 3"/>
+          <p:cNvSpPr>
+            <a:spLocks noGrp="1"/>
+          </p:cNvSpPr>
+          <p:nvPr>
+            <p:ph type="sldNum" sz="quarter" idx="10"/>
+          </p:nvPr>
+        </p:nvSpPr>
+        <p:spPr/>
+        <p:txBody>
+          <a:bodyPr/>
+          <a:lstStyle/>
+          <a:p>
+            <a:fld id="{F82B9EC9-5510-408D-8820-096EB829DDB0}" type="slidenum">
+              <a:rPr lang="es-CO" smtClean="0"/>
+              <a:t>30</a:t>
+            </a:fld>
+            <a:endParaRPr lang="es-CO"/>
+          </a:p>
+        </p:txBody>
+      </p:sp>
+    </p:spTree>
+    <p:extLst>
+      <p:ext uri="{BB962C8B-B14F-4D97-AF65-F5344CB8AC3E}">
+        <p14:creationId xmlns:p14="http://schemas.microsoft.com/office/powerpoint/2010/main" val="741868923"/>
       </p:ext>
     </p:extLst>
   </p:cSld>
@@ -3257,7 +4246,7 @@
           <a:p>
             <a:fld id="{E5D78773-9131-404C-ACB3-62F3C9BC13CF}" type="datetimeFigureOut">
               <a:rPr lang="es-CO" smtClean="0"/>
-              <a:t>23/07/2018</a:t>
+              <a:t>24/07/2018</a:t>
             </a:fld>
             <a:endParaRPr lang="es-CO"/>
           </a:p>
@@ -3457,7 +4446,7 @@
           <a:p>
             <a:fld id="{8A8E3610-CFDD-4880-BAB4-3CD60D9C7275}" type="datetimeFigureOut">
               <a:rPr lang="es-CO" smtClean="0"/>
-              <a:t>23/07/2018</a:t>
+              <a:t>24/07/2018</a:t>
             </a:fld>
             <a:endParaRPr lang="es-CO"/>
           </a:p>
@@ -3667,7 +4656,7 @@
           <a:p>
             <a:fld id="{8A8E3610-CFDD-4880-BAB4-3CD60D9C7275}" type="datetimeFigureOut">
               <a:rPr lang="es-CO" smtClean="0"/>
-              <a:t>23/07/2018</a:t>
+              <a:t>24/07/2018</a:t>
             </a:fld>
             <a:endParaRPr lang="es-CO"/>
           </a:p>
@@ -4003,7 +4992,7 @@
           <a:p>
             <a:fld id="{8A8E3610-CFDD-4880-BAB4-3CD60D9C7275}" type="datetimeFigureOut">
               <a:rPr lang="es-CO" smtClean="0"/>
-              <a:t>23/07/2018</a:t>
+              <a:t>24/07/2018</a:t>
             </a:fld>
             <a:endParaRPr lang="es-CO"/>
           </a:p>
@@ -4279,7 +5268,7 @@
           <a:p>
             <a:fld id="{8A8E3610-CFDD-4880-BAB4-3CD60D9C7275}" type="datetimeFigureOut">
               <a:rPr lang="es-CO" smtClean="0"/>
-              <a:t>23/07/2018</a:t>
+              <a:t>24/07/2018</a:t>
             </a:fld>
             <a:endParaRPr lang="es-CO"/>
           </a:p>
@@ -4547,7 +5536,7 @@
           <a:p>
             <a:fld id="{8A8E3610-CFDD-4880-BAB4-3CD60D9C7275}" type="datetimeFigureOut">
               <a:rPr lang="es-CO" smtClean="0"/>
-              <a:t>23/07/2018</a:t>
+              <a:t>24/07/2018</a:t>
             </a:fld>
             <a:endParaRPr lang="es-CO"/>
           </a:p>
@@ -4962,7 +5951,7 @@
           <a:p>
             <a:fld id="{8A8E3610-CFDD-4880-BAB4-3CD60D9C7275}" type="datetimeFigureOut">
               <a:rPr lang="es-CO" smtClean="0"/>
-              <a:t>23/07/2018</a:t>
+              <a:t>24/07/2018</a:t>
             </a:fld>
             <a:endParaRPr lang="es-CO"/>
           </a:p>
@@ -5179,7 +6168,7 @@
           <a:p>
             <a:fld id="{8A8E3610-CFDD-4880-BAB4-3CD60D9C7275}" type="datetimeFigureOut">
               <a:rPr lang="es-CO" smtClean="0"/>
-              <a:t>23/07/2018</a:t>
+              <a:t>24/07/2018</a:t>
             </a:fld>
             <a:endParaRPr lang="es-CO"/>
           </a:p>
@@ -5492,7 +6481,7 @@
           <a:p>
             <a:fld id="{8A8E3610-CFDD-4880-BAB4-3CD60D9C7275}" type="datetimeFigureOut">
               <a:rPr lang="es-CO" smtClean="0"/>
-              <a:t>23/07/2018</a:t>
+              <a:t>24/07/2018</a:t>
             </a:fld>
             <a:endParaRPr lang="es-CO"/>
           </a:p>
@@ -5781,7 +6770,7 @@
           <a:p>
             <a:fld id="{8A8E3610-CFDD-4880-BAB4-3CD60D9C7275}" type="datetimeFigureOut">
               <a:rPr lang="es-CO" smtClean="0"/>
-              <a:t>23/07/2018</a:t>
+              <a:t>24/07/2018</a:t>
             </a:fld>
             <a:endParaRPr lang="es-CO"/>
           </a:p>
@@ -6024,7 +7013,7 @@
           <a:p>
             <a:fld id="{E5D78773-9131-404C-ACB3-62F3C9BC13CF}" type="datetimeFigureOut">
               <a:rPr lang="es-CO" smtClean="0"/>
-              <a:t>23/07/2018</a:t>
+              <a:t>24/07/2018</a:t>
             </a:fld>
             <a:endParaRPr lang="es-CO"/>
           </a:p>
@@ -10537,7 +11526,7 @@
           <a:lstStyle/>
           <a:p>
             <a:r>
-              <a:rPr lang="es-MX" sz="2800">
+              <a:rPr lang="es-MX" sz="2800" dirty="0" err="1">
                 <a:solidFill>
                   <a:schemeClr val="tx1">
                     <a:lumMod val="75000"/>
@@ -10547,7 +11536,46 @@
                 <a:latin typeface="Segoe UI" panose="020B0502040204020203" pitchFamily="34" charset="0"/>
                 <a:cs typeface="Segoe UI" panose="020B0502040204020203" pitchFamily="34" charset="0"/>
               </a:rPr>
-              <a:t>ServiceStack está construido sobre la interfaz ASP.NET System.Web.IHttpHandler. Afortunadamente, la nueva implementación ha reducido la complejidad (en comparación con la configuración WCF) e introduce objetos POCO en casi todos los aspectos del marco.</a:t>
+              <a:t>ServiceStack</a:t>
+            </a:r>
+            <a:r>
+              <a:rPr lang="es-MX" sz="2800" dirty="0">
+                <a:solidFill>
+                  <a:schemeClr val="tx1">
+                    <a:lumMod val="75000"/>
+                    <a:lumOff val="25000"/>
+                  </a:schemeClr>
+                </a:solidFill>
+                <a:latin typeface="Segoe UI" panose="020B0502040204020203" pitchFamily="34" charset="0"/>
+                <a:cs typeface="Segoe UI" panose="020B0502040204020203" pitchFamily="34" charset="0"/>
+              </a:rPr>
+              <a:t> está construido sobre la interfaz ASP.NET </a:t>
+            </a:r>
+            <a:r>
+              <a:rPr lang="es-MX" sz="2800" dirty="0" err="1">
+                <a:solidFill>
+                  <a:schemeClr val="tx1">
+                    <a:lumMod val="75000"/>
+                    <a:lumOff val="25000"/>
+                  </a:schemeClr>
+                </a:solidFill>
+                <a:latin typeface="Segoe UI" panose="020B0502040204020203" pitchFamily="34" charset="0"/>
+                <a:cs typeface="Segoe UI" panose="020B0502040204020203" pitchFamily="34" charset="0"/>
+              </a:rPr>
+              <a:t>System.Web.IHttpHandler</a:t>
+            </a:r>
+            <a:r>
+              <a:rPr lang="es-MX" sz="2800" dirty="0">
+                <a:solidFill>
+                  <a:schemeClr val="tx1">
+                    <a:lumMod val="75000"/>
+                    <a:lumOff val="25000"/>
+                  </a:schemeClr>
+                </a:solidFill>
+                <a:latin typeface="Segoe UI" panose="020B0502040204020203" pitchFamily="34" charset="0"/>
+                <a:cs typeface="Segoe UI" panose="020B0502040204020203" pitchFamily="34" charset="0"/>
+              </a:rPr>
+              <a:t>. Afortunadamente, la nueva implementación ha reducido la complejidad (en comparación con la configuración WCF) e introduce objetos POCO en casi todos los aspectos del marco.</a:t>
             </a:r>
             <a:endParaRPr lang="es-CO" sz="2800" dirty="0">
               <a:solidFill>
@@ -10687,6 +11715,1442 @@
 </p:sld>
 </file>
 
+<file path=ppt/slides/slide23.xml><?xml version="1.0" encoding="utf-8"?>
+<p:sld xmlns:a="http://schemas.openxmlformats.org/drawingml/2006/main" xmlns:r="http://schemas.openxmlformats.org/officeDocument/2006/relationships" xmlns:p="http://schemas.openxmlformats.org/presentationml/2006/main">
+  <p:cSld>
+    <p:spTree>
+      <p:nvGrpSpPr>
+        <p:cNvPr id="1" name=""/>
+        <p:cNvGrpSpPr/>
+        <p:nvPr/>
+      </p:nvGrpSpPr>
+      <p:grpSpPr>
+        <a:xfrm>
+          <a:off x="0" y="0"/>
+          <a:ext cx="0" cy="0"/>
+          <a:chOff x="0" y="0"/>
+          <a:chExt cx="0" cy="0"/>
+        </a:xfrm>
+      </p:grpSpPr>
+      <p:sp>
+        <p:nvSpPr>
+          <p:cNvPr id="2" name="CuadroTexto 1">
+            <a:extLst>
+              <a:ext uri="{FF2B5EF4-FFF2-40B4-BE49-F238E27FC236}">
+                <a16:creationId xmlns:a16="http://schemas.microsoft.com/office/drawing/2014/main" id="{A7F3F451-89EE-48EF-AB36-D9F6082585A1}"/>
+              </a:ext>
+            </a:extLst>
+          </p:cNvPr>
+          <p:cNvSpPr txBox="1"/>
+          <p:nvPr/>
+        </p:nvSpPr>
+        <p:spPr>
+          <a:xfrm>
+            <a:off x="931796" y="312814"/>
+            <a:ext cx="11487150" cy="769441"/>
+          </a:xfrm>
+          <a:prstGeom prst="rect">
+            <a:avLst/>
+          </a:prstGeom>
+          <a:noFill/>
+        </p:spPr>
+        <p:txBody>
+          <a:bodyPr wrap="square" rtlCol="0">
+            <a:spAutoFit/>
+          </a:bodyPr>
+          <a:lstStyle/>
+          <a:p>
+            <a:r>
+              <a:rPr lang="es-MX" sz="4400" dirty="0" err="1">
+                <a:solidFill>
+                  <a:schemeClr val="accent1">
+                    <a:lumMod val="50000"/>
+                  </a:schemeClr>
+                </a:solidFill>
+                <a:latin typeface="Segoe UI Light" panose="020B0502040204020203" pitchFamily="34" charset="0"/>
+                <a:cs typeface="Segoe UI Light" panose="020B0502040204020203" pitchFamily="34" charset="0"/>
+              </a:rPr>
+              <a:t>ServiceStack</a:t>
+            </a:r>
+            <a:r>
+              <a:rPr lang="es-MX" sz="4400" dirty="0">
+                <a:solidFill>
+                  <a:schemeClr val="accent1">
+                    <a:lumMod val="50000"/>
+                  </a:schemeClr>
+                </a:solidFill>
+                <a:latin typeface="Segoe UI Light" panose="020B0502040204020203" pitchFamily="34" charset="0"/>
+                <a:cs typeface="Segoe UI Light" panose="020B0502040204020203" pitchFamily="34" charset="0"/>
+              </a:rPr>
+              <a:t> Basic</a:t>
+            </a:r>
+            <a:endParaRPr lang="es-CO" sz="4400" dirty="0">
+              <a:solidFill>
+                <a:schemeClr val="accent1">
+                  <a:lumMod val="50000"/>
+                </a:schemeClr>
+              </a:solidFill>
+              <a:latin typeface="Segoe UI Light" panose="020B0502040204020203" pitchFamily="34" charset="0"/>
+              <a:cs typeface="Segoe UI Light" panose="020B0502040204020203" pitchFamily="34" charset="0"/>
+            </a:endParaRPr>
+          </a:p>
+        </p:txBody>
+      </p:sp>
+      <p:sp>
+        <p:nvSpPr>
+          <p:cNvPr id="15" name="CuadroTexto 14">
+            <a:extLst>
+              <a:ext uri="{FF2B5EF4-FFF2-40B4-BE49-F238E27FC236}">
+                <a16:creationId xmlns:a16="http://schemas.microsoft.com/office/drawing/2014/main" id="{66F8EA88-0F22-482B-B37B-0C47711188F9}"/>
+              </a:ext>
+            </a:extLst>
+          </p:cNvPr>
+          <p:cNvSpPr txBox="1"/>
+          <p:nvPr/>
+        </p:nvSpPr>
+        <p:spPr>
+          <a:xfrm>
+            <a:off x="1048058" y="2108677"/>
+            <a:ext cx="3953326" cy="707886"/>
+          </a:xfrm>
+          <a:prstGeom prst="rect">
+            <a:avLst/>
+          </a:prstGeom>
+          <a:noFill/>
+        </p:spPr>
+        <p:txBody>
+          <a:bodyPr wrap="none" rtlCol="0">
+            <a:spAutoFit/>
+          </a:bodyPr>
+          <a:lstStyle/>
+          <a:p>
+            <a:r>
+              <a:rPr lang="es-MX" sz="4000" dirty="0" err="1">
+                <a:latin typeface="Segoe UI" panose="020B0502040204020203" pitchFamily="34" charset="0"/>
+                <a:cs typeface="Segoe UI" panose="020B0502040204020203" pitchFamily="34" charset="0"/>
+              </a:rPr>
+              <a:t>Application</a:t>
+            </a:r>
+            <a:r>
+              <a:rPr lang="es-MX" sz="4000" dirty="0">
+                <a:latin typeface="Segoe UI" panose="020B0502040204020203" pitchFamily="34" charset="0"/>
+                <a:cs typeface="Segoe UI" panose="020B0502040204020203" pitchFamily="34" charset="0"/>
+              </a:rPr>
+              <a:t> Host</a:t>
+            </a:r>
+            <a:endParaRPr lang="es-CO" sz="4000" dirty="0">
+              <a:latin typeface="Segoe UI" panose="020B0502040204020203" pitchFamily="34" charset="0"/>
+              <a:cs typeface="Segoe UI" panose="020B0502040204020203" pitchFamily="34" charset="0"/>
+            </a:endParaRPr>
+          </a:p>
+        </p:txBody>
+      </p:sp>
+      <p:sp>
+        <p:nvSpPr>
+          <p:cNvPr id="5" name="CuadroTexto 4">
+            <a:extLst>
+              <a:ext uri="{FF2B5EF4-FFF2-40B4-BE49-F238E27FC236}">
+                <a16:creationId xmlns:a16="http://schemas.microsoft.com/office/drawing/2014/main" id="{835FAE1C-EF62-4FDF-B3C2-5FF0534F63BB}"/>
+              </a:ext>
+            </a:extLst>
+          </p:cNvPr>
+          <p:cNvSpPr txBox="1"/>
+          <p:nvPr/>
+        </p:nvSpPr>
+        <p:spPr>
+          <a:xfrm>
+            <a:off x="3157538" y="3429000"/>
+            <a:ext cx="8701914" cy="954107"/>
+          </a:xfrm>
+          <a:prstGeom prst="rect">
+            <a:avLst/>
+          </a:prstGeom>
+          <a:noFill/>
+        </p:spPr>
+        <p:txBody>
+          <a:bodyPr wrap="square" rtlCol="0">
+            <a:spAutoFit/>
+          </a:bodyPr>
+          <a:lstStyle/>
+          <a:p>
+            <a:r>
+              <a:rPr lang="es-MX" sz="2800" dirty="0">
+                <a:solidFill>
+                  <a:schemeClr val="tx1">
+                    <a:lumMod val="75000"/>
+                    <a:lumOff val="25000"/>
+                  </a:schemeClr>
+                </a:solidFill>
+                <a:latin typeface="Segoe UI" panose="020B0502040204020203" pitchFamily="34" charset="0"/>
+                <a:cs typeface="Segoe UI" panose="020B0502040204020203" pitchFamily="34" charset="0"/>
+              </a:rPr>
+              <a:t>El punto de entrada base para </a:t>
+            </a:r>
+            <a:r>
+              <a:rPr lang="es-MX" sz="2800" dirty="0" err="1">
+                <a:solidFill>
+                  <a:schemeClr val="tx1">
+                    <a:lumMod val="75000"/>
+                    <a:lumOff val="25000"/>
+                  </a:schemeClr>
+                </a:solidFill>
+                <a:latin typeface="Segoe UI" panose="020B0502040204020203" pitchFamily="34" charset="0"/>
+                <a:cs typeface="Segoe UI" panose="020B0502040204020203" pitchFamily="34" charset="0"/>
+              </a:rPr>
+              <a:t>ServiceStack</a:t>
+            </a:r>
+            <a:r>
+              <a:rPr lang="es-MX" sz="2800" dirty="0">
+                <a:solidFill>
+                  <a:schemeClr val="tx1">
+                    <a:lumMod val="75000"/>
+                    <a:lumOff val="25000"/>
+                  </a:schemeClr>
+                </a:solidFill>
+                <a:latin typeface="Segoe UI" panose="020B0502040204020203" pitchFamily="34" charset="0"/>
+                <a:cs typeface="Segoe UI" panose="020B0502040204020203" pitchFamily="34" charset="0"/>
+              </a:rPr>
+              <a:t> es </a:t>
+            </a:r>
+            <a:r>
+              <a:rPr lang="es-MX" sz="2800" dirty="0" err="1">
+                <a:solidFill>
+                  <a:schemeClr val="tx1">
+                    <a:lumMod val="75000"/>
+                    <a:lumOff val="25000"/>
+                  </a:schemeClr>
+                </a:solidFill>
+                <a:latin typeface="Segoe UI" panose="020B0502040204020203" pitchFamily="34" charset="0"/>
+                <a:cs typeface="Segoe UI" panose="020B0502040204020203" pitchFamily="34" charset="0"/>
+              </a:rPr>
+              <a:t>AppHost</a:t>
+            </a:r>
+            <a:r>
+              <a:rPr lang="es-MX" sz="2800" dirty="0">
+                <a:solidFill>
+                  <a:schemeClr val="tx1">
+                    <a:lumMod val="75000"/>
+                    <a:lumOff val="25000"/>
+                  </a:schemeClr>
+                </a:solidFill>
+                <a:latin typeface="Segoe UI" panose="020B0502040204020203" pitchFamily="34" charset="0"/>
+                <a:cs typeface="Segoe UI" panose="020B0502040204020203" pitchFamily="34" charset="0"/>
+              </a:rPr>
+              <a:t> (host de aplicaciones)</a:t>
+            </a:r>
+            <a:endParaRPr lang="es-CO" sz="2800" dirty="0">
+              <a:solidFill>
+                <a:schemeClr val="tx1">
+                  <a:lumMod val="75000"/>
+                  <a:lumOff val="25000"/>
+                </a:schemeClr>
+              </a:solidFill>
+              <a:latin typeface="Segoe UI" panose="020B0502040204020203" pitchFamily="34" charset="0"/>
+              <a:cs typeface="Segoe UI" panose="020B0502040204020203" pitchFamily="34" charset="0"/>
+            </a:endParaRPr>
+          </a:p>
+        </p:txBody>
+      </p:sp>
+    </p:spTree>
+    <p:extLst>
+      <p:ext uri="{BB962C8B-B14F-4D97-AF65-F5344CB8AC3E}">
+        <p14:creationId xmlns:p14="http://schemas.microsoft.com/office/powerpoint/2010/main" val="3024512964"/>
+      </p:ext>
+    </p:extLst>
+  </p:cSld>
+  <p:clrMapOvr>
+    <a:masterClrMapping/>
+  </p:clrMapOvr>
+</p:sld>
+</file>
+
+<file path=ppt/slides/slide24.xml><?xml version="1.0" encoding="utf-8"?>
+<p:sld xmlns:a="http://schemas.openxmlformats.org/drawingml/2006/main" xmlns:r="http://schemas.openxmlformats.org/officeDocument/2006/relationships" xmlns:p="http://schemas.openxmlformats.org/presentationml/2006/main">
+  <p:cSld>
+    <p:bg>
+      <p:bgPr>
+        <a:solidFill>
+          <a:schemeClr val="bg1"/>
+        </a:solidFill>
+        <a:effectLst/>
+      </p:bgPr>
+    </p:bg>
+    <p:spTree>
+      <p:nvGrpSpPr>
+        <p:cNvPr id="1" name=""/>
+        <p:cNvGrpSpPr/>
+        <p:nvPr/>
+      </p:nvGrpSpPr>
+      <p:grpSpPr>
+        <a:xfrm>
+          <a:off x="0" y="0"/>
+          <a:ext cx="0" cy="0"/>
+          <a:chOff x="0" y="0"/>
+          <a:chExt cx="0" cy="0"/>
+        </a:xfrm>
+      </p:grpSpPr>
+      <p:sp>
+        <p:nvSpPr>
+          <p:cNvPr id="12" name="Rectangle 7">
+            <a:extLst>
+              <a:ext uri="{FF2B5EF4-FFF2-40B4-BE49-F238E27FC236}">
+                <a16:creationId xmlns:a16="http://schemas.microsoft.com/office/drawing/2014/main" id="{A4AC5506-6312-4701-8D3C-40187889A947}"/>
+              </a:ext>
+              <a:ext uri="{C183D7F6-B498-43B3-948B-1728B52AA6E4}">
+                <adec:decorative xmlns:adec="http://schemas.microsoft.com/office/drawing/2017/decorative" val="1"/>
+              </a:ext>
+            </a:extLst>
+          </p:cNvPr>
+          <p:cNvSpPr>
+            <a:spLocks noGrp="1" noRot="1" noChangeAspect="1" noMove="1" noResize="1" noEditPoints="1" noAdjustHandles="1" noChangeArrowheads="1" noChangeShapeType="1" noTextEdit="1"/>
+          </p:cNvSpPr>
+          <p:nvPr>
+            <p:extLst>
+              <p:ext uri="{386F3935-93C4-4BCD-93E2-E3B085C9AB24}">
+                <p16:designElem xmlns:p16="http://schemas.microsoft.com/office/powerpoint/2015/main" val="1"/>
+              </p:ext>
+            </p:extLst>
+          </p:nvPr>
+        </p:nvSpPr>
+        <p:spPr>
+          <a:xfrm>
+            <a:off x="0" y="651752"/>
+            <a:ext cx="12192000" cy="736551"/>
+          </a:xfrm>
+          <a:prstGeom prst="rect">
+            <a:avLst/>
+          </a:prstGeom>
+          <a:solidFill>
+            <a:schemeClr val="tx1"/>
+          </a:solidFill>
+          <a:ln>
+            <a:noFill/>
+          </a:ln>
+        </p:spPr>
+        <p:style>
+          <a:lnRef idx="2">
+            <a:schemeClr val="accent1">
+              <a:shade val="50000"/>
+            </a:schemeClr>
+          </a:lnRef>
+          <a:fillRef idx="1">
+            <a:schemeClr val="accent1"/>
+          </a:fillRef>
+          <a:effectRef idx="0">
+            <a:schemeClr val="accent1"/>
+          </a:effectRef>
+          <a:fontRef idx="minor">
+            <a:schemeClr val="lt1"/>
+          </a:fontRef>
+        </p:style>
+        <p:txBody>
+          <a:bodyPr rtlCol="0" anchor="ctr"/>
+          <a:lstStyle/>
+          <a:p>
+            <a:pPr algn="ctr"/>
+            <a:endParaRPr lang="en-US"/>
+          </a:p>
+        </p:txBody>
+      </p:sp>
+      <p:sp>
+        <p:nvSpPr>
+          <p:cNvPr id="2" name="CuadroTexto 1">
+            <a:extLst>
+              <a:ext uri="{FF2B5EF4-FFF2-40B4-BE49-F238E27FC236}">
+                <a16:creationId xmlns:a16="http://schemas.microsoft.com/office/drawing/2014/main" id="{A7F3F451-89EE-48EF-AB36-D9F6082585A1}"/>
+              </a:ext>
+            </a:extLst>
+          </p:cNvPr>
+          <p:cNvSpPr txBox="1"/>
+          <p:nvPr/>
+        </p:nvSpPr>
+        <p:spPr>
+          <a:xfrm>
+            <a:off x="556532" y="643467"/>
+            <a:ext cx="11210925" cy="744836"/>
+          </a:xfrm>
+          <a:prstGeom prst="rect">
+            <a:avLst/>
+          </a:prstGeom>
+        </p:spPr>
+        <p:txBody>
+          <a:bodyPr vert="horz" lIns="91440" tIns="45720" rIns="91440" bIns="45720" rtlCol="0" anchor="ctr">
+            <a:normAutofit/>
+          </a:bodyPr>
+          <a:lstStyle/>
+          <a:p>
+            <a:pPr algn="ctr">
+              <a:lnSpc>
+                <a:spcPct val="90000"/>
+              </a:lnSpc>
+              <a:spcBef>
+                <a:spcPct val="0"/>
+              </a:spcBef>
+              <a:spcAft>
+                <a:spcPts val="600"/>
+              </a:spcAft>
+            </a:pPr>
+            <a:r>
+              <a:rPr lang="en-US" sz="3200" kern="1200">
+                <a:solidFill>
+                  <a:schemeClr val="bg1"/>
+                </a:solidFill>
+                <a:latin typeface="+mj-lt"/>
+                <a:ea typeface="+mj-ea"/>
+                <a:cs typeface="+mj-cs"/>
+              </a:rPr>
+              <a:t>ServiceStack Basic - AppHostBase</a:t>
+            </a:r>
+          </a:p>
+        </p:txBody>
+      </p:sp>
+      <p:pic>
+        <p:nvPicPr>
+          <p:cNvPr id="3" name="Imagen 2" descr="Imagen que contiene captura de pantalla&#10;&#10;Descripción generada con confianza muy alta">
+            <a:extLst>
+              <a:ext uri="{FF2B5EF4-FFF2-40B4-BE49-F238E27FC236}">
+                <a16:creationId xmlns:a16="http://schemas.microsoft.com/office/drawing/2014/main" id="{1174B4F1-B0B9-4C2E-A3B6-0BF89DB56258}"/>
+              </a:ext>
+            </a:extLst>
+          </p:cNvPr>
+          <p:cNvPicPr>
+            <a:picLocks noChangeAspect="1"/>
+          </p:cNvPicPr>
+          <p:nvPr/>
+        </p:nvPicPr>
+        <p:blipFill>
+          <a:blip r:embed="rId3"/>
+          <a:stretch>
+            <a:fillRect/>
+          </a:stretch>
+        </p:blipFill>
+        <p:spPr>
+          <a:xfrm>
+            <a:off x="1850396" y="1675227"/>
+            <a:ext cx="8491207" cy="4394199"/>
+          </a:xfrm>
+          <a:prstGeom prst="rect">
+            <a:avLst/>
+          </a:prstGeom>
+        </p:spPr>
+      </p:pic>
+    </p:spTree>
+    <p:extLst>
+      <p:ext uri="{BB962C8B-B14F-4D97-AF65-F5344CB8AC3E}">
+        <p14:creationId xmlns:p14="http://schemas.microsoft.com/office/powerpoint/2010/main" val="2204524674"/>
+      </p:ext>
+    </p:extLst>
+  </p:cSld>
+  <p:clrMapOvr>
+    <a:masterClrMapping/>
+  </p:clrMapOvr>
+</p:sld>
+</file>
+
+<file path=ppt/slides/slide25.xml><?xml version="1.0" encoding="utf-8"?>
+<p:sld xmlns:a="http://schemas.openxmlformats.org/drawingml/2006/main" xmlns:r="http://schemas.openxmlformats.org/officeDocument/2006/relationships" xmlns:p="http://schemas.openxmlformats.org/presentationml/2006/main">
+  <p:cSld>
+    <p:bg>
+      <p:bgPr>
+        <a:solidFill>
+          <a:schemeClr val="bg1"/>
+        </a:solidFill>
+        <a:effectLst/>
+      </p:bgPr>
+    </p:bg>
+    <p:spTree>
+      <p:nvGrpSpPr>
+        <p:cNvPr id="1" name=""/>
+        <p:cNvGrpSpPr/>
+        <p:nvPr/>
+      </p:nvGrpSpPr>
+      <p:grpSpPr>
+        <a:xfrm>
+          <a:off x="0" y="0"/>
+          <a:ext cx="0" cy="0"/>
+          <a:chOff x="0" y="0"/>
+          <a:chExt cx="0" cy="0"/>
+        </a:xfrm>
+      </p:grpSpPr>
+      <p:sp>
+        <p:nvSpPr>
+          <p:cNvPr id="17" name="Rectangle 16">
+            <a:extLst>
+              <a:ext uri="{FF2B5EF4-FFF2-40B4-BE49-F238E27FC236}">
+                <a16:creationId xmlns:a16="http://schemas.microsoft.com/office/drawing/2014/main" id="{A4AC5506-6312-4701-8D3C-40187889A947}"/>
+              </a:ext>
+              <a:ext uri="{C183D7F6-B498-43B3-948B-1728B52AA6E4}">
+                <adec:decorative xmlns:adec="http://schemas.microsoft.com/office/drawing/2017/decorative" val="1"/>
+              </a:ext>
+            </a:extLst>
+          </p:cNvPr>
+          <p:cNvSpPr>
+            <a:spLocks noGrp="1" noRot="1" noChangeAspect="1" noMove="1" noResize="1" noEditPoints="1" noAdjustHandles="1" noChangeArrowheads="1" noChangeShapeType="1" noTextEdit="1"/>
+          </p:cNvSpPr>
+          <p:nvPr>
+            <p:extLst>
+              <p:ext uri="{386F3935-93C4-4BCD-93E2-E3B085C9AB24}">
+                <p16:designElem xmlns:p16="http://schemas.microsoft.com/office/powerpoint/2015/main" val="1"/>
+              </p:ext>
+            </p:extLst>
+          </p:nvPr>
+        </p:nvSpPr>
+        <p:spPr>
+          <a:xfrm>
+            <a:off x="0" y="651752"/>
+            <a:ext cx="12192000" cy="736551"/>
+          </a:xfrm>
+          <a:prstGeom prst="rect">
+            <a:avLst/>
+          </a:prstGeom>
+          <a:solidFill>
+            <a:schemeClr val="tx1"/>
+          </a:solidFill>
+          <a:ln>
+            <a:noFill/>
+          </a:ln>
+        </p:spPr>
+        <p:style>
+          <a:lnRef idx="2">
+            <a:schemeClr val="accent1">
+              <a:shade val="50000"/>
+            </a:schemeClr>
+          </a:lnRef>
+          <a:fillRef idx="1">
+            <a:schemeClr val="accent1"/>
+          </a:fillRef>
+          <a:effectRef idx="0">
+            <a:schemeClr val="accent1"/>
+          </a:effectRef>
+          <a:fontRef idx="minor">
+            <a:schemeClr val="lt1"/>
+          </a:fontRef>
+        </p:style>
+        <p:txBody>
+          <a:bodyPr rtlCol="0" anchor="ctr"/>
+          <a:lstStyle/>
+          <a:p>
+            <a:pPr algn="ctr"/>
+            <a:endParaRPr lang="en-US"/>
+          </a:p>
+        </p:txBody>
+      </p:sp>
+      <p:sp>
+        <p:nvSpPr>
+          <p:cNvPr id="2" name="CuadroTexto 1">
+            <a:extLst>
+              <a:ext uri="{FF2B5EF4-FFF2-40B4-BE49-F238E27FC236}">
+                <a16:creationId xmlns:a16="http://schemas.microsoft.com/office/drawing/2014/main" id="{A7F3F451-89EE-48EF-AB36-D9F6082585A1}"/>
+              </a:ext>
+            </a:extLst>
+          </p:cNvPr>
+          <p:cNvSpPr txBox="1"/>
+          <p:nvPr/>
+        </p:nvSpPr>
+        <p:spPr>
+          <a:xfrm>
+            <a:off x="556532" y="643467"/>
+            <a:ext cx="11210925" cy="744836"/>
+          </a:xfrm>
+          <a:prstGeom prst="rect">
+            <a:avLst/>
+          </a:prstGeom>
+        </p:spPr>
+        <p:txBody>
+          <a:bodyPr vert="horz" lIns="91440" tIns="45720" rIns="91440" bIns="45720" rtlCol="0" anchor="ctr">
+            <a:normAutofit/>
+          </a:bodyPr>
+          <a:lstStyle/>
+          <a:p>
+            <a:pPr algn="ctr">
+              <a:lnSpc>
+                <a:spcPct val="90000"/>
+              </a:lnSpc>
+              <a:spcBef>
+                <a:spcPct val="0"/>
+              </a:spcBef>
+              <a:spcAft>
+                <a:spcPts val="600"/>
+              </a:spcAft>
+            </a:pPr>
+            <a:r>
+              <a:rPr lang="en-US" sz="3200" kern="1200" dirty="0" err="1">
+                <a:solidFill>
+                  <a:schemeClr val="bg1"/>
+                </a:solidFill>
+                <a:latin typeface="+mj-lt"/>
+                <a:ea typeface="+mj-ea"/>
+                <a:cs typeface="+mj-cs"/>
+              </a:rPr>
+              <a:t>ServiceStack</a:t>
+            </a:r>
+            <a:r>
+              <a:rPr lang="en-US" sz="3200" kern="1200" dirty="0">
+                <a:solidFill>
+                  <a:schemeClr val="bg1"/>
+                </a:solidFill>
+                <a:latin typeface="+mj-lt"/>
+                <a:ea typeface="+mj-ea"/>
+                <a:cs typeface="+mj-cs"/>
+              </a:rPr>
+              <a:t> Basic - </a:t>
+            </a:r>
+            <a:r>
+              <a:rPr lang="en-US" sz="3200" kern="1200" dirty="0" err="1">
+                <a:solidFill>
+                  <a:schemeClr val="bg1"/>
+                </a:solidFill>
+                <a:latin typeface="+mj-lt"/>
+                <a:ea typeface="+mj-ea"/>
+                <a:cs typeface="+mj-cs"/>
+              </a:rPr>
+              <a:t>AppHostListnerBase</a:t>
+            </a:r>
+            <a:endParaRPr lang="en-US" sz="3200" kern="1200" dirty="0">
+              <a:solidFill>
+                <a:schemeClr val="bg1"/>
+              </a:solidFill>
+              <a:latin typeface="+mj-lt"/>
+              <a:ea typeface="+mj-ea"/>
+              <a:cs typeface="+mj-cs"/>
+            </a:endParaRPr>
+          </a:p>
+        </p:txBody>
+      </p:sp>
+      <p:pic>
+        <p:nvPicPr>
+          <p:cNvPr id="4" name="Imagen 3" descr="Imagen que contiene captura de pantalla&#10;&#10;Descripción generada con confianza muy alta">
+            <a:extLst>
+              <a:ext uri="{FF2B5EF4-FFF2-40B4-BE49-F238E27FC236}">
+                <a16:creationId xmlns:a16="http://schemas.microsoft.com/office/drawing/2014/main" id="{13E802C1-5DEB-45EA-B79F-FD18984E1AEA}"/>
+              </a:ext>
+            </a:extLst>
+          </p:cNvPr>
+          <p:cNvPicPr>
+            <a:picLocks noChangeAspect="1"/>
+          </p:cNvPicPr>
+          <p:nvPr/>
+        </p:nvPicPr>
+        <p:blipFill>
+          <a:blip r:embed="rId3"/>
+          <a:stretch>
+            <a:fillRect/>
+          </a:stretch>
+        </p:blipFill>
+        <p:spPr>
+          <a:xfrm>
+            <a:off x="1891025" y="1675227"/>
+            <a:ext cx="8409950" cy="4394199"/>
+          </a:xfrm>
+          <a:prstGeom prst="rect">
+            <a:avLst/>
+          </a:prstGeom>
+        </p:spPr>
+      </p:pic>
+    </p:spTree>
+    <p:extLst>
+      <p:ext uri="{BB962C8B-B14F-4D97-AF65-F5344CB8AC3E}">
+        <p14:creationId xmlns:p14="http://schemas.microsoft.com/office/powerpoint/2010/main" val="2852558317"/>
+      </p:ext>
+    </p:extLst>
+  </p:cSld>
+  <p:clrMapOvr>
+    <a:masterClrMapping/>
+  </p:clrMapOvr>
+</p:sld>
+</file>
+
+<file path=ppt/slides/slide26.xml><?xml version="1.0" encoding="utf-8"?>
+<p:sld xmlns:a="http://schemas.openxmlformats.org/drawingml/2006/main" xmlns:r="http://schemas.openxmlformats.org/officeDocument/2006/relationships" xmlns:p="http://schemas.openxmlformats.org/presentationml/2006/main">
+  <p:cSld>
+    <p:spTree>
+      <p:nvGrpSpPr>
+        <p:cNvPr id="1" name=""/>
+        <p:cNvGrpSpPr/>
+        <p:nvPr/>
+      </p:nvGrpSpPr>
+      <p:grpSpPr>
+        <a:xfrm>
+          <a:off x="0" y="0"/>
+          <a:ext cx="0" cy="0"/>
+          <a:chOff x="0" y="0"/>
+          <a:chExt cx="0" cy="0"/>
+        </a:xfrm>
+      </p:grpSpPr>
+      <p:sp>
+        <p:nvSpPr>
+          <p:cNvPr id="2" name="CuadroTexto 1">
+            <a:extLst>
+              <a:ext uri="{FF2B5EF4-FFF2-40B4-BE49-F238E27FC236}">
+                <a16:creationId xmlns:a16="http://schemas.microsoft.com/office/drawing/2014/main" id="{A7F3F451-89EE-48EF-AB36-D9F6082585A1}"/>
+              </a:ext>
+            </a:extLst>
+          </p:cNvPr>
+          <p:cNvSpPr txBox="1"/>
+          <p:nvPr/>
+        </p:nvSpPr>
+        <p:spPr>
+          <a:xfrm>
+            <a:off x="931796" y="312814"/>
+            <a:ext cx="11487150" cy="769441"/>
+          </a:xfrm>
+          <a:prstGeom prst="rect">
+            <a:avLst/>
+          </a:prstGeom>
+          <a:noFill/>
+        </p:spPr>
+        <p:txBody>
+          <a:bodyPr wrap="square" rtlCol="0">
+            <a:spAutoFit/>
+          </a:bodyPr>
+          <a:lstStyle/>
+          <a:p>
+            <a:r>
+              <a:rPr lang="es-MX" sz="4400" dirty="0" err="1">
+                <a:solidFill>
+                  <a:schemeClr val="accent1">
+                    <a:lumMod val="50000"/>
+                  </a:schemeClr>
+                </a:solidFill>
+                <a:latin typeface="Segoe UI Light" panose="020B0502040204020203" pitchFamily="34" charset="0"/>
+                <a:cs typeface="Segoe UI Light" panose="020B0502040204020203" pitchFamily="34" charset="0"/>
+              </a:rPr>
+              <a:t>ServiceStack</a:t>
+            </a:r>
+            <a:r>
+              <a:rPr lang="es-MX" sz="4400" dirty="0">
+                <a:solidFill>
+                  <a:schemeClr val="accent1">
+                    <a:lumMod val="50000"/>
+                  </a:schemeClr>
+                </a:solidFill>
+                <a:latin typeface="Segoe UI Light" panose="020B0502040204020203" pitchFamily="34" charset="0"/>
+                <a:cs typeface="Segoe UI Light" panose="020B0502040204020203" pitchFamily="34" charset="0"/>
+              </a:rPr>
+              <a:t> Servicios</a:t>
+            </a:r>
+            <a:endParaRPr lang="es-CO" sz="4400" dirty="0">
+              <a:solidFill>
+                <a:schemeClr val="accent1">
+                  <a:lumMod val="50000"/>
+                </a:schemeClr>
+              </a:solidFill>
+              <a:latin typeface="Segoe UI Light" panose="020B0502040204020203" pitchFamily="34" charset="0"/>
+              <a:cs typeface="Segoe UI Light" panose="020B0502040204020203" pitchFamily="34" charset="0"/>
+            </a:endParaRPr>
+          </a:p>
+        </p:txBody>
+      </p:sp>
+      <p:pic>
+        <p:nvPicPr>
+          <p:cNvPr id="3" name="Imagen 2">
+            <a:extLst>
+              <a:ext uri="{FF2B5EF4-FFF2-40B4-BE49-F238E27FC236}">
+                <a16:creationId xmlns:a16="http://schemas.microsoft.com/office/drawing/2014/main" id="{4F7E4567-753E-40AF-A34E-8F76AAFBDB60}"/>
+              </a:ext>
+            </a:extLst>
+          </p:cNvPr>
+          <p:cNvPicPr>
+            <a:picLocks noChangeAspect="1"/>
+          </p:cNvPicPr>
+          <p:nvPr/>
+        </p:nvPicPr>
+        <p:blipFill>
+          <a:blip r:embed="rId3"/>
+          <a:stretch>
+            <a:fillRect/>
+          </a:stretch>
+        </p:blipFill>
+        <p:spPr>
+          <a:xfrm>
+            <a:off x="704849" y="1955189"/>
+            <a:ext cx="11367815" cy="929444"/>
+          </a:xfrm>
+          <a:prstGeom prst="rect">
+            <a:avLst/>
+          </a:prstGeom>
+        </p:spPr>
+      </p:pic>
+      <p:pic>
+        <p:nvPicPr>
+          <p:cNvPr id="4" name="Imagen 3">
+            <a:extLst>
+              <a:ext uri="{FF2B5EF4-FFF2-40B4-BE49-F238E27FC236}">
+                <a16:creationId xmlns:a16="http://schemas.microsoft.com/office/drawing/2014/main" id="{257B3BFD-586D-43E9-8066-17975D86425D}"/>
+              </a:ext>
+            </a:extLst>
+          </p:cNvPr>
+          <p:cNvPicPr>
+            <a:picLocks noChangeAspect="1"/>
+          </p:cNvPicPr>
+          <p:nvPr/>
+        </p:nvPicPr>
+        <p:blipFill>
+          <a:blip r:embed="rId4"/>
+          <a:stretch>
+            <a:fillRect/>
+          </a:stretch>
+        </p:blipFill>
+        <p:spPr>
+          <a:xfrm>
+            <a:off x="1468890" y="3054205"/>
+            <a:ext cx="9765167" cy="2949417"/>
+          </a:xfrm>
+          <a:prstGeom prst="rect">
+            <a:avLst/>
+          </a:prstGeom>
+        </p:spPr>
+      </p:pic>
+    </p:spTree>
+    <p:extLst>
+      <p:ext uri="{BB962C8B-B14F-4D97-AF65-F5344CB8AC3E}">
+        <p14:creationId xmlns:p14="http://schemas.microsoft.com/office/powerpoint/2010/main" val="3479514392"/>
+      </p:ext>
+    </p:extLst>
+  </p:cSld>
+  <p:clrMapOvr>
+    <a:masterClrMapping/>
+  </p:clrMapOvr>
+</p:sld>
+</file>
+
+<file path=ppt/slides/slide27.xml><?xml version="1.0" encoding="utf-8"?>
+<p:sld xmlns:a="http://schemas.openxmlformats.org/drawingml/2006/main" xmlns:r="http://schemas.openxmlformats.org/officeDocument/2006/relationships" xmlns:p="http://schemas.openxmlformats.org/presentationml/2006/main">
+  <p:cSld>
+    <p:spTree>
+      <p:nvGrpSpPr>
+        <p:cNvPr id="1" name=""/>
+        <p:cNvGrpSpPr/>
+        <p:nvPr/>
+      </p:nvGrpSpPr>
+      <p:grpSpPr>
+        <a:xfrm>
+          <a:off x="0" y="0"/>
+          <a:ext cx="0" cy="0"/>
+          <a:chOff x="0" y="0"/>
+          <a:chExt cx="0" cy="0"/>
+        </a:xfrm>
+      </p:grpSpPr>
+      <p:sp>
+        <p:nvSpPr>
+          <p:cNvPr id="2" name="CuadroTexto 1">
+            <a:extLst>
+              <a:ext uri="{FF2B5EF4-FFF2-40B4-BE49-F238E27FC236}">
+                <a16:creationId xmlns:a16="http://schemas.microsoft.com/office/drawing/2014/main" id="{A7F3F451-89EE-48EF-AB36-D9F6082585A1}"/>
+              </a:ext>
+            </a:extLst>
+          </p:cNvPr>
+          <p:cNvSpPr txBox="1"/>
+          <p:nvPr/>
+        </p:nvSpPr>
+        <p:spPr>
+          <a:xfrm>
+            <a:off x="931796" y="312814"/>
+            <a:ext cx="11487150" cy="769441"/>
+          </a:xfrm>
+          <a:prstGeom prst="rect">
+            <a:avLst/>
+          </a:prstGeom>
+          <a:noFill/>
+        </p:spPr>
+        <p:txBody>
+          <a:bodyPr wrap="square" rtlCol="0">
+            <a:spAutoFit/>
+          </a:bodyPr>
+          <a:lstStyle/>
+          <a:p>
+            <a:r>
+              <a:rPr lang="es-MX" sz="4400" dirty="0" err="1">
+                <a:solidFill>
+                  <a:schemeClr val="accent1">
+                    <a:lumMod val="50000"/>
+                  </a:schemeClr>
+                </a:solidFill>
+                <a:latin typeface="Segoe UI Light" panose="020B0502040204020203" pitchFamily="34" charset="0"/>
+                <a:cs typeface="Segoe UI Light" panose="020B0502040204020203" pitchFamily="34" charset="0"/>
+              </a:rPr>
+              <a:t>ServiceStack</a:t>
+            </a:r>
+            <a:r>
+              <a:rPr lang="es-MX" sz="4400" dirty="0">
+                <a:solidFill>
+                  <a:schemeClr val="accent1">
+                    <a:lumMod val="50000"/>
+                  </a:schemeClr>
+                </a:solidFill>
+                <a:latin typeface="Segoe UI Light" panose="020B0502040204020203" pitchFamily="34" charset="0"/>
+                <a:cs typeface="Segoe UI Light" panose="020B0502040204020203" pitchFamily="34" charset="0"/>
+              </a:rPr>
+              <a:t> </a:t>
+            </a:r>
+            <a:r>
+              <a:rPr lang="es-MX" sz="4400" dirty="0" err="1">
+                <a:solidFill>
+                  <a:schemeClr val="accent1">
+                    <a:lumMod val="50000"/>
+                  </a:schemeClr>
+                </a:solidFill>
+                <a:latin typeface="Segoe UI Light" panose="020B0502040204020203" pitchFamily="34" charset="0"/>
+                <a:cs typeface="Segoe UI Light" panose="020B0502040204020203" pitchFamily="34" charset="0"/>
+              </a:rPr>
+              <a:t>Request</a:t>
+            </a:r>
+            <a:endParaRPr lang="es-CO" sz="4400" dirty="0">
+              <a:solidFill>
+                <a:schemeClr val="accent1">
+                  <a:lumMod val="50000"/>
+                </a:schemeClr>
+              </a:solidFill>
+              <a:latin typeface="Segoe UI Light" panose="020B0502040204020203" pitchFamily="34" charset="0"/>
+              <a:cs typeface="Segoe UI Light" panose="020B0502040204020203" pitchFamily="34" charset="0"/>
+            </a:endParaRPr>
+          </a:p>
+        </p:txBody>
+      </p:sp>
+      <p:pic>
+        <p:nvPicPr>
+          <p:cNvPr id="5" name="Imagen 4">
+            <a:extLst>
+              <a:ext uri="{FF2B5EF4-FFF2-40B4-BE49-F238E27FC236}">
+                <a16:creationId xmlns:a16="http://schemas.microsoft.com/office/drawing/2014/main" id="{7C8907CA-E9CC-434B-9200-61CA72A2B777}"/>
+              </a:ext>
+            </a:extLst>
+          </p:cNvPr>
+          <p:cNvPicPr>
+            <a:picLocks noChangeAspect="1"/>
+          </p:cNvPicPr>
+          <p:nvPr/>
+        </p:nvPicPr>
+        <p:blipFill>
+          <a:blip r:embed="rId3"/>
+          <a:stretch>
+            <a:fillRect/>
+          </a:stretch>
+        </p:blipFill>
+        <p:spPr>
+          <a:xfrm>
+            <a:off x="2039523" y="2343150"/>
+            <a:ext cx="8365185" cy="3208564"/>
+          </a:xfrm>
+          <a:prstGeom prst="rect">
+            <a:avLst/>
+          </a:prstGeom>
+        </p:spPr>
+      </p:pic>
+      <p:pic>
+        <p:nvPicPr>
+          <p:cNvPr id="6" name="Imagen 5">
+            <a:extLst>
+              <a:ext uri="{FF2B5EF4-FFF2-40B4-BE49-F238E27FC236}">
+                <a16:creationId xmlns:a16="http://schemas.microsoft.com/office/drawing/2014/main" id="{5D30D363-2536-4AD5-B7AB-F9AF112CB6B5}"/>
+              </a:ext>
+            </a:extLst>
+          </p:cNvPr>
+          <p:cNvPicPr>
+            <a:picLocks noChangeAspect="1"/>
+          </p:cNvPicPr>
+          <p:nvPr/>
+        </p:nvPicPr>
+        <p:blipFill>
+          <a:blip r:embed="rId4"/>
+          <a:stretch>
+            <a:fillRect/>
+          </a:stretch>
+        </p:blipFill>
+        <p:spPr>
+          <a:xfrm>
+            <a:off x="1813832" y="1306286"/>
+            <a:ext cx="8712174" cy="1004207"/>
+          </a:xfrm>
+          <a:prstGeom prst="rect">
+            <a:avLst/>
+          </a:prstGeom>
+        </p:spPr>
+      </p:pic>
+    </p:spTree>
+    <p:extLst>
+      <p:ext uri="{BB962C8B-B14F-4D97-AF65-F5344CB8AC3E}">
+        <p14:creationId xmlns:p14="http://schemas.microsoft.com/office/powerpoint/2010/main" val="3059297639"/>
+      </p:ext>
+    </p:extLst>
+  </p:cSld>
+  <p:clrMapOvr>
+    <a:masterClrMapping/>
+  </p:clrMapOvr>
+</p:sld>
+</file>
+
+<file path=ppt/slides/slide28.xml><?xml version="1.0" encoding="utf-8"?>
+<p:sld xmlns:a="http://schemas.openxmlformats.org/drawingml/2006/main" xmlns:r="http://schemas.openxmlformats.org/officeDocument/2006/relationships" xmlns:p="http://schemas.openxmlformats.org/presentationml/2006/main">
+  <p:cSld>
+    <p:spTree>
+      <p:nvGrpSpPr>
+        <p:cNvPr id="1" name=""/>
+        <p:cNvGrpSpPr/>
+        <p:nvPr/>
+      </p:nvGrpSpPr>
+      <p:grpSpPr>
+        <a:xfrm>
+          <a:off x="0" y="0"/>
+          <a:ext cx="0" cy="0"/>
+          <a:chOff x="0" y="0"/>
+          <a:chExt cx="0" cy="0"/>
+        </a:xfrm>
+      </p:grpSpPr>
+      <p:sp>
+        <p:nvSpPr>
+          <p:cNvPr id="2" name="CuadroTexto 1">
+            <a:extLst>
+              <a:ext uri="{FF2B5EF4-FFF2-40B4-BE49-F238E27FC236}">
+                <a16:creationId xmlns:a16="http://schemas.microsoft.com/office/drawing/2014/main" id="{A7F3F451-89EE-48EF-AB36-D9F6082585A1}"/>
+              </a:ext>
+            </a:extLst>
+          </p:cNvPr>
+          <p:cNvSpPr txBox="1"/>
+          <p:nvPr/>
+        </p:nvSpPr>
+        <p:spPr>
+          <a:xfrm>
+            <a:off x="931796" y="312814"/>
+            <a:ext cx="11487150" cy="769441"/>
+          </a:xfrm>
+          <a:prstGeom prst="rect">
+            <a:avLst/>
+          </a:prstGeom>
+          <a:noFill/>
+        </p:spPr>
+        <p:txBody>
+          <a:bodyPr wrap="square" rtlCol="0">
+            <a:spAutoFit/>
+          </a:bodyPr>
+          <a:lstStyle/>
+          <a:p>
+            <a:r>
+              <a:rPr lang="es-MX" sz="4400" dirty="0" err="1">
+                <a:solidFill>
+                  <a:schemeClr val="accent1">
+                    <a:lumMod val="50000"/>
+                  </a:schemeClr>
+                </a:solidFill>
+                <a:latin typeface="Segoe UI Light" panose="020B0502040204020203" pitchFamily="34" charset="0"/>
+                <a:cs typeface="Segoe UI Light" panose="020B0502040204020203" pitchFamily="34" charset="0"/>
+              </a:rPr>
+              <a:t>ServiceStack</a:t>
+            </a:r>
+            <a:r>
+              <a:rPr lang="es-MX" sz="4400" dirty="0">
+                <a:solidFill>
+                  <a:schemeClr val="accent1">
+                    <a:lumMod val="50000"/>
+                  </a:schemeClr>
+                </a:solidFill>
+                <a:latin typeface="Segoe UI Light" panose="020B0502040204020203" pitchFamily="34" charset="0"/>
+                <a:cs typeface="Segoe UI Light" panose="020B0502040204020203" pitchFamily="34" charset="0"/>
+              </a:rPr>
+              <a:t> Response</a:t>
+            </a:r>
+            <a:endParaRPr lang="es-CO" sz="4400" dirty="0">
+              <a:solidFill>
+                <a:schemeClr val="accent1">
+                  <a:lumMod val="50000"/>
+                </a:schemeClr>
+              </a:solidFill>
+              <a:latin typeface="Segoe UI Light" panose="020B0502040204020203" pitchFamily="34" charset="0"/>
+              <a:cs typeface="Segoe UI Light" panose="020B0502040204020203" pitchFamily="34" charset="0"/>
+            </a:endParaRPr>
+          </a:p>
+        </p:txBody>
+      </p:sp>
+      <p:pic>
+        <p:nvPicPr>
+          <p:cNvPr id="3" name="Imagen 2">
+            <a:extLst>
+              <a:ext uri="{FF2B5EF4-FFF2-40B4-BE49-F238E27FC236}">
+                <a16:creationId xmlns:a16="http://schemas.microsoft.com/office/drawing/2014/main" id="{CC714855-7A00-41CA-9B79-DABC5FE05B6D}"/>
+              </a:ext>
+            </a:extLst>
+          </p:cNvPr>
+          <p:cNvPicPr>
+            <a:picLocks noChangeAspect="1"/>
+          </p:cNvPicPr>
+          <p:nvPr/>
+        </p:nvPicPr>
+        <p:blipFill>
+          <a:blip r:embed="rId3"/>
+          <a:stretch>
+            <a:fillRect/>
+          </a:stretch>
+        </p:blipFill>
+        <p:spPr>
+          <a:xfrm>
+            <a:off x="931796" y="1082255"/>
+            <a:ext cx="9749809" cy="2608036"/>
+          </a:xfrm>
+          <a:prstGeom prst="rect">
+            <a:avLst/>
+          </a:prstGeom>
+        </p:spPr>
+      </p:pic>
+      <p:pic>
+        <p:nvPicPr>
+          <p:cNvPr id="4" name="Imagen 3">
+            <a:extLst>
+              <a:ext uri="{FF2B5EF4-FFF2-40B4-BE49-F238E27FC236}">
+                <a16:creationId xmlns:a16="http://schemas.microsoft.com/office/drawing/2014/main" id="{5F2DCA91-4E95-49FA-8002-54339875F252}"/>
+              </a:ext>
+            </a:extLst>
+          </p:cNvPr>
+          <p:cNvPicPr>
+            <a:picLocks noChangeAspect="1"/>
+          </p:cNvPicPr>
+          <p:nvPr/>
+        </p:nvPicPr>
+        <p:blipFill>
+          <a:blip r:embed="rId4"/>
+          <a:stretch>
+            <a:fillRect/>
+          </a:stretch>
+        </p:blipFill>
+        <p:spPr>
+          <a:xfrm>
+            <a:off x="1811734" y="3690291"/>
+            <a:ext cx="8568532" cy="1628288"/>
+          </a:xfrm>
+          <a:prstGeom prst="rect">
+            <a:avLst/>
+          </a:prstGeom>
+        </p:spPr>
+      </p:pic>
+    </p:spTree>
+    <p:extLst>
+      <p:ext uri="{BB962C8B-B14F-4D97-AF65-F5344CB8AC3E}">
+        <p14:creationId xmlns:p14="http://schemas.microsoft.com/office/powerpoint/2010/main" val="2875516484"/>
+      </p:ext>
+    </p:extLst>
+  </p:cSld>
+  <p:clrMapOvr>
+    <a:masterClrMapping/>
+  </p:clrMapOvr>
+</p:sld>
+</file>
+
+<file path=ppt/slides/slide29.xml><?xml version="1.0" encoding="utf-8"?>
+<p:sld xmlns:a="http://schemas.openxmlformats.org/drawingml/2006/main" xmlns:r="http://schemas.openxmlformats.org/officeDocument/2006/relationships" xmlns:p="http://schemas.openxmlformats.org/presentationml/2006/main">
+  <p:cSld>
+    <p:spTree>
+      <p:nvGrpSpPr>
+        <p:cNvPr id="1" name=""/>
+        <p:cNvGrpSpPr/>
+        <p:nvPr/>
+      </p:nvGrpSpPr>
+      <p:grpSpPr>
+        <a:xfrm>
+          <a:off x="0" y="0"/>
+          <a:ext cx="0" cy="0"/>
+          <a:chOff x="0" y="0"/>
+          <a:chExt cx="0" cy="0"/>
+        </a:xfrm>
+      </p:grpSpPr>
+      <p:sp>
+        <p:nvSpPr>
+          <p:cNvPr id="2" name="CuadroTexto 1">
+            <a:extLst>
+              <a:ext uri="{FF2B5EF4-FFF2-40B4-BE49-F238E27FC236}">
+                <a16:creationId xmlns:a16="http://schemas.microsoft.com/office/drawing/2014/main" id="{A7F3F451-89EE-48EF-AB36-D9F6082585A1}"/>
+              </a:ext>
+            </a:extLst>
+          </p:cNvPr>
+          <p:cNvSpPr txBox="1"/>
+          <p:nvPr/>
+        </p:nvSpPr>
+        <p:spPr>
+          <a:xfrm>
+            <a:off x="931796" y="312814"/>
+            <a:ext cx="11487150" cy="769441"/>
+          </a:xfrm>
+          <a:prstGeom prst="rect">
+            <a:avLst/>
+          </a:prstGeom>
+          <a:noFill/>
+        </p:spPr>
+        <p:txBody>
+          <a:bodyPr wrap="square" rtlCol="0">
+            <a:spAutoFit/>
+          </a:bodyPr>
+          <a:lstStyle/>
+          <a:p>
+            <a:r>
+              <a:rPr lang="es-MX" sz="4400" dirty="0">
+                <a:solidFill>
+                  <a:schemeClr val="accent1">
+                    <a:lumMod val="50000"/>
+                  </a:schemeClr>
+                </a:solidFill>
+                <a:latin typeface="Segoe UI Light" panose="020B0502040204020203" pitchFamily="34" charset="0"/>
+                <a:cs typeface="Segoe UI Light" panose="020B0502040204020203" pitchFamily="34" charset="0"/>
+              </a:rPr>
+              <a:t>Métodos de retorno</a:t>
+            </a:r>
+            <a:endParaRPr lang="es-CO" sz="4400" dirty="0">
+              <a:solidFill>
+                <a:schemeClr val="accent1">
+                  <a:lumMod val="50000"/>
+                </a:schemeClr>
+              </a:solidFill>
+              <a:latin typeface="Segoe UI Light" panose="020B0502040204020203" pitchFamily="34" charset="0"/>
+              <a:cs typeface="Segoe UI Light" panose="020B0502040204020203" pitchFamily="34" charset="0"/>
+            </a:endParaRPr>
+          </a:p>
+        </p:txBody>
+      </p:sp>
+      <p:pic>
+        <p:nvPicPr>
+          <p:cNvPr id="5" name="Imagen 4">
+            <a:extLst>
+              <a:ext uri="{FF2B5EF4-FFF2-40B4-BE49-F238E27FC236}">
+                <a16:creationId xmlns:a16="http://schemas.microsoft.com/office/drawing/2014/main" id="{C44DBCBB-DF4B-4EA1-8247-B3953103F981}"/>
+              </a:ext>
+            </a:extLst>
+          </p:cNvPr>
+          <p:cNvPicPr>
+            <a:picLocks noChangeAspect="1"/>
+          </p:cNvPicPr>
+          <p:nvPr/>
+        </p:nvPicPr>
+        <p:blipFill>
+          <a:blip r:embed="rId3"/>
+          <a:stretch>
+            <a:fillRect/>
+          </a:stretch>
+        </p:blipFill>
+        <p:spPr>
+          <a:xfrm>
+            <a:off x="2068281" y="3227538"/>
+            <a:ext cx="8287665" cy="3317648"/>
+          </a:xfrm>
+          <a:prstGeom prst="rect">
+            <a:avLst/>
+          </a:prstGeom>
+        </p:spPr>
+      </p:pic>
+      <p:sp>
+        <p:nvSpPr>
+          <p:cNvPr id="6" name="CuadroTexto 5">
+            <a:extLst>
+              <a:ext uri="{FF2B5EF4-FFF2-40B4-BE49-F238E27FC236}">
+                <a16:creationId xmlns:a16="http://schemas.microsoft.com/office/drawing/2014/main" id="{CB377379-CC6E-462F-A60B-1D11A2A8FE27}"/>
+              </a:ext>
+            </a:extLst>
+          </p:cNvPr>
+          <p:cNvSpPr txBox="1"/>
+          <p:nvPr/>
+        </p:nvSpPr>
+        <p:spPr>
+          <a:xfrm>
+            <a:off x="1067480" y="1406568"/>
+            <a:ext cx="9484405" cy="1938992"/>
+          </a:xfrm>
+          <a:prstGeom prst="rect">
+            <a:avLst/>
+          </a:prstGeom>
+          <a:noFill/>
+        </p:spPr>
+        <p:txBody>
+          <a:bodyPr wrap="square" rtlCol="0">
+            <a:spAutoFit/>
+          </a:bodyPr>
+          <a:lstStyle/>
+          <a:p>
+            <a:pPr marL="342900" indent="-342900">
+              <a:buFont typeface="Arial" panose="020B0604020202020204" pitchFamily="34" charset="0"/>
+              <a:buChar char="•"/>
+            </a:pPr>
+            <a:r>
+              <a:rPr lang="es-MX" sz="2000" dirty="0">
+                <a:solidFill>
+                  <a:schemeClr val="tx1">
+                    <a:lumMod val="75000"/>
+                    <a:lumOff val="25000"/>
+                  </a:schemeClr>
+                </a:solidFill>
+                <a:latin typeface="Segoe UI" panose="020B0502040204020203" pitchFamily="34" charset="0"/>
+                <a:cs typeface="Segoe UI" panose="020B0502040204020203" pitchFamily="34" charset="0"/>
+              </a:rPr>
+              <a:t>Objeto Response DTO serializado para el tipo de respuesta (JSON, XML, PNG).</a:t>
+            </a:r>
+          </a:p>
+          <a:p>
+            <a:pPr marL="342900" indent="-342900">
+              <a:buFont typeface="Arial" panose="020B0604020202020204" pitchFamily="34" charset="0"/>
+              <a:buChar char="•"/>
+            </a:pPr>
+            <a:r>
+              <a:rPr lang="es-MX" sz="2000" dirty="0">
+                <a:solidFill>
+                  <a:schemeClr val="tx1">
+                    <a:lumMod val="75000"/>
+                    <a:lumOff val="25000"/>
+                  </a:schemeClr>
+                </a:solidFill>
+                <a:latin typeface="Segoe UI" panose="020B0502040204020203" pitchFamily="34" charset="0"/>
+                <a:cs typeface="Segoe UI" panose="020B0502040204020203" pitchFamily="34" charset="0"/>
+              </a:rPr>
+              <a:t>Cualquier valor .NET básico.</a:t>
+            </a:r>
+          </a:p>
+          <a:p>
+            <a:pPr marL="342900" indent="-342900">
+              <a:buFont typeface="Arial" panose="020B0604020202020204" pitchFamily="34" charset="0"/>
+              <a:buChar char="•"/>
+            </a:pPr>
+            <a:r>
+              <a:rPr lang="es-MX" sz="2000" b="1" dirty="0" err="1">
+                <a:solidFill>
+                  <a:schemeClr val="tx1">
+                    <a:lumMod val="75000"/>
+                    <a:lumOff val="25000"/>
+                  </a:schemeClr>
+                </a:solidFill>
+                <a:latin typeface="Segoe UI" panose="020B0502040204020203" pitchFamily="34" charset="0"/>
+                <a:cs typeface="Segoe UI" panose="020B0502040204020203" pitchFamily="34" charset="0"/>
+              </a:rPr>
+              <a:t>HttpResult</a:t>
+            </a:r>
+            <a:r>
+              <a:rPr lang="es-MX" sz="2000" dirty="0">
+                <a:solidFill>
+                  <a:schemeClr val="tx1">
+                    <a:lumMod val="75000"/>
+                    <a:lumOff val="25000"/>
+                  </a:schemeClr>
+                </a:solidFill>
+                <a:latin typeface="Segoe UI" panose="020B0502040204020203" pitchFamily="34" charset="0"/>
+                <a:cs typeface="Segoe UI" panose="020B0502040204020203" pitchFamily="34" charset="0"/>
+              </a:rPr>
+              <a:t>: se usa cuando se necesita control total de lo que el cliente recibe.</a:t>
+            </a:r>
+          </a:p>
+          <a:p>
+            <a:pPr marL="342900" indent="-342900">
+              <a:buFont typeface="Arial" panose="020B0604020202020204" pitchFamily="34" charset="0"/>
+              <a:buChar char="•"/>
+            </a:pPr>
+            <a:r>
+              <a:rPr lang="es-MX" sz="2000" b="1" dirty="0" err="1">
+                <a:solidFill>
+                  <a:schemeClr val="tx1">
+                    <a:lumMod val="75000"/>
+                    <a:lumOff val="25000"/>
+                  </a:schemeClr>
+                </a:solidFill>
+                <a:latin typeface="Segoe UI" panose="020B0502040204020203" pitchFamily="34" charset="0"/>
+                <a:cs typeface="Segoe UI" panose="020B0502040204020203" pitchFamily="34" charset="0"/>
+              </a:rPr>
+              <a:t>HttpError</a:t>
+            </a:r>
+            <a:r>
+              <a:rPr lang="es-MX" sz="2000" dirty="0">
+                <a:solidFill>
+                  <a:schemeClr val="tx1">
+                    <a:lumMod val="75000"/>
+                    <a:lumOff val="25000"/>
+                  </a:schemeClr>
+                </a:solidFill>
+                <a:latin typeface="Segoe UI" panose="020B0502040204020203" pitchFamily="34" charset="0"/>
+                <a:cs typeface="Segoe UI" panose="020B0502040204020203" pitchFamily="34" charset="0"/>
+              </a:rPr>
+              <a:t>: se utiliza para devolver el mensaje de error al cliente.</a:t>
+            </a:r>
+          </a:p>
+          <a:p>
+            <a:pPr marL="342900" indent="-342900">
+              <a:buFont typeface="Arial" panose="020B0604020202020204" pitchFamily="34" charset="0"/>
+              <a:buChar char="•"/>
+            </a:pPr>
+            <a:r>
+              <a:rPr lang="es-MX" sz="2000" b="1" dirty="0" err="1">
+                <a:solidFill>
+                  <a:schemeClr val="tx1">
+                    <a:lumMod val="75000"/>
+                    <a:lumOff val="25000"/>
+                  </a:schemeClr>
+                </a:solidFill>
+                <a:latin typeface="Segoe UI" panose="020B0502040204020203" pitchFamily="34" charset="0"/>
+                <a:cs typeface="Segoe UI" panose="020B0502040204020203" pitchFamily="34" charset="0"/>
+              </a:rPr>
+              <a:t>CompressedResult</a:t>
+            </a:r>
+            <a:r>
+              <a:rPr lang="es-MX" sz="2000" dirty="0">
+                <a:solidFill>
+                  <a:schemeClr val="tx1">
+                    <a:lumMod val="75000"/>
+                    <a:lumOff val="25000"/>
+                  </a:schemeClr>
+                </a:solidFill>
+                <a:latin typeface="Segoe UI" panose="020B0502040204020203" pitchFamily="34" charset="0"/>
+                <a:cs typeface="Segoe UI" panose="020B0502040204020203" pitchFamily="34" charset="0"/>
+              </a:rPr>
+              <a:t> (</a:t>
+            </a:r>
+            <a:r>
+              <a:rPr lang="es-MX" sz="2000" dirty="0" err="1">
+                <a:solidFill>
+                  <a:schemeClr val="tx1">
+                    <a:lumMod val="75000"/>
+                    <a:lumOff val="25000"/>
+                  </a:schemeClr>
+                </a:solidFill>
+                <a:latin typeface="Segoe UI" panose="020B0502040204020203" pitchFamily="34" charset="0"/>
+                <a:cs typeface="Segoe UI" panose="020B0502040204020203" pitchFamily="34" charset="0"/>
+              </a:rPr>
+              <a:t>IHttpResult</a:t>
+            </a:r>
+            <a:r>
+              <a:rPr lang="es-MX" sz="2000" dirty="0">
+                <a:solidFill>
+                  <a:schemeClr val="tx1">
+                    <a:lumMod val="75000"/>
+                    <a:lumOff val="25000"/>
+                  </a:schemeClr>
+                </a:solidFill>
+                <a:latin typeface="Segoe UI" panose="020B0502040204020203" pitchFamily="34" charset="0"/>
+                <a:cs typeface="Segoe UI" panose="020B0502040204020203" pitchFamily="34" charset="0"/>
+              </a:rPr>
+              <a:t>) para una respuesta HTTP personalizada.</a:t>
+            </a:r>
+          </a:p>
+          <a:p>
+            <a:pPr marL="342900" indent="-342900">
+              <a:buFont typeface="Arial" panose="020B0604020202020204" pitchFamily="34" charset="0"/>
+              <a:buChar char="•"/>
+            </a:pPr>
+            <a:endParaRPr lang="es-CO" sz="2000" dirty="0">
+              <a:solidFill>
+                <a:schemeClr val="tx1">
+                  <a:lumMod val="75000"/>
+                  <a:lumOff val="25000"/>
+                </a:schemeClr>
+              </a:solidFill>
+              <a:latin typeface="Segoe UI" panose="020B0502040204020203" pitchFamily="34" charset="0"/>
+              <a:cs typeface="Segoe UI" panose="020B0502040204020203" pitchFamily="34" charset="0"/>
+            </a:endParaRPr>
+          </a:p>
+        </p:txBody>
+      </p:sp>
+    </p:spTree>
+    <p:extLst>
+      <p:ext uri="{BB962C8B-B14F-4D97-AF65-F5344CB8AC3E}">
+        <p14:creationId xmlns:p14="http://schemas.microsoft.com/office/powerpoint/2010/main" val="4063989627"/>
+      </p:ext>
+    </p:extLst>
+  </p:cSld>
+  <p:clrMapOvr>
+    <a:masterClrMapping/>
+  </p:clrMapOvr>
+</p:sld>
+</file>
+
 <file path=ppt/slides/slide3.xml><?xml version="1.0" encoding="utf-8"?>
 <p:sld xmlns:a="http://schemas.openxmlformats.org/drawingml/2006/main" xmlns:r="http://schemas.openxmlformats.org/officeDocument/2006/relationships" xmlns:p="http://schemas.openxmlformats.org/presentationml/2006/main">
   <p:cSld>
@@ -11256,6 +13720,237 @@
     <p:extLst>
       <p:ext uri="{BB962C8B-B14F-4D97-AF65-F5344CB8AC3E}">
         <p14:creationId xmlns:p14="http://schemas.microsoft.com/office/powerpoint/2010/main" val="3960830601"/>
+      </p:ext>
+    </p:extLst>
+  </p:cSld>
+  <p:clrMapOvr>
+    <a:masterClrMapping/>
+  </p:clrMapOvr>
+</p:sld>
+</file>
+
+<file path=ppt/slides/slide30.xml><?xml version="1.0" encoding="utf-8"?>
+<p:sld xmlns:a="http://schemas.openxmlformats.org/drawingml/2006/main" xmlns:r="http://schemas.openxmlformats.org/officeDocument/2006/relationships" xmlns:p="http://schemas.openxmlformats.org/presentationml/2006/main">
+  <p:cSld>
+    <p:spTree>
+      <p:nvGrpSpPr>
+        <p:cNvPr id="1" name=""/>
+        <p:cNvGrpSpPr/>
+        <p:nvPr/>
+      </p:nvGrpSpPr>
+      <p:grpSpPr>
+        <a:xfrm>
+          <a:off x="0" y="0"/>
+          <a:ext cx="0" cy="0"/>
+          <a:chOff x="0" y="0"/>
+          <a:chExt cx="0" cy="0"/>
+        </a:xfrm>
+      </p:grpSpPr>
+      <p:sp>
+        <p:nvSpPr>
+          <p:cNvPr id="2" name="CuadroTexto 1">
+            <a:extLst>
+              <a:ext uri="{FF2B5EF4-FFF2-40B4-BE49-F238E27FC236}">
+                <a16:creationId xmlns:a16="http://schemas.microsoft.com/office/drawing/2014/main" id="{A7F3F451-89EE-48EF-AB36-D9F6082585A1}"/>
+              </a:ext>
+            </a:extLst>
+          </p:cNvPr>
+          <p:cNvSpPr txBox="1"/>
+          <p:nvPr/>
+        </p:nvSpPr>
+        <p:spPr>
+          <a:xfrm>
+            <a:off x="931796" y="312814"/>
+            <a:ext cx="11487150" cy="769441"/>
+          </a:xfrm>
+          <a:prstGeom prst="rect">
+            <a:avLst/>
+          </a:prstGeom>
+          <a:noFill/>
+        </p:spPr>
+        <p:txBody>
+          <a:bodyPr wrap="square" rtlCol="0">
+            <a:spAutoFit/>
+          </a:bodyPr>
+          <a:lstStyle/>
+          <a:p>
+            <a:r>
+              <a:rPr lang="es-MX" sz="4400" dirty="0">
+                <a:solidFill>
+                  <a:schemeClr val="accent1">
+                    <a:lumMod val="50000"/>
+                  </a:schemeClr>
+                </a:solidFill>
+                <a:latin typeface="Segoe UI Light" panose="020B0502040204020203" pitchFamily="34" charset="0"/>
+                <a:cs typeface="Segoe UI Light" panose="020B0502040204020203" pitchFamily="34" charset="0"/>
+              </a:rPr>
+              <a:t>Negociación de contenido</a:t>
+            </a:r>
+            <a:endParaRPr lang="es-CO" sz="4400" dirty="0">
+              <a:solidFill>
+                <a:schemeClr val="accent1">
+                  <a:lumMod val="50000"/>
+                </a:schemeClr>
+              </a:solidFill>
+              <a:latin typeface="Segoe UI Light" panose="020B0502040204020203" pitchFamily="34" charset="0"/>
+              <a:cs typeface="Segoe UI Light" panose="020B0502040204020203" pitchFamily="34" charset="0"/>
+            </a:endParaRPr>
+          </a:p>
+        </p:txBody>
+      </p:sp>
+      <p:sp>
+        <p:nvSpPr>
+          <p:cNvPr id="6" name="CuadroTexto 5">
+            <a:extLst>
+              <a:ext uri="{FF2B5EF4-FFF2-40B4-BE49-F238E27FC236}">
+                <a16:creationId xmlns:a16="http://schemas.microsoft.com/office/drawing/2014/main" id="{CB377379-CC6E-462F-A60B-1D11A2A8FE27}"/>
+              </a:ext>
+            </a:extLst>
+          </p:cNvPr>
+          <p:cNvSpPr txBox="1"/>
+          <p:nvPr/>
+        </p:nvSpPr>
+        <p:spPr>
+          <a:xfrm>
+            <a:off x="1067480" y="1406568"/>
+            <a:ext cx="9484405" cy="1015663"/>
+          </a:xfrm>
+          <a:prstGeom prst="rect">
+            <a:avLst/>
+          </a:prstGeom>
+          <a:noFill/>
+        </p:spPr>
+        <p:txBody>
+          <a:bodyPr wrap="square" rtlCol="0">
+            <a:spAutoFit/>
+          </a:bodyPr>
+          <a:lstStyle/>
+          <a:p>
+            <a:pPr marL="342900" indent="-342900">
+              <a:buFont typeface="Arial" panose="020B0604020202020204" pitchFamily="34" charset="0"/>
+              <a:buChar char="•"/>
+            </a:pPr>
+            <a:r>
+              <a:rPr lang="es-MX" sz="2000" dirty="0">
+                <a:solidFill>
+                  <a:schemeClr val="tx1">
+                    <a:lumMod val="75000"/>
+                    <a:lumOff val="25000"/>
+                  </a:schemeClr>
+                </a:solidFill>
+                <a:latin typeface="Segoe UI" panose="020B0502040204020203" pitchFamily="34" charset="0"/>
+                <a:cs typeface="Segoe UI" panose="020B0502040204020203" pitchFamily="34" charset="0"/>
+              </a:rPr>
+              <a:t>Encabezado HTTP </a:t>
+            </a:r>
+            <a:r>
+              <a:rPr lang="es-MX" sz="2000" dirty="0" err="1">
+                <a:solidFill>
+                  <a:schemeClr val="tx1">
+                    <a:lumMod val="75000"/>
+                    <a:lumOff val="25000"/>
+                  </a:schemeClr>
+                </a:solidFill>
+                <a:latin typeface="Segoe UI" panose="020B0502040204020203" pitchFamily="34" charset="0"/>
+                <a:cs typeface="Segoe UI" panose="020B0502040204020203" pitchFamily="34" charset="0"/>
+              </a:rPr>
+              <a:t>Acept</a:t>
+            </a:r>
+            <a:endParaRPr lang="es-MX" sz="2000" dirty="0">
+              <a:solidFill>
+                <a:schemeClr val="tx1">
+                  <a:lumMod val="75000"/>
+                  <a:lumOff val="25000"/>
+                </a:schemeClr>
+              </a:solidFill>
+              <a:latin typeface="Segoe UI" panose="020B0502040204020203" pitchFamily="34" charset="0"/>
+              <a:cs typeface="Segoe UI" panose="020B0502040204020203" pitchFamily="34" charset="0"/>
+            </a:endParaRPr>
+          </a:p>
+          <a:p>
+            <a:pPr marL="342900" indent="-342900">
+              <a:buFont typeface="Arial" panose="020B0604020202020204" pitchFamily="34" charset="0"/>
+              <a:buChar char="•"/>
+            </a:pPr>
+            <a:r>
+              <a:rPr lang="es-MX" sz="2000" dirty="0">
+                <a:solidFill>
+                  <a:schemeClr val="tx1">
+                    <a:lumMod val="75000"/>
+                    <a:lumOff val="25000"/>
+                  </a:schemeClr>
+                </a:solidFill>
+                <a:latin typeface="Segoe UI" panose="020B0502040204020203" pitchFamily="34" charset="0"/>
+                <a:cs typeface="Segoe UI" panose="020B0502040204020203" pitchFamily="34" charset="0"/>
+              </a:rPr>
+              <a:t>Parámetros de consulta</a:t>
+            </a:r>
+          </a:p>
+          <a:p>
+            <a:pPr marL="342900" indent="-342900">
+              <a:buFont typeface="Arial" panose="020B0604020202020204" pitchFamily="34" charset="0"/>
+              <a:buChar char="•"/>
+            </a:pPr>
+            <a:r>
+              <a:rPr lang="es-MX" sz="2000" dirty="0">
+                <a:solidFill>
+                  <a:schemeClr val="tx1">
+                    <a:lumMod val="75000"/>
+                    <a:lumOff val="25000"/>
+                  </a:schemeClr>
+                </a:solidFill>
+                <a:latin typeface="Segoe UI" panose="020B0502040204020203" pitchFamily="34" charset="0"/>
+                <a:cs typeface="Segoe UI" panose="020B0502040204020203" pitchFamily="34" charset="0"/>
+              </a:rPr>
+              <a:t>Por Extensión de archivo</a:t>
+            </a:r>
+            <a:endParaRPr lang="es-CO" sz="2000" dirty="0">
+              <a:solidFill>
+                <a:schemeClr val="tx1">
+                  <a:lumMod val="75000"/>
+                  <a:lumOff val="25000"/>
+                </a:schemeClr>
+              </a:solidFill>
+              <a:latin typeface="Segoe UI" panose="020B0502040204020203" pitchFamily="34" charset="0"/>
+              <a:cs typeface="Segoe UI" panose="020B0502040204020203" pitchFamily="34" charset="0"/>
+            </a:endParaRPr>
+          </a:p>
+        </p:txBody>
+      </p:sp>
+      <p:pic>
+        <p:nvPicPr>
+          <p:cNvPr id="3" name="Imagen 2">
+            <a:extLst>
+              <a:ext uri="{FF2B5EF4-FFF2-40B4-BE49-F238E27FC236}">
+                <a16:creationId xmlns:a16="http://schemas.microsoft.com/office/drawing/2014/main" id="{2A1659C9-1E13-4624-8B39-37A8C77538A5}"/>
+              </a:ext>
+            </a:extLst>
+          </p:cNvPr>
+          <p:cNvPicPr>
+            <a:picLocks noChangeAspect="1"/>
+          </p:cNvPicPr>
+          <p:nvPr/>
+        </p:nvPicPr>
+        <p:blipFill>
+          <a:blip r:embed="rId3"/>
+          <a:stretch>
+            <a:fillRect/>
+          </a:stretch>
+        </p:blipFill>
+        <p:spPr>
+          <a:xfrm>
+            <a:off x="1868233" y="2746544"/>
+            <a:ext cx="7882898" cy="3184482"/>
+          </a:xfrm>
+          <a:prstGeom prst="rect">
+            <a:avLst/>
+          </a:prstGeom>
+        </p:spPr>
+      </p:pic>
+    </p:spTree>
+    <p:extLst>
+      <p:ext uri="{BB962C8B-B14F-4D97-AF65-F5344CB8AC3E}">
+        <p14:creationId xmlns:p14="http://schemas.microsoft.com/office/powerpoint/2010/main" val="3006746543"/>
       </p:ext>
     </p:extLst>
   </p:cSld>

--- a/ToolsForAPI.pptx
+++ b/ToolsForAPI.pptx
@@ -5,7 +5,7 @@
     <p:sldMasterId id="2147483733" r:id="rId1"/>
   </p:sldMasterIdLst>
   <p:notesMasterIdLst>
-    <p:notesMasterId r:id="rId32"/>
+    <p:notesMasterId r:id="rId37"/>
   </p:notesMasterIdLst>
   <p:sldIdLst>
     <p:sldId id="257" r:id="rId2"/>
@@ -38,6 +38,11 @@
     <p:sldId id="346" r:id="rId29"/>
     <p:sldId id="347" r:id="rId30"/>
     <p:sldId id="348" r:id="rId31"/>
+    <p:sldId id="349" r:id="rId32"/>
+    <p:sldId id="353" r:id="rId33"/>
+    <p:sldId id="352" r:id="rId34"/>
+    <p:sldId id="350" r:id="rId35"/>
+    <p:sldId id="351" r:id="rId36"/>
   </p:sldIdLst>
   <p:sldSz cx="12192000" cy="6858000"/>
   <p:notesSz cx="6858000" cy="9144000"/>
@@ -177,6 +182,15 @@
             <p14:sldId id="348"/>
           </p14:sldIdLst>
         </p14:section>
+        <p14:section name="Cache en redis" id="{DA161A88-1A16-45AA-B3A0-21EEC3D27A43}">
+          <p14:sldIdLst>
+            <p14:sldId id="349"/>
+            <p14:sldId id="353"/>
+            <p14:sldId id="352"/>
+            <p14:sldId id="350"/>
+            <p14:sldId id="351"/>
+          </p14:sldIdLst>
+        </p14:section>
       </p14:sectionLst>
     </p:ext>
     <p:ext uri="{EFAFB233-063F-42B5-8137-9DF3F51BA10A}">
@@ -268,7 +282,7 @@
           <a:p>
             <a:fld id="{CAF0A8B5-738B-4F91-AEE8-4CECB76619C0}" type="datetimeFigureOut">
               <a:rPr lang="es-CO" smtClean="0"/>
-              <a:t>24/07/2018</a:t>
+              <a:t>27/07/2018</a:t>
             </a:fld>
             <a:endParaRPr lang="es-CO"/>
           </a:p>
@@ -3593,6 +3607,827 @@
 </p:notes>
 </file>
 
+<file path=ppt/notesSlides/notesSlide31.xml><?xml version="1.0" encoding="utf-8"?>
+<p:notes xmlns:a="http://schemas.openxmlformats.org/drawingml/2006/main" xmlns:r="http://schemas.openxmlformats.org/officeDocument/2006/relationships" xmlns:p="http://schemas.openxmlformats.org/presentationml/2006/main">
+  <p:cSld>
+    <p:spTree>
+      <p:nvGrpSpPr>
+        <p:cNvPr id="1" name=""/>
+        <p:cNvGrpSpPr/>
+        <p:nvPr/>
+      </p:nvGrpSpPr>
+      <p:grpSpPr>
+        <a:xfrm>
+          <a:off x="0" y="0"/>
+          <a:ext cx="0" cy="0"/>
+          <a:chOff x="0" y="0"/>
+          <a:chExt cx="0" cy="0"/>
+        </a:xfrm>
+      </p:grpSpPr>
+      <p:sp>
+        <p:nvSpPr>
+          <p:cNvPr id="2" name="Marcador de imagen de diapositiva 1"/>
+          <p:cNvSpPr>
+            <a:spLocks noGrp="1" noRot="1" noChangeAspect="1"/>
+          </p:cNvSpPr>
+          <p:nvPr>
+            <p:ph type="sldImg"/>
+          </p:nvPr>
+        </p:nvSpPr>
+        <p:spPr/>
+      </p:sp>
+      <p:sp>
+        <p:nvSpPr>
+          <p:cNvPr id="3" name="Marcador de notas 2"/>
+          <p:cNvSpPr>
+            <a:spLocks noGrp="1"/>
+          </p:cNvSpPr>
+          <p:nvPr>
+            <p:ph type="body" idx="1"/>
+          </p:nvPr>
+        </p:nvSpPr>
+        <p:spPr/>
+        <p:txBody>
+          <a:bodyPr/>
+          <a:lstStyle/>
+          <a:p>
+            <a:pPr marL="0" marR="0" lvl="0" indent="0" algn="l" defTabSz="914400" rtl="0" eaLnBrk="1" fontAlgn="auto" latinLnBrk="0" hangingPunct="1">
+              <a:lnSpc>
+                <a:spcPct val="100000"/>
+              </a:lnSpc>
+              <a:spcBef>
+                <a:spcPts val="0"/>
+              </a:spcBef>
+              <a:spcAft>
+                <a:spcPts val="0"/>
+              </a:spcAft>
+              <a:buClrTx/>
+              <a:buSzTx/>
+              <a:buFontTx/>
+              <a:buNone/>
+              <a:tabLst/>
+              <a:defRPr/>
+            </a:pPr>
+            <a:endParaRPr lang="es-CO" dirty="0"/>
+          </a:p>
+        </p:txBody>
+      </p:sp>
+      <p:sp>
+        <p:nvSpPr>
+          <p:cNvPr id="4" name="Marcador de número de diapositiva 3"/>
+          <p:cNvSpPr>
+            <a:spLocks noGrp="1"/>
+          </p:cNvSpPr>
+          <p:nvPr>
+            <p:ph type="sldNum" sz="quarter" idx="10"/>
+          </p:nvPr>
+        </p:nvSpPr>
+        <p:spPr/>
+        <p:txBody>
+          <a:bodyPr/>
+          <a:lstStyle/>
+          <a:p>
+            <a:fld id="{F82B9EC9-5510-408D-8820-096EB829DDB0}" type="slidenum">
+              <a:rPr lang="es-CO" smtClean="0"/>
+              <a:t>31</a:t>
+            </a:fld>
+            <a:endParaRPr lang="es-CO"/>
+          </a:p>
+        </p:txBody>
+      </p:sp>
+    </p:spTree>
+    <p:extLst>
+      <p:ext uri="{BB962C8B-B14F-4D97-AF65-F5344CB8AC3E}">
+        <p14:creationId xmlns:p14="http://schemas.microsoft.com/office/powerpoint/2010/main" val="2061543852"/>
+      </p:ext>
+    </p:extLst>
+  </p:cSld>
+  <p:clrMapOvr>
+    <a:masterClrMapping/>
+  </p:clrMapOvr>
+</p:notes>
+</file>
+
+<file path=ppt/notesSlides/notesSlide32.xml><?xml version="1.0" encoding="utf-8"?>
+<p:notes xmlns:a="http://schemas.openxmlformats.org/drawingml/2006/main" xmlns:r="http://schemas.openxmlformats.org/officeDocument/2006/relationships" xmlns:p="http://schemas.openxmlformats.org/presentationml/2006/main">
+  <p:cSld>
+    <p:spTree>
+      <p:nvGrpSpPr>
+        <p:cNvPr id="1" name=""/>
+        <p:cNvGrpSpPr/>
+        <p:nvPr/>
+      </p:nvGrpSpPr>
+      <p:grpSpPr>
+        <a:xfrm>
+          <a:off x="0" y="0"/>
+          <a:ext cx="0" cy="0"/>
+          <a:chOff x="0" y="0"/>
+          <a:chExt cx="0" cy="0"/>
+        </a:xfrm>
+      </p:grpSpPr>
+      <p:sp>
+        <p:nvSpPr>
+          <p:cNvPr id="2" name="Marcador de imagen de diapositiva 1"/>
+          <p:cNvSpPr>
+            <a:spLocks noGrp="1" noRot="1" noChangeAspect="1"/>
+          </p:cNvSpPr>
+          <p:nvPr>
+            <p:ph type="sldImg"/>
+          </p:nvPr>
+        </p:nvSpPr>
+        <p:spPr/>
+      </p:sp>
+      <p:sp>
+        <p:nvSpPr>
+          <p:cNvPr id="3" name="Marcador de notas 2"/>
+          <p:cNvSpPr>
+            <a:spLocks noGrp="1"/>
+          </p:cNvSpPr>
+          <p:nvPr>
+            <p:ph type="body" idx="1"/>
+          </p:nvPr>
+        </p:nvSpPr>
+        <p:spPr/>
+        <p:txBody>
+          <a:bodyPr/>
+          <a:lstStyle/>
+          <a:p>
+            <a:pPr marL="0" marR="0" lvl="0" indent="0" algn="l" defTabSz="914400" rtl="0" eaLnBrk="1" fontAlgn="auto" latinLnBrk="0" hangingPunct="1">
+              <a:lnSpc>
+                <a:spcPct val="100000"/>
+              </a:lnSpc>
+              <a:spcBef>
+                <a:spcPts val="0"/>
+              </a:spcBef>
+              <a:spcAft>
+                <a:spcPts val="0"/>
+              </a:spcAft>
+              <a:buClrTx/>
+              <a:buSzTx/>
+              <a:buFontTx/>
+              <a:buNone/>
+              <a:tabLst/>
+              <a:defRPr/>
+            </a:pPr>
+            <a:r>
+              <a:rPr lang="es-MX" sz="1200" b="0" i="0" kern="1200" dirty="0">
+                <a:solidFill>
+                  <a:schemeClr val="tx1"/>
+                </a:solidFill>
+                <a:effectLst/>
+                <a:latin typeface="+mn-lt"/>
+                <a:ea typeface="+mn-ea"/>
+                <a:cs typeface="+mn-cs"/>
+              </a:rPr>
+              <a:t>Admite estructuras de datos tales como cadenas, hashes, listas, conjuntos, conjuntos ordenados con consultas de rango, mapas de bits, </a:t>
+            </a:r>
+            <a:r>
+              <a:rPr lang="es-MX" sz="1200" b="0" i="0" kern="1200" dirty="0" err="1">
+                <a:solidFill>
+                  <a:schemeClr val="tx1"/>
+                </a:solidFill>
+                <a:effectLst/>
+                <a:latin typeface="+mn-lt"/>
+                <a:ea typeface="+mn-ea"/>
+                <a:cs typeface="+mn-cs"/>
+              </a:rPr>
+              <a:t>hiperlogálogos</a:t>
+            </a:r>
+            <a:r>
+              <a:rPr lang="es-MX" sz="1200" b="0" i="0" kern="1200" dirty="0">
+                <a:solidFill>
+                  <a:schemeClr val="tx1"/>
+                </a:solidFill>
+                <a:effectLst/>
+                <a:latin typeface="+mn-lt"/>
+                <a:ea typeface="+mn-ea"/>
+                <a:cs typeface="+mn-cs"/>
+              </a:rPr>
+              <a:t> e índices geoespaciales con consultas radiales. Redis tiene una replicación incorporada, secuencias de comandos </a:t>
+            </a:r>
+            <a:r>
+              <a:rPr lang="es-MX" sz="1200" b="0" i="0" kern="1200" dirty="0" err="1">
+                <a:solidFill>
+                  <a:schemeClr val="tx1"/>
+                </a:solidFill>
+                <a:effectLst/>
+                <a:latin typeface="+mn-lt"/>
+                <a:ea typeface="+mn-ea"/>
+                <a:cs typeface="+mn-cs"/>
+              </a:rPr>
+              <a:t>Lua</a:t>
+            </a:r>
+            <a:r>
+              <a:rPr lang="es-MX" sz="1200" b="0" i="0" kern="1200" dirty="0">
+                <a:solidFill>
+                  <a:schemeClr val="tx1"/>
+                </a:solidFill>
+                <a:effectLst/>
+                <a:latin typeface="+mn-lt"/>
+                <a:ea typeface="+mn-ea"/>
+                <a:cs typeface="+mn-cs"/>
+              </a:rPr>
+              <a:t>, desalojo LRU, transacciones y diferentes niveles de persistencia en disco, y proporciona alta disponibilidad a través de Redis </a:t>
+            </a:r>
+            <a:r>
+              <a:rPr lang="es-MX" sz="1200" b="0" i="0" kern="1200" dirty="0" err="1">
+                <a:solidFill>
+                  <a:schemeClr val="tx1"/>
+                </a:solidFill>
+                <a:effectLst/>
+                <a:latin typeface="+mn-lt"/>
+                <a:ea typeface="+mn-ea"/>
+                <a:cs typeface="+mn-cs"/>
+              </a:rPr>
+              <a:t>Sentinel</a:t>
+            </a:r>
+            <a:r>
+              <a:rPr lang="es-MX" sz="1200" b="0" i="0" kern="1200" dirty="0">
+                <a:solidFill>
+                  <a:schemeClr val="tx1"/>
+                </a:solidFill>
+                <a:effectLst/>
+                <a:latin typeface="+mn-lt"/>
+                <a:ea typeface="+mn-ea"/>
+                <a:cs typeface="+mn-cs"/>
+              </a:rPr>
+              <a:t> y particiones automáticas con Redis </a:t>
+            </a:r>
+            <a:r>
+              <a:rPr lang="es-MX" sz="1200" b="0" i="0" kern="1200" dirty="0" err="1">
+                <a:solidFill>
+                  <a:schemeClr val="tx1"/>
+                </a:solidFill>
+                <a:effectLst/>
+                <a:latin typeface="+mn-lt"/>
+                <a:ea typeface="+mn-ea"/>
+                <a:cs typeface="+mn-cs"/>
+              </a:rPr>
+              <a:t>Cluster</a:t>
+            </a:r>
+            <a:endParaRPr lang="es-CO" dirty="0"/>
+          </a:p>
+        </p:txBody>
+      </p:sp>
+      <p:sp>
+        <p:nvSpPr>
+          <p:cNvPr id="4" name="Marcador de número de diapositiva 3"/>
+          <p:cNvSpPr>
+            <a:spLocks noGrp="1"/>
+          </p:cNvSpPr>
+          <p:nvPr>
+            <p:ph type="sldNum" sz="quarter" idx="10"/>
+          </p:nvPr>
+        </p:nvSpPr>
+        <p:spPr/>
+        <p:txBody>
+          <a:bodyPr/>
+          <a:lstStyle/>
+          <a:p>
+            <a:fld id="{F82B9EC9-5510-408D-8820-096EB829DDB0}" type="slidenum">
+              <a:rPr lang="es-CO" smtClean="0"/>
+              <a:t>32</a:t>
+            </a:fld>
+            <a:endParaRPr lang="es-CO"/>
+          </a:p>
+        </p:txBody>
+      </p:sp>
+    </p:spTree>
+    <p:extLst>
+      <p:ext uri="{BB962C8B-B14F-4D97-AF65-F5344CB8AC3E}">
+        <p14:creationId xmlns:p14="http://schemas.microsoft.com/office/powerpoint/2010/main" val="3871027158"/>
+      </p:ext>
+    </p:extLst>
+  </p:cSld>
+  <p:clrMapOvr>
+    <a:masterClrMapping/>
+  </p:clrMapOvr>
+</p:notes>
+</file>
+
+<file path=ppt/notesSlides/notesSlide33.xml><?xml version="1.0" encoding="utf-8"?>
+<p:notes xmlns:a="http://schemas.openxmlformats.org/drawingml/2006/main" xmlns:r="http://schemas.openxmlformats.org/officeDocument/2006/relationships" xmlns:p="http://schemas.openxmlformats.org/presentationml/2006/main">
+  <p:cSld>
+    <p:spTree>
+      <p:nvGrpSpPr>
+        <p:cNvPr id="1" name=""/>
+        <p:cNvGrpSpPr/>
+        <p:nvPr/>
+      </p:nvGrpSpPr>
+      <p:grpSpPr>
+        <a:xfrm>
+          <a:off x="0" y="0"/>
+          <a:ext cx="0" cy="0"/>
+          <a:chOff x="0" y="0"/>
+          <a:chExt cx="0" cy="0"/>
+        </a:xfrm>
+      </p:grpSpPr>
+      <p:sp>
+        <p:nvSpPr>
+          <p:cNvPr id="2" name="Marcador de imagen de diapositiva 1"/>
+          <p:cNvSpPr>
+            <a:spLocks noGrp="1" noRot="1" noChangeAspect="1"/>
+          </p:cNvSpPr>
+          <p:nvPr>
+            <p:ph type="sldImg"/>
+          </p:nvPr>
+        </p:nvSpPr>
+        <p:spPr/>
+      </p:sp>
+      <p:sp>
+        <p:nvSpPr>
+          <p:cNvPr id="3" name="Marcador de notas 2"/>
+          <p:cNvSpPr>
+            <a:spLocks noGrp="1"/>
+          </p:cNvSpPr>
+          <p:nvPr>
+            <p:ph type="body" idx="1"/>
+          </p:nvPr>
+        </p:nvSpPr>
+        <p:spPr/>
+        <p:txBody>
+          <a:bodyPr/>
+          <a:lstStyle/>
+          <a:p>
+            <a:pPr marL="0" marR="0" lvl="0" indent="0" algn="l" defTabSz="914400" rtl="0" eaLnBrk="1" fontAlgn="auto" latinLnBrk="0" hangingPunct="1">
+              <a:lnSpc>
+                <a:spcPct val="100000"/>
+              </a:lnSpc>
+              <a:spcBef>
+                <a:spcPts val="0"/>
+              </a:spcBef>
+              <a:spcAft>
+                <a:spcPts val="0"/>
+              </a:spcAft>
+              <a:buClrTx/>
+              <a:buSzTx/>
+              <a:buFontTx/>
+              <a:buNone/>
+              <a:tabLst/>
+              <a:defRPr/>
+            </a:pPr>
+            <a:r>
+              <a:rPr lang="es-CO" sz="1200" b="1" i="0" kern="1200" dirty="0">
+                <a:solidFill>
+                  <a:schemeClr val="tx1"/>
+                </a:solidFill>
+                <a:effectLst/>
+                <a:latin typeface="+mn-lt"/>
+                <a:ea typeface="+mn-ea"/>
+                <a:cs typeface="+mn-cs"/>
+              </a:rPr>
+              <a:t>Caché de datos</a:t>
+            </a:r>
+          </a:p>
+          <a:p>
+            <a:endParaRPr lang="es-MX" sz="1200" b="0" i="0" kern="1200" dirty="0">
+              <a:solidFill>
+                <a:schemeClr val="tx1"/>
+              </a:solidFill>
+              <a:effectLst/>
+              <a:latin typeface="+mn-lt"/>
+              <a:ea typeface="+mn-ea"/>
+              <a:cs typeface="+mn-cs"/>
+            </a:endParaRPr>
+          </a:p>
+          <a:p>
+            <a:r>
+              <a:rPr lang="es-MX" sz="1200" b="0" i="0" kern="1200" dirty="0">
+                <a:solidFill>
+                  <a:schemeClr val="tx1"/>
+                </a:solidFill>
+                <a:effectLst/>
+                <a:latin typeface="+mn-lt"/>
+                <a:ea typeface="+mn-ea"/>
+                <a:cs typeface="+mn-cs"/>
+              </a:rPr>
+              <a:t>Azure Redis Cache complementa perfectamente servicios de base de datos de Azure tales como Cosmos DB. Ofrece una solución rentable para el escalado del rendimiento de lectura y escritura de la capa de datos. Almacene y comparta los resultados de consultas de bases de datos, estados de sesiones, contenido estático y mucho más con un </a:t>
+            </a:r>
+            <a:r>
+              <a:rPr lang="es-MX" sz="1200" b="0" i="0" u="none" strike="noStrike" kern="1200" dirty="0">
+                <a:solidFill>
+                  <a:schemeClr val="tx1"/>
+                </a:solidFill>
+                <a:effectLst/>
+                <a:latin typeface="+mn-lt"/>
+                <a:ea typeface="+mn-ea"/>
+                <a:cs typeface="+mn-cs"/>
+                <a:hlinkClick r:id="rId3"/>
+              </a:rPr>
+              <a:t>patrón cache-</a:t>
+            </a:r>
+            <a:r>
+              <a:rPr lang="es-MX" sz="1200" b="0" i="0" u="none" strike="noStrike" kern="1200" dirty="0" err="1">
+                <a:solidFill>
+                  <a:schemeClr val="tx1"/>
+                </a:solidFill>
+                <a:effectLst/>
+                <a:latin typeface="+mn-lt"/>
+                <a:ea typeface="+mn-ea"/>
+                <a:cs typeface="+mn-cs"/>
+                <a:hlinkClick r:id="rId3"/>
+              </a:rPr>
+              <a:t>aside</a:t>
+            </a:r>
+            <a:r>
+              <a:rPr lang="es-MX" sz="1200" b="0" i="0" kern="1200" dirty="0">
+                <a:solidFill>
+                  <a:schemeClr val="tx1"/>
+                </a:solidFill>
+                <a:effectLst/>
+                <a:latin typeface="+mn-lt"/>
+                <a:ea typeface="+mn-ea"/>
+                <a:cs typeface="+mn-cs"/>
+              </a:rPr>
+              <a:t> común.</a:t>
+            </a:r>
+            <a:endParaRPr lang="es-CO" dirty="0"/>
+          </a:p>
+        </p:txBody>
+      </p:sp>
+      <p:sp>
+        <p:nvSpPr>
+          <p:cNvPr id="4" name="Marcador de número de diapositiva 3"/>
+          <p:cNvSpPr>
+            <a:spLocks noGrp="1"/>
+          </p:cNvSpPr>
+          <p:nvPr>
+            <p:ph type="sldNum" sz="quarter" idx="10"/>
+          </p:nvPr>
+        </p:nvSpPr>
+        <p:spPr/>
+        <p:txBody>
+          <a:bodyPr/>
+          <a:lstStyle/>
+          <a:p>
+            <a:fld id="{F82B9EC9-5510-408D-8820-096EB829DDB0}" type="slidenum">
+              <a:rPr lang="es-CO" smtClean="0"/>
+              <a:t>33</a:t>
+            </a:fld>
+            <a:endParaRPr lang="es-CO"/>
+          </a:p>
+        </p:txBody>
+      </p:sp>
+    </p:spTree>
+    <p:extLst>
+      <p:ext uri="{BB962C8B-B14F-4D97-AF65-F5344CB8AC3E}">
+        <p14:creationId xmlns:p14="http://schemas.microsoft.com/office/powerpoint/2010/main" val="3454307392"/>
+      </p:ext>
+    </p:extLst>
+  </p:cSld>
+  <p:clrMapOvr>
+    <a:masterClrMapping/>
+  </p:clrMapOvr>
+</p:notes>
+</file>
+
+<file path=ppt/notesSlides/notesSlide34.xml><?xml version="1.0" encoding="utf-8"?>
+<p:notes xmlns:a="http://schemas.openxmlformats.org/drawingml/2006/main" xmlns:r="http://schemas.openxmlformats.org/officeDocument/2006/relationships" xmlns:p="http://schemas.openxmlformats.org/presentationml/2006/main">
+  <p:cSld>
+    <p:spTree>
+      <p:nvGrpSpPr>
+        <p:cNvPr id="1" name=""/>
+        <p:cNvGrpSpPr/>
+        <p:nvPr/>
+      </p:nvGrpSpPr>
+      <p:grpSpPr>
+        <a:xfrm>
+          <a:off x="0" y="0"/>
+          <a:ext cx="0" cy="0"/>
+          <a:chOff x="0" y="0"/>
+          <a:chExt cx="0" cy="0"/>
+        </a:xfrm>
+      </p:grpSpPr>
+      <p:sp>
+        <p:nvSpPr>
+          <p:cNvPr id="2" name="Marcador de imagen de diapositiva 1"/>
+          <p:cNvSpPr>
+            <a:spLocks noGrp="1" noRot="1" noChangeAspect="1"/>
+          </p:cNvSpPr>
+          <p:nvPr>
+            <p:ph type="sldImg"/>
+          </p:nvPr>
+        </p:nvSpPr>
+        <p:spPr/>
+      </p:sp>
+      <p:sp>
+        <p:nvSpPr>
+          <p:cNvPr id="3" name="Marcador de notas 2"/>
+          <p:cNvSpPr>
+            <a:spLocks noGrp="1"/>
+          </p:cNvSpPr>
+          <p:nvPr>
+            <p:ph type="body" idx="1"/>
+          </p:nvPr>
+        </p:nvSpPr>
+        <p:spPr/>
+        <p:txBody>
+          <a:bodyPr/>
+          <a:lstStyle/>
+          <a:p>
+            <a:pPr marL="0" marR="0" lvl="0" indent="0" algn="l" defTabSz="914400" rtl="0" eaLnBrk="1" fontAlgn="auto" latinLnBrk="0" hangingPunct="1">
+              <a:lnSpc>
+                <a:spcPct val="100000"/>
+              </a:lnSpc>
+              <a:spcBef>
+                <a:spcPts val="0"/>
+              </a:spcBef>
+              <a:spcAft>
+                <a:spcPts val="0"/>
+              </a:spcAft>
+              <a:buClrTx/>
+              <a:buSzTx/>
+              <a:buFontTx/>
+              <a:buNone/>
+              <a:tabLst/>
+              <a:defRPr/>
+            </a:pPr>
+            <a:r>
+              <a:rPr lang="es-CO" sz="1200" b="1" i="0" kern="1200" dirty="0">
+                <a:solidFill>
+                  <a:schemeClr val="tx1"/>
+                </a:solidFill>
+                <a:effectLst/>
+                <a:latin typeface="+mn-lt"/>
+                <a:ea typeface="+mn-ea"/>
+                <a:cs typeface="+mn-cs"/>
+              </a:rPr>
+              <a:t>Web Apps escalable</a:t>
+            </a:r>
+          </a:p>
+          <a:p>
+            <a:endParaRPr lang="es-MX" sz="1200" b="0" i="0" kern="1200" dirty="0">
+              <a:solidFill>
+                <a:schemeClr val="tx1"/>
+              </a:solidFill>
+              <a:effectLst/>
+              <a:latin typeface="+mn-lt"/>
+              <a:ea typeface="+mn-ea"/>
+              <a:cs typeface="+mn-cs"/>
+            </a:endParaRPr>
+          </a:p>
+          <a:p>
+            <a:r>
+              <a:rPr lang="es-MX" sz="1200" b="0" i="0" kern="1200" dirty="0">
+                <a:solidFill>
+                  <a:schemeClr val="tx1"/>
+                </a:solidFill>
+                <a:effectLst/>
+                <a:latin typeface="+mn-lt"/>
+                <a:ea typeface="+mn-ea"/>
+                <a:cs typeface="+mn-cs"/>
+              </a:rPr>
+              <a:t>Guarde, recupere y actualice rápidamente </a:t>
+            </a:r>
+            <a:r>
+              <a:rPr lang="es-MX" sz="1200" b="0" i="0" u="none" strike="noStrike" kern="1200" dirty="0">
+                <a:solidFill>
+                  <a:schemeClr val="tx1"/>
+                </a:solidFill>
+                <a:effectLst/>
+                <a:latin typeface="+mn-lt"/>
+                <a:ea typeface="+mn-ea"/>
+                <a:cs typeface="+mn-cs"/>
+                <a:hlinkClick r:id="rId3"/>
+              </a:rPr>
+              <a:t>datos de </a:t>
+            </a:r>
+            <a:r>
+              <a:rPr lang="es-MX" sz="1200" b="0" i="0" u="none" strike="noStrike" kern="1200" dirty="0" err="1">
+                <a:solidFill>
+                  <a:schemeClr val="tx1"/>
+                </a:solidFill>
+                <a:effectLst/>
+                <a:latin typeface="+mn-lt"/>
+                <a:ea typeface="+mn-ea"/>
+                <a:cs typeface="+mn-cs"/>
+                <a:hlinkClick r:id="rId3"/>
+              </a:rPr>
+              <a:t>sesión</a:t>
+            </a:r>
+            <a:r>
+              <a:rPr lang="es-MX" sz="1200" b="0" i="0" kern="1200" dirty="0" err="1">
+                <a:solidFill>
+                  <a:schemeClr val="tx1"/>
+                </a:solidFill>
+                <a:effectLst/>
+                <a:latin typeface="+mn-lt"/>
+                <a:ea typeface="+mn-ea"/>
+                <a:cs typeface="+mn-cs"/>
+              </a:rPr>
+              <a:t>web</a:t>
+            </a:r>
+            <a:r>
+              <a:rPr lang="es-MX" sz="1200" b="0" i="0" kern="1200" dirty="0">
+                <a:solidFill>
+                  <a:schemeClr val="tx1"/>
+                </a:solidFill>
+                <a:effectLst/>
+                <a:latin typeface="+mn-lt"/>
+                <a:ea typeface="+mn-ea"/>
+                <a:cs typeface="+mn-cs"/>
+              </a:rPr>
+              <a:t> tales como las cookies de usuario y las </a:t>
+            </a:r>
+            <a:r>
+              <a:rPr lang="es-MX" sz="1200" b="0" i="0" u="none" strike="noStrike" kern="1200" dirty="0">
+                <a:solidFill>
+                  <a:schemeClr val="tx1"/>
+                </a:solidFill>
+                <a:effectLst/>
+                <a:latin typeface="+mn-lt"/>
+                <a:ea typeface="+mn-ea"/>
+                <a:cs typeface="+mn-cs"/>
+                <a:hlinkClick r:id="rId4"/>
+              </a:rPr>
+              <a:t>páginas de resultados</a:t>
+            </a:r>
+            <a:r>
+              <a:rPr lang="es-MX" sz="1200" b="0" i="0" kern="1200" dirty="0">
+                <a:solidFill>
+                  <a:schemeClr val="tx1"/>
+                </a:solidFill>
+                <a:effectLst/>
+                <a:latin typeface="+mn-lt"/>
+                <a:ea typeface="+mn-ea"/>
+                <a:cs typeface="+mn-cs"/>
+              </a:rPr>
+              <a:t>. Azure Redis Cache mejora el rendimiento de la aplicación aumentando su capacidad de respuesta y permitiéndole controlar cargas crecientes con menos recursos de proceso web.</a:t>
+            </a:r>
+            <a:endParaRPr lang="es-CO" dirty="0"/>
+          </a:p>
+        </p:txBody>
+      </p:sp>
+      <p:sp>
+        <p:nvSpPr>
+          <p:cNvPr id="4" name="Marcador de número de diapositiva 3"/>
+          <p:cNvSpPr>
+            <a:spLocks noGrp="1"/>
+          </p:cNvSpPr>
+          <p:nvPr>
+            <p:ph type="sldNum" sz="quarter" idx="10"/>
+          </p:nvPr>
+        </p:nvSpPr>
+        <p:spPr/>
+        <p:txBody>
+          <a:bodyPr/>
+          <a:lstStyle/>
+          <a:p>
+            <a:fld id="{F82B9EC9-5510-408D-8820-096EB829DDB0}" type="slidenum">
+              <a:rPr lang="es-CO" smtClean="0"/>
+              <a:t>34</a:t>
+            </a:fld>
+            <a:endParaRPr lang="es-CO"/>
+          </a:p>
+        </p:txBody>
+      </p:sp>
+    </p:spTree>
+    <p:extLst>
+      <p:ext uri="{BB962C8B-B14F-4D97-AF65-F5344CB8AC3E}">
+        <p14:creationId xmlns:p14="http://schemas.microsoft.com/office/powerpoint/2010/main" val="365966739"/>
+      </p:ext>
+    </p:extLst>
+  </p:cSld>
+  <p:clrMapOvr>
+    <a:masterClrMapping/>
+  </p:clrMapOvr>
+</p:notes>
+</file>
+
+<file path=ppt/notesSlides/notesSlide35.xml><?xml version="1.0" encoding="utf-8"?>
+<p:notes xmlns:a="http://schemas.openxmlformats.org/drawingml/2006/main" xmlns:r="http://schemas.openxmlformats.org/officeDocument/2006/relationships" xmlns:p="http://schemas.openxmlformats.org/presentationml/2006/main">
+  <p:cSld>
+    <p:spTree>
+      <p:nvGrpSpPr>
+        <p:cNvPr id="1" name=""/>
+        <p:cNvGrpSpPr/>
+        <p:nvPr/>
+      </p:nvGrpSpPr>
+      <p:grpSpPr>
+        <a:xfrm>
+          <a:off x="0" y="0"/>
+          <a:ext cx="0" cy="0"/>
+          <a:chOff x="0" y="0"/>
+          <a:chExt cx="0" cy="0"/>
+        </a:xfrm>
+      </p:grpSpPr>
+      <p:sp>
+        <p:nvSpPr>
+          <p:cNvPr id="2" name="Marcador de imagen de diapositiva 1"/>
+          <p:cNvSpPr>
+            <a:spLocks noGrp="1" noRot="1" noChangeAspect="1"/>
+          </p:cNvSpPr>
+          <p:nvPr>
+            <p:ph type="sldImg"/>
+          </p:nvPr>
+        </p:nvSpPr>
+        <p:spPr/>
+      </p:sp>
+      <p:sp>
+        <p:nvSpPr>
+          <p:cNvPr id="3" name="Marcador de notas 2"/>
+          <p:cNvSpPr>
+            <a:spLocks noGrp="1"/>
+          </p:cNvSpPr>
+          <p:nvPr>
+            <p:ph type="body" idx="1"/>
+          </p:nvPr>
+        </p:nvSpPr>
+        <p:spPr/>
+        <p:txBody>
+          <a:bodyPr/>
+          <a:lstStyle/>
+          <a:p>
+            <a:r>
+              <a:rPr lang="es-MX" sz="1200" b="1" i="0" kern="1200" dirty="0">
+                <a:solidFill>
+                  <a:schemeClr val="tx1"/>
+                </a:solidFill>
+                <a:effectLst/>
+                <a:latin typeface="+mn-lt"/>
+                <a:ea typeface="+mn-ea"/>
+                <a:cs typeface="+mn-cs"/>
+              </a:rPr>
+              <a:t>Mensajería</a:t>
+            </a:r>
+          </a:p>
+          <a:p>
+            <a:r>
+              <a:rPr lang="es-MX" sz="1200" b="0" i="0" kern="1200" dirty="0">
+                <a:solidFill>
+                  <a:schemeClr val="tx1"/>
+                </a:solidFill>
+                <a:effectLst/>
+                <a:latin typeface="+mn-lt"/>
+                <a:ea typeface="+mn-ea"/>
+                <a:cs typeface="+mn-cs"/>
+              </a:rPr>
+              <a:t>Azure Redis Cache admite funcionalidades de publicación y suscripción. Es perfecto para enrutar mensajes en tiempo real y escalar verticalmente marcos de comunicación web tales como </a:t>
+            </a:r>
+            <a:r>
+              <a:rPr lang="es-MX" sz="1200" b="0" i="0" u="none" strike="noStrike" kern="1200" dirty="0" err="1">
+                <a:solidFill>
+                  <a:schemeClr val="tx1"/>
+                </a:solidFill>
+                <a:effectLst/>
+                <a:latin typeface="+mn-lt"/>
+                <a:ea typeface="+mn-ea"/>
+                <a:cs typeface="+mn-cs"/>
+                <a:hlinkClick r:id="rId3"/>
+              </a:rPr>
+              <a:t>SignalR</a:t>
+            </a:r>
+            <a:r>
+              <a:rPr lang="es-MX" sz="1200" b="0" i="0" kern="1200" dirty="0">
+                <a:solidFill>
+                  <a:schemeClr val="tx1"/>
+                </a:solidFill>
+                <a:effectLst/>
+                <a:latin typeface="+mn-lt"/>
+                <a:ea typeface="+mn-ea"/>
+                <a:cs typeface="+mn-cs"/>
+              </a:rPr>
+              <a:t>.</a:t>
+            </a:r>
+          </a:p>
+        </p:txBody>
+      </p:sp>
+      <p:sp>
+        <p:nvSpPr>
+          <p:cNvPr id="4" name="Marcador de número de diapositiva 3"/>
+          <p:cNvSpPr>
+            <a:spLocks noGrp="1"/>
+          </p:cNvSpPr>
+          <p:nvPr>
+            <p:ph type="sldNum" sz="quarter" idx="10"/>
+          </p:nvPr>
+        </p:nvSpPr>
+        <p:spPr/>
+        <p:txBody>
+          <a:bodyPr/>
+          <a:lstStyle/>
+          <a:p>
+            <a:fld id="{F82B9EC9-5510-408D-8820-096EB829DDB0}" type="slidenum">
+              <a:rPr lang="es-CO" smtClean="0"/>
+              <a:t>35</a:t>
+            </a:fld>
+            <a:endParaRPr lang="es-CO"/>
+          </a:p>
+        </p:txBody>
+      </p:sp>
+    </p:spTree>
+    <p:extLst>
+      <p:ext uri="{BB962C8B-B14F-4D97-AF65-F5344CB8AC3E}">
+        <p14:creationId xmlns:p14="http://schemas.microsoft.com/office/powerpoint/2010/main" val="360802577"/>
+      </p:ext>
+    </p:extLst>
+  </p:cSld>
+  <p:clrMapOvr>
+    <a:masterClrMapping/>
+  </p:clrMapOvr>
+</p:notes>
+</file>
+
 <file path=ppt/notesSlides/notesSlide4.xml><?xml version="1.0" encoding="utf-8"?>
 <p:notes xmlns:a="http://schemas.openxmlformats.org/drawingml/2006/main" xmlns:r="http://schemas.openxmlformats.org/officeDocument/2006/relationships" xmlns:p="http://schemas.openxmlformats.org/presentationml/2006/main">
   <p:cSld>
@@ -4246,7 +5081,7 @@
           <a:p>
             <a:fld id="{E5D78773-9131-404C-ACB3-62F3C9BC13CF}" type="datetimeFigureOut">
               <a:rPr lang="es-CO" smtClean="0"/>
-              <a:t>24/07/2018</a:t>
+              <a:t>27/07/2018</a:t>
             </a:fld>
             <a:endParaRPr lang="es-CO"/>
           </a:p>
@@ -4446,7 +5281,7 @@
           <a:p>
             <a:fld id="{8A8E3610-CFDD-4880-BAB4-3CD60D9C7275}" type="datetimeFigureOut">
               <a:rPr lang="es-CO" smtClean="0"/>
-              <a:t>24/07/2018</a:t>
+              <a:t>27/07/2018</a:t>
             </a:fld>
             <a:endParaRPr lang="es-CO"/>
           </a:p>
@@ -4656,7 +5491,7 @@
           <a:p>
             <a:fld id="{8A8E3610-CFDD-4880-BAB4-3CD60D9C7275}" type="datetimeFigureOut">
               <a:rPr lang="es-CO" smtClean="0"/>
-              <a:t>24/07/2018</a:t>
+              <a:t>27/07/2018</a:t>
             </a:fld>
             <a:endParaRPr lang="es-CO"/>
           </a:p>
@@ -4992,7 +5827,7 @@
           <a:p>
             <a:fld id="{8A8E3610-CFDD-4880-BAB4-3CD60D9C7275}" type="datetimeFigureOut">
               <a:rPr lang="es-CO" smtClean="0"/>
-              <a:t>24/07/2018</a:t>
+              <a:t>27/07/2018</a:t>
             </a:fld>
             <a:endParaRPr lang="es-CO"/>
           </a:p>
@@ -5268,7 +6103,7 @@
           <a:p>
             <a:fld id="{8A8E3610-CFDD-4880-BAB4-3CD60D9C7275}" type="datetimeFigureOut">
               <a:rPr lang="es-CO" smtClean="0"/>
-              <a:t>24/07/2018</a:t>
+              <a:t>27/07/2018</a:t>
             </a:fld>
             <a:endParaRPr lang="es-CO"/>
           </a:p>
@@ -5536,7 +6371,7 @@
           <a:p>
             <a:fld id="{8A8E3610-CFDD-4880-BAB4-3CD60D9C7275}" type="datetimeFigureOut">
               <a:rPr lang="es-CO" smtClean="0"/>
-              <a:t>24/07/2018</a:t>
+              <a:t>27/07/2018</a:t>
             </a:fld>
             <a:endParaRPr lang="es-CO"/>
           </a:p>
@@ -5951,7 +6786,7 @@
           <a:p>
             <a:fld id="{8A8E3610-CFDD-4880-BAB4-3CD60D9C7275}" type="datetimeFigureOut">
               <a:rPr lang="es-CO" smtClean="0"/>
-              <a:t>24/07/2018</a:t>
+              <a:t>27/07/2018</a:t>
             </a:fld>
             <a:endParaRPr lang="es-CO"/>
           </a:p>
@@ -6168,7 +7003,7 @@
           <a:p>
             <a:fld id="{8A8E3610-CFDD-4880-BAB4-3CD60D9C7275}" type="datetimeFigureOut">
               <a:rPr lang="es-CO" smtClean="0"/>
-              <a:t>24/07/2018</a:t>
+              <a:t>27/07/2018</a:t>
             </a:fld>
             <a:endParaRPr lang="es-CO"/>
           </a:p>
@@ -6481,7 +7316,7 @@
           <a:p>
             <a:fld id="{8A8E3610-CFDD-4880-BAB4-3CD60D9C7275}" type="datetimeFigureOut">
               <a:rPr lang="es-CO" smtClean="0"/>
-              <a:t>24/07/2018</a:t>
+              <a:t>27/07/2018</a:t>
             </a:fld>
             <a:endParaRPr lang="es-CO"/>
           </a:p>
@@ -6770,7 +7605,7 @@
           <a:p>
             <a:fld id="{8A8E3610-CFDD-4880-BAB4-3CD60D9C7275}" type="datetimeFigureOut">
               <a:rPr lang="es-CO" smtClean="0"/>
-              <a:t>24/07/2018</a:t>
+              <a:t>27/07/2018</a:t>
             </a:fld>
             <a:endParaRPr lang="es-CO"/>
           </a:p>
@@ -7013,7 +7848,7 @@
           <a:p>
             <a:fld id="{E5D78773-9131-404C-ACB3-62F3C9BC13CF}" type="datetimeFigureOut">
               <a:rPr lang="es-CO" smtClean="0"/>
-              <a:t>24/07/2018</a:t>
+              <a:t>27/07/2018</a:t>
             </a:fld>
             <a:endParaRPr lang="es-CO"/>
           </a:p>
@@ -13951,6 +14786,1255 @@
     <p:extLst>
       <p:ext uri="{BB962C8B-B14F-4D97-AF65-F5344CB8AC3E}">
         <p14:creationId xmlns:p14="http://schemas.microsoft.com/office/powerpoint/2010/main" val="3006746543"/>
+      </p:ext>
+    </p:extLst>
+  </p:cSld>
+  <p:clrMapOvr>
+    <a:masterClrMapping/>
+  </p:clrMapOvr>
+</p:sld>
+</file>
+
+<file path=ppt/slides/slide31.xml><?xml version="1.0" encoding="utf-8"?>
+<p:sld xmlns:a="http://schemas.openxmlformats.org/drawingml/2006/main" xmlns:r="http://schemas.openxmlformats.org/officeDocument/2006/relationships" xmlns:p="http://schemas.openxmlformats.org/presentationml/2006/main">
+  <p:cSld>
+    <p:bg>
+      <p:bgPr>
+        <a:solidFill>
+          <a:schemeClr val="bg1"/>
+        </a:solidFill>
+        <a:effectLst/>
+      </p:bgPr>
+    </p:bg>
+    <p:spTree>
+      <p:nvGrpSpPr>
+        <p:cNvPr id="1" name=""/>
+        <p:cNvGrpSpPr/>
+        <p:nvPr/>
+      </p:nvGrpSpPr>
+      <p:grpSpPr>
+        <a:xfrm>
+          <a:off x="0" y="0"/>
+          <a:ext cx="0" cy="0"/>
+          <a:chOff x="0" y="0"/>
+          <a:chExt cx="0" cy="0"/>
+        </a:xfrm>
+      </p:grpSpPr>
+      <p:sp>
+        <p:nvSpPr>
+          <p:cNvPr id="9" name="Rectangle 8">
+            <a:extLst>
+              <a:ext uri="{FF2B5EF4-FFF2-40B4-BE49-F238E27FC236}">
+                <a16:creationId xmlns:a16="http://schemas.microsoft.com/office/drawing/2014/main" id="{A4AC5506-6312-4701-8D3C-40187889A947}"/>
+              </a:ext>
+              <a:ext uri="{C183D7F6-B498-43B3-948B-1728B52AA6E4}">
+                <adec:decorative xmlns:adec="http://schemas.microsoft.com/office/drawing/2017/decorative" val="1"/>
+              </a:ext>
+            </a:extLst>
+          </p:cNvPr>
+          <p:cNvSpPr>
+            <a:spLocks noGrp="1" noRot="1" noChangeAspect="1" noMove="1" noResize="1" noEditPoints="1" noAdjustHandles="1" noChangeArrowheads="1" noChangeShapeType="1" noTextEdit="1"/>
+          </p:cNvSpPr>
+          <p:nvPr>
+            <p:extLst>
+              <p:ext uri="{386F3935-93C4-4BCD-93E2-E3B085C9AB24}">
+                <p16:designElem xmlns:p16="http://schemas.microsoft.com/office/powerpoint/2015/main" val="1"/>
+              </p:ext>
+            </p:extLst>
+          </p:nvPr>
+        </p:nvSpPr>
+        <p:spPr>
+          <a:xfrm>
+            <a:off x="0" y="651752"/>
+            <a:ext cx="12192000" cy="736551"/>
+          </a:xfrm>
+          <a:prstGeom prst="rect">
+            <a:avLst/>
+          </a:prstGeom>
+          <a:solidFill>
+            <a:schemeClr val="tx1"/>
+          </a:solidFill>
+          <a:ln>
+            <a:noFill/>
+          </a:ln>
+        </p:spPr>
+        <p:style>
+          <a:lnRef idx="2">
+            <a:schemeClr val="accent1">
+              <a:shade val="50000"/>
+            </a:schemeClr>
+          </a:lnRef>
+          <a:fillRef idx="1">
+            <a:schemeClr val="accent1"/>
+          </a:fillRef>
+          <a:effectRef idx="0">
+            <a:schemeClr val="accent1"/>
+          </a:effectRef>
+          <a:fontRef idx="minor">
+            <a:schemeClr val="lt1"/>
+          </a:fontRef>
+        </p:style>
+        <p:txBody>
+          <a:bodyPr rtlCol="0" anchor="ctr"/>
+          <a:lstStyle/>
+          <a:p>
+            <a:pPr algn="ctr"/>
+            <a:endParaRPr lang="en-US"/>
+          </a:p>
+        </p:txBody>
+      </p:sp>
+      <p:sp>
+        <p:nvSpPr>
+          <p:cNvPr id="2" name="CuadroTexto 1">
+            <a:extLst>
+              <a:ext uri="{FF2B5EF4-FFF2-40B4-BE49-F238E27FC236}">
+                <a16:creationId xmlns:a16="http://schemas.microsoft.com/office/drawing/2014/main" id="{A7F3F451-89EE-48EF-AB36-D9F6082585A1}"/>
+              </a:ext>
+            </a:extLst>
+          </p:cNvPr>
+          <p:cNvSpPr txBox="1"/>
+          <p:nvPr/>
+        </p:nvSpPr>
+        <p:spPr>
+          <a:xfrm>
+            <a:off x="556532" y="643467"/>
+            <a:ext cx="11210925" cy="744836"/>
+          </a:xfrm>
+          <a:prstGeom prst="rect">
+            <a:avLst/>
+          </a:prstGeom>
+        </p:spPr>
+        <p:txBody>
+          <a:bodyPr vert="horz" lIns="91440" tIns="45720" rIns="91440" bIns="45720" rtlCol="0" anchor="ctr">
+            <a:normAutofit/>
+          </a:bodyPr>
+          <a:lstStyle/>
+          <a:p>
+            <a:pPr algn="ctr">
+              <a:lnSpc>
+                <a:spcPct val="90000"/>
+              </a:lnSpc>
+              <a:spcBef>
+                <a:spcPct val="0"/>
+              </a:spcBef>
+              <a:spcAft>
+                <a:spcPts val="600"/>
+              </a:spcAft>
+            </a:pPr>
+            <a:r>
+              <a:rPr lang="en-US" sz="3200" kern="1200">
+                <a:solidFill>
+                  <a:schemeClr val="bg1"/>
+                </a:solidFill>
+                <a:latin typeface="+mj-lt"/>
+                <a:ea typeface="+mj-ea"/>
+                <a:cs typeface="+mj-cs"/>
+              </a:rPr>
+              <a:t>Redis cache</a:t>
+            </a:r>
+          </a:p>
+        </p:txBody>
+      </p:sp>
+      <p:sp>
+        <p:nvSpPr>
+          <p:cNvPr id="7" name="CuadroTexto 6">
+            <a:extLst>
+              <a:ext uri="{FF2B5EF4-FFF2-40B4-BE49-F238E27FC236}">
+                <a16:creationId xmlns:a16="http://schemas.microsoft.com/office/drawing/2014/main" id="{B4E5B3F0-DFEF-4D3C-A5F4-F20B126E71D8}"/>
+              </a:ext>
+            </a:extLst>
+          </p:cNvPr>
+          <p:cNvSpPr txBox="1"/>
+          <p:nvPr/>
+        </p:nvSpPr>
+        <p:spPr>
+          <a:xfrm>
+            <a:off x="3545316" y="1927021"/>
+            <a:ext cx="6203108" cy="707886"/>
+          </a:xfrm>
+          <a:prstGeom prst="rect">
+            <a:avLst/>
+          </a:prstGeom>
+          <a:noFill/>
+        </p:spPr>
+        <p:txBody>
+          <a:bodyPr wrap="none" rtlCol="0">
+            <a:spAutoFit/>
+          </a:bodyPr>
+          <a:lstStyle/>
+          <a:p>
+            <a:r>
+              <a:rPr lang="es-MX" sz="4000" dirty="0">
+                <a:latin typeface="Segoe UI" panose="020B0502040204020203" pitchFamily="34" charset="0"/>
+                <a:cs typeface="Segoe UI" panose="020B0502040204020203" pitchFamily="34" charset="0"/>
+              </a:rPr>
+              <a:t>Base de datos en Memoria</a:t>
+            </a:r>
+            <a:endParaRPr lang="es-CO" sz="4000" dirty="0">
+              <a:latin typeface="Segoe UI" panose="020B0502040204020203" pitchFamily="34" charset="0"/>
+              <a:cs typeface="Segoe UI" panose="020B0502040204020203" pitchFamily="34" charset="0"/>
+            </a:endParaRPr>
+          </a:p>
+        </p:txBody>
+      </p:sp>
+      <p:sp>
+        <p:nvSpPr>
+          <p:cNvPr id="8" name="CuadroTexto 7">
+            <a:extLst>
+              <a:ext uri="{FF2B5EF4-FFF2-40B4-BE49-F238E27FC236}">
+                <a16:creationId xmlns:a16="http://schemas.microsoft.com/office/drawing/2014/main" id="{0FAE065B-1F7D-4E3E-86C1-FD128498E48E}"/>
+              </a:ext>
+            </a:extLst>
+          </p:cNvPr>
+          <p:cNvSpPr txBox="1"/>
+          <p:nvPr/>
+        </p:nvSpPr>
+        <p:spPr>
+          <a:xfrm>
+            <a:off x="4971681" y="2951946"/>
+            <a:ext cx="4596862" cy="954107"/>
+          </a:xfrm>
+          <a:prstGeom prst="rect">
+            <a:avLst/>
+          </a:prstGeom>
+          <a:noFill/>
+        </p:spPr>
+        <p:txBody>
+          <a:bodyPr wrap="square" rtlCol="0">
+            <a:spAutoFit/>
+          </a:bodyPr>
+          <a:lstStyle/>
+          <a:p>
+            <a:r>
+              <a:rPr lang="es-CO" sz="2800" dirty="0">
+                <a:latin typeface="Segoe UI" panose="020B0502040204020203" pitchFamily="34" charset="0"/>
+                <a:cs typeface="Segoe UI" panose="020B0502040204020203" pitchFamily="34" charset="0"/>
+                <a:hlinkClick r:id="rId3"/>
+              </a:rPr>
+              <a:t>https://redis.io/</a:t>
+            </a:r>
+            <a:endParaRPr lang="es-CO" sz="2800" dirty="0">
+              <a:latin typeface="Segoe UI" panose="020B0502040204020203" pitchFamily="34" charset="0"/>
+              <a:cs typeface="Segoe UI" panose="020B0502040204020203" pitchFamily="34" charset="0"/>
+            </a:endParaRPr>
+          </a:p>
+          <a:p>
+            <a:endParaRPr lang="es-CO" sz="2800" dirty="0">
+              <a:latin typeface="Segoe UI" panose="020B0502040204020203" pitchFamily="34" charset="0"/>
+              <a:cs typeface="Segoe UI" panose="020B0502040204020203" pitchFamily="34" charset="0"/>
+            </a:endParaRPr>
+          </a:p>
+        </p:txBody>
+      </p:sp>
+      <p:sp>
+        <p:nvSpPr>
+          <p:cNvPr id="11" name="CuadroTexto 10">
+            <a:extLst>
+              <a:ext uri="{FF2B5EF4-FFF2-40B4-BE49-F238E27FC236}">
+                <a16:creationId xmlns:a16="http://schemas.microsoft.com/office/drawing/2014/main" id="{D9EA81B4-7103-46A0-AEC2-39143E794D92}"/>
+              </a:ext>
+            </a:extLst>
+          </p:cNvPr>
+          <p:cNvSpPr txBox="1"/>
+          <p:nvPr/>
+        </p:nvSpPr>
+        <p:spPr>
+          <a:xfrm>
+            <a:off x="3153430" y="4223092"/>
+            <a:ext cx="6743834" cy="707886"/>
+          </a:xfrm>
+          <a:prstGeom prst="rect">
+            <a:avLst/>
+          </a:prstGeom>
+          <a:noFill/>
+        </p:spPr>
+        <p:txBody>
+          <a:bodyPr wrap="none" rtlCol="0">
+            <a:spAutoFit/>
+          </a:bodyPr>
+          <a:lstStyle/>
+          <a:p>
+            <a:r>
+              <a:rPr lang="es-MX" sz="4000" dirty="0">
+                <a:latin typeface="Segoe UI" panose="020B0502040204020203" pitchFamily="34" charset="0"/>
+                <a:cs typeface="Segoe UI" panose="020B0502040204020203" pitchFamily="34" charset="0"/>
+              </a:rPr>
+              <a:t>Se recomienda usar SO Linux</a:t>
+            </a:r>
+            <a:endParaRPr lang="es-CO" sz="4000" dirty="0">
+              <a:latin typeface="Segoe UI" panose="020B0502040204020203" pitchFamily="34" charset="0"/>
+              <a:cs typeface="Segoe UI" panose="020B0502040204020203" pitchFamily="34" charset="0"/>
+            </a:endParaRPr>
+          </a:p>
+        </p:txBody>
+      </p:sp>
+      <p:pic>
+        <p:nvPicPr>
+          <p:cNvPr id="1028" name="Picture 4" descr="Resultado de imagen para redis">
+            <a:extLst>
+              <a:ext uri="{FF2B5EF4-FFF2-40B4-BE49-F238E27FC236}">
+                <a16:creationId xmlns:a16="http://schemas.microsoft.com/office/drawing/2014/main" id="{8AB3634D-A73C-41BF-8CA7-569F5A5A00F1}"/>
+              </a:ext>
+            </a:extLst>
+          </p:cNvPr>
+          <p:cNvPicPr>
+            <a:picLocks noChangeAspect="1" noChangeArrowheads="1"/>
+          </p:cNvPicPr>
+          <p:nvPr/>
+        </p:nvPicPr>
+        <p:blipFill>
+          <a:blip r:embed="rId4">
+            <a:extLst>
+              <a:ext uri="{28A0092B-C50C-407E-A947-70E740481C1C}">
+                <a14:useLocalDpi xmlns:a14="http://schemas.microsoft.com/office/drawing/2010/main" val="0"/>
+              </a:ext>
+            </a:extLst>
+          </a:blip>
+          <a:srcRect/>
+          <a:stretch>
+            <a:fillRect/>
+          </a:stretch>
+        </p:blipFill>
+        <p:spPr bwMode="auto">
+          <a:xfrm>
+            <a:off x="4806041" y="5629285"/>
+            <a:ext cx="3117177" cy="1041657"/>
+          </a:xfrm>
+          <a:prstGeom prst="rect">
+            <a:avLst/>
+          </a:prstGeom>
+          <a:noFill/>
+          <a:extLst>
+            <a:ext uri="{909E8E84-426E-40DD-AFC4-6F175D3DCCD1}">
+              <a14:hiddenFill xmlns:a14="http://schemas.microsoft.com/office/drawing/2010/main">
+                <a:solidFill>
+                  <a:srgbClr val="FFFFFF"/>
+                </a:solidFill>
+              </a14:hiddenFill>
+            </a:ext>
+          </a:extLst>
+        </p:spPr>
+      </p:pic>
+    </p:spTree>
+    <p:extLst>
+      <p:ext uri="{BB962C8B-B14F-4D97-AF65-F5344CB8AC3E}">
+        <p14:creationId xmlns:p14="http://schemas.microsoft.com/office/powerpoint/2010/main" val="3944266583"/>
+      </p:ext>
+    </p:extLst>
+  </p:cSld>
+  <p:clrMapOvr>
+    <a:masterClrMapping/>
+  </p:clrMapOvr>
+</p:sld>
+</file>
+
+<file path=ppt/slides/slide32.xml><?xml version="1.0" encoding="utf-8"?>
+<p:sld xmlns:a="http://schemas.openxmlformats.org/drawingml/2006/main" xmlns:r="http://schemas.openxmlformats.org/officeDocument/2006/relationships" xmlns:p="http://schemas.openxmlformats.org/presentationml/2006/main">
+  <p:cSld>
+    <p:bg>
+      <p:bgPr>
+        <a:solidFill>
+          <a:schemeClr val="bg1"/>
+        </a:solidFill>
+        <a:effectLst/>
+      </p:bgPr>
+    </p:bg>
+    <p:spTree>
+      <p:nvGrpSpPr>
+        <p:cNvPr id="1" name=""/>
+        <p:cNvGrpSpPr/>
+        <p:nvPr/>
+      </p:nvGrpSpPr>
+      <p:grpSpPr>
+        <a:xfrm>
+          <a:off x="0" y="0"/>
+          <a:ext cx="0" cy="0"/>
+          <a:chOff x="0" y="0"/>
+          <a:chExt cx="0" cy="0"/>
+        </a:xfrm>
+      </p:grpSpPr>
+      <p:sp>
+        <p:nvSpPr>
+          <p:cNvPr id="14" name="Rectangle 13">
+            <a:extLst>
+              <a:ext uri="{FF2B5EF4-FFF2-40B4-BE49-F238E27FC236}">
+                <a16:creationId xmlns:a16="http://schemas.microsoft.com/office/drawing/2014/main" id="{8D70B121-56F4-4848-B38B-182089D909FA}"/>
+              </a:ext>
+              <a:ext uri="{C183D7F6-B498-43B3-948B-1728B52AA6E4}">
+                <adec:decorative xmlns:adec="http://schemas.microsoft.com/office/drawing/2017/decorative" val="1"/>
+              </a:ext>
+            </a:extLst>
+          </p:cNvPr>
+          <p:cNvSpPr>
+            <a:spLocks noGrp="1" noRot="1" noChangeAspect="1" noMove="1" noResize="1" noEditPoints="1" noAdjustHandles="1" noChangeArrowheads="1" noChangeShapeType="1" noTextEdit="1"/>
+          </p:cNvSpPr>
+          <p:nvPr>
+            <p:extLst>
+              <p:ext uri="{386F3935-93C4-4BCD-93E2-E3B085C9AB24}">
+                <p16:designElem xmlns:p16="http://schemas.microsoft.com/office/powerpoint/2015/main" val="1"/>
+              </p:ext>
+            </p:extLst>
+          </p:nvPr>
+        </p:nvSpPr>
+        <p:spPr bwMode="ltGray">
+          <a:xfrm>
+            <a:off x="321564" y="320040"/>
+            <a:ext cx="11548872" cy="6217920"/>
+          </a:xfrm>
+          <a:prstGeom prst="rect">
+            <a:avLst/>
+          </a:prstGeom>
+          <a:solidFill>
+            <a:schemeClr val="tx1">
+              <a:alpha val="8000"/>
+            </a:schemeClr>
+          </a:solidFill>
+          <a:ln w="127000" cap="sq" cmpd="thinThick">
+            <a:noFill/>
+          </a:ln>
+        </p:spPr>
+        <p:style>
+          <a:lnRef idx="2">
+            <a:schemeClr val="accent1">
+              <a:shade val="50000"/>
+            </a:schemeClr>
+          </a:lnRef>
+          <a:fillRef idx="1">
+            <a:schemeClr val="accent1"/>
+          </a:fillRef>
+          <a:effectRef idx="0">
+            <a:schemeClr val="accent1"/>
+          </a:effectRef>
+          <a:fontRef idx="minor">
+            <a:schemeClr val="lt1"/>
+          </a:fontRef>
+        </p:style>
+        <p:txBody>
+          <a:bodyPr rtlCol="0" anchor="ctr"/>
+          <a:lstStyle/>
+          <a:p>
+            <a:pPr algn="ctr"/>
+            <a:endParaRPr lang="en-US"/>
+          </a:p>
+        </p:txBody>
+      </p:sp>
+      <p:sp>
+        <p:nvSpPr>
+          <p:cNvPr id="2" name="CuadroTexto 1">
+            <a:extLst>
+              <a:ext uri="{FF2B5EF4-FFF2-40B4-BE49-F238E27FC236}">
+                <a16:creationId xmlns:a16="http://schemas.microsoft.com/office/drawing/2014/main" id="{A7F3F451-89EE-48EF-AB36-D9F6082585A1}"/>
+              </a:ext>
+            </a:extLst>
+          </p:cNvPr>
+          <p:cNvSpPr txBox="1"/>
+          <p:nvPr/>
+        </p:nvSpPr>
+        <p:spPr>
+          <a:xfrm>
+            <a:off x="838200" y="963877"/>
+            <a:ext cx="3494362" cy="4930246"/>
+          </a:xfrm>
+          <a:prstGeom prst="rect">
+            <a:avLst/>
+          </a:prstGeom>
+        </p:spPr>
+        <p:txBody>
+          <a:bodyPr vert="horz" lIns="91440" tIns="45720" rIns="91440" bIns="45720" rtlCol="0" anchor="ctr">
+            <a:normAutofit/>
+          </a:bodyPr>
+          <a:lstStyle/>
+          <a:p>
+            <a:pPr algn="r">
+              <a:lnSpc>
+                <a:spcPct val="90000"/>
+              </a:lnSpc>
+              <a:spcBef>
+                <a:spcPct val="0"/>
+              </a:spcBef>
+              <a:spcAft>
+                <a:spcPts val="600"/>
+              </a:spcAft>
+            </a:pPr>
+            <a:r>
+              <a:rPr lang="en-US" sz="4400" kern="1200">
+                <a:solidFill>
+                  <a:schemeClr val="accent1"/>
+                </a:solidFill>
+                <a:latin typeface="+mj-lt"/>
+                <a:ea typeface="+mj-ea"/>
+                <a:cs typeface="+mj-cs"/>
+              </a:rPr>
+              <a:t>Redis cache</a:t>
+            </a:r>
+          </a:p>
+        </p:txBody>
+      </p:sp>
+      <p:cxnSp>
+        <p:nvCxnSpPr>
+          <p:cNvPr id="16" name="Straight Connector 15">
+            <a:extLst>
+              <a:ext uri="{FF2B5EF4-FFF2-40B4-BE49-F238E27FC236}">
+                <a16:creationId xmlns:a16="http://schemas.microsoft.com/office/drawing/2014/main" id="{2D72A2C9-F3CA-4216-8BAD-FA4C970C3C4E}"/>
+              </a:ext>
+              <a:ext uri="{C183D7F6-B498-43B3-948B-1728B52AA6E4}">
+                <adec:decorative xmlns:adec="http://schemas.microsoft.com/office/drawing/2017/decorative" val="1"/>
+              </a:ext>
+            </a:extLst>
+          </p:cNvPr>
+          <p:cNvCxnSpPr>
+            <a:cxnSpLocks noGrp="1" noRot="1" noChangeAspect="1" noMove="1" noResize="1" noEditPoints="1" noAdjustHandles="1" noChangeArrowheads="1" noChangeShapeType="1"/>
+          </p:cNvCxnSpPr>
+          <p:nvPr>
+            <p:extLst>
+              <p:ext uri="{386F3935-93C4-4BCD-93E2-E3B085C9AB24}">
+                <p16:designElem xmlns:p16="http://schemas.microsoft.com/office/powerpoint/2015/main" val="1"/>
+              </p:ext>
+            </p:extLst>
+          </p:nvPr>
+        </p:nvCxnSpPr>
+        <p:spPr>
+          <a:xfrm>
+            <a:off x="4654296" y="2057400"/>
+            <a:ext cx="0" cy="2743200"/>
+          </a:xfrm>
+          <a:prstGeom prst="line">
+            <a:avLst/>
+          </a:prstGeom>
+          <a:ln w="19050">
+            <a:solidFill>
+              <a:schemeClr val="tx1">
+                <a:lumMod val="85000"/>
+                <a:lumOff val="15000"/>
+              </a:schemeClr>
+            </a:solidFill>
+          </a:ln>
+        </p:spPr>
+        <p:style>
+          <a:lnRef idx="1">
+            <a:schemeClr val="accent1"/>
+          </a:lnRef>
+          <a:fillRef idx="0">
+            <a:schemeClr val="accent1"/>
+          </a:fillRef>
+          <a:effectRef idx="0">
+            <a:schemeClr val="accent1"/>
+          </a:effectRef>
+          <a:fontRef idx="minor">
+            <a:schemeClr val="tx1"/>
+          </a:fontRef>
+        </p:style>
+      </p:cxnSp>
+      <p:sp>
+        <p:nvSpPr>
+          <p:cNvPr id="6" name="CuadroTexto 5">
+            <a:extLst>
+              <a:ext uri="{FF2B5EF4-FFF2-40B4-BE49-F238E27FC236}">
+                <a16:creationId xmlns:a16="http://schemas.microsoft.com/office/drawing/2014/main" id="{768F9F73-7BF4-45E3-AFEB-51E4CDB511F2}"/>
+              </a:ext>
+            </a:extLst>
+          </p:cNvPr>
+          <p:cNvSpPr txBox="1"/>
+          <p:nvPr/>
+        </p:nvSpPr>
+        <p:spPr>
+          <a:xfrm>
+            <a:off x="4976031" y="963877"/>
+            <a:ext cx="6377769" cy="4930246"/>
+          </a:xfrm>
+          <a:prstGeom prst="rect">
+            <a:avLst/>
+          </a:prstGeom>
+        </p:spPr>
+        <p:txBody>
+          <a:bodyPr vert="horz" lIns="91440" tIns="45720" rIns="91440" bIns="45720" rtlCol="0" anchor="ctr">
+            <a:normAutofit/>
+          </a:bodyPr>
+          <a:lstStyle/>
+          <a:p>
+            <a:pPr marL="571500" indent="-228600">
+              <a:lnSpc>
+                <a:spcPct val="90000"/>
+              </a:lnSpc>
+              <a:spcAft>
+                <a:spcPts val="600"/>
+              </a:spcAft>
+              <a:buFont typeface="Arial" panose="020B0604020202020204" pitchFamily="34" charset="0"/>
+              <a:buChar char="•"/>
+            </a:pPr>
+            <a:r>
+              <a:rPr lang="en-US" sz="2400"/>
+              <a:t>Hashes</a:t>
+            </a:r>
+          </a:p>
+          <a:p>
+            <a:pPr marL="571500" indent="-228600">
+              <a:lnSpc>
+                <a:spcPct val="90000"/>
+              </a:lnSpc>
+              <a:spcAft>
+                <a:spcPts val="600"/>
+              </a:spcAft>
+              <a:buFont typeface="Arial" panose="020B0604020202020204" pitchFamily="34" charset="0"/>
+              <a:buChar char="•"/>
+            </a:pPr>
+            <a:r>
+              <a:rPr lang="en-US" sz="2400"/>
+              <a:t>Listas</a:t>
+            </a:r>
+          </a:p>
+          <a:p>
+            <a:pPr marL="571500" indent="-228600">
+              <a:lnSpc>
+                <a:spcPct val="90000"/>
+              </a:lnSpc>
+              <a:spcAft>
+                <a:spcPts val="600"/>
+              </a:spcAft>
+              <a:buFont typeface="Arial" panose="020B0604020202020204" pitchFamily="34" charset="0"/>
+              <a:buChar char="•"/>
+            </a:pPr>
+            <a:r>
+              <a:rPr lang="en-US" sz="2400"/>
+              <a:t>Conjuntos</a:t>
+            </a:r>
+          </a:p>
+          <a:p>
+            <a:pPr marL="571500" indent="-228600">
+              <a:lnSpc>
+                <a:spcPct val="90000"/>
+              </a:lnSpc>
+              <a:spcAft>
+                <a:spcPts val="600"/>
+              </a:spcAft>
+              <a:buFont typeface="Arial" panose="020B0604020202020204" pitchFamily="34" charset="0"/>
+              <a:buChar char="•"/>
+            </a:pPr>
+            <a:r>
+              <a:rPr lang="en-US" sz="2400"/>
+              <a:t>Conjuntos Ordenados</a:t>
+            </a:r>
+          </a:p>
+          <a:p>
+            <a:pPr marL="571500" indent="-228600">
+              <a:lnSpc>
+                <a:spcPct val="90000"/>
+              </a:lnSpc>
+              <a:spcAft>
+                <a:spcPts val="600"/>
+              </a:spcAft>
+              <a:buFont typeface="Arial" panose="020B0604020202020204" pitchFamily="34" charset="0"/>
+              <a:buChar char="•"/>
+            </a:pPr>
+            <a:r>
+              <a:rPr lang="en-US" sz="2400"/>
+              <a:t>Mapa de bits</a:t>
+            </a:r>
+          </a:p>
+          <a:p>
+            <a:pPr marL="571500" indent="-228600">
+              <a:lnSpc>
+                <a:spcPct val="90000"/>
+              </a:lnSpc>
+              <a:spcAft>
+                <a:spcPts val="600"/>
+              </a:spcAft>
+              <a:buFont typeface="Arial" panose="020B0604020202020204" pitchFamily="34" charset="0"/>
+              <a:buChar char="•"/>
+            </a:pPr>
+            <a:r>
+              <a:rPr lang="en-US" sz="2400"/>
+              <a:t>Indices geoespaciales</a:t>
+            </a:r>
+          </a:p>
+        </p:txBody>
+      </p:sp>
+    </p:spTree>
+    <p:extLst>
+      <p:ext uri="{BB962C8B-B14F-4D97-AF65-F5344CB8AC3E}">
+        <p14:creationId xmlns:p14="http://schemas.microsoft.com/office/powerpoint/2010/main" val="1617953913"/>
+      </p:ext>
+    </p:extLst>
+  </p:cSld>
+  <p:clrMapOvr>
+    <a:masterClrMapping/>
+  </p:clrMapOvr>
+</p:sld>
+</file>
+
+<file path=ppt/slides/slide33.xml><?xml version="1.0" encoding="utf-8"?>
+<p:sld xmlns:a="http://schemas.openxmlformats.org/drawingml/2006/main" xmlns:r="http://schemas.openxmlformats.org/officeDocument/2006/relationships" xmlns:p="http://schemas.openxmlformats.org/presentationml/2006/main">
+  <p:cSld>
+    <p:bg>
+      <p:bgPr>
+        <a:solidFill>
+          <a:schemeClr val="bg1"/>
+        </a:solidFill>
+        <a:effectLst/>
+      </p:bgPr>
+    </p:bg>
+    <p:spTree>
+      <p:nvGrpSpPr>
+        <p:cNvPr id="1" name=""/>
+        <p:cNvGrpSpPr/>
+        <p:nvPr/>
+      </p:nvGrpSpPr>
+      <p:grpSpPr>
+        <a:xfrm>
+          <a:off x="0" y="0"/>
+          <a:ext cx="0" cy="0"/>
+          <a:chOff x="0" y="0"/>
+          <a:chExt cx="0" cy="0"/>
+        </a:xfrm>
+      </p:grpSpPr>
+      <p:sp>
+        <p:nvSpPr>
+          <p:cNvPr id="9" name="Rectangle 8">
+            <a:extLst>
+              <a:ext uri="{FF2B5EF4-FFF2-40B4-BE49-F238E27FC236}">
+                <a16:creationId xmlns:a16="http://schemas.microsoft.com/office/drawing/2014/main" id="{A4AC5506-6312-4701-8D3C-40187889A947}"/>
+              </a:ext>
+              <a:ext uri="{C183D7F6-B498-43B3-948B-1728B52AA6E4}">
+                <adec:decorative xmlns:adec="http://schemas.microsoft.com/office/drawing/2017/decorative" val="1"/>
+              </a:ext>
+            </a:extLst>
+          </p:cNvPr>
+          <p:cNvSpPr>
+            <a:spLocks noGrp="1" noRot="1" noChangeAspect="1" noMove="1" noResize="1" noEditPoints="1" noAdjustHandles="1" noChangeArrowheads="1" noChangeShapeType="1" noTextEdit="1"/>
+          </p:cNvSpPr>
+          <p:nvPr>
+            <p:extLst>
+              <p:ext uri="{386F3935-93C4-4BCD-93E2-E3B085C9AB24}">
+                <p16:designElem xmlns:p16="http://schemas.microsoft.com/office/powerpoint/2015/main" val="1"/>
+              </p:ext>
+            </p:extLst>
+          </p:nvPr>
+        </p:nvSpPr>
+        <p:spPr>
+          <a:xfrm>
+            <a:off x="0" y="651752"/>
+            <a:ext cx="12192000" cy="736551"/>
+          </a:xfrm>
+          <a:prstGeom prst="rect">
+            <a:avLst/>
+          </a:prstGeom>
+          <a:solidFill>
+            <a:schemeClr val="tx1"/>
+          </a:solidFill>
+          <a:ln>
+            <a:noFill/>
+          </a:ln>
+        </p:spPr>
+        <p:style>
+          <a:lnRef idx="2">
+            <a:schemeClr val="accent1">
+              <a:shade val="50000"/>
+            </a:schemeClr>
+          </a:lnRef>
+          <a:fillRef idx="1">
+            <a:schemeClr val="accent1"/>
+          </a:fillRef>
+          <a:effectRef idx="0">
+            <a:schemeClr val="accent1"/>
+          </a:effectRef>
+          <a:fontRef idx="minor">
+            <a:schemeClr val="lt1"/>
+          </a:fontRef>
+        </p:style>
+        <p:txBody>
+          <a:bodyPr rtlCol="0" anchor="ctr"/>
+          <a:lstStyle/>
+          <a:p>
+            <a:pPr algn="ctr"/>
+            <a:endParaRPr lang="en-US"/>
+          </a:p>
+        </p:txBody>
+      </p:sp>
+      <p:sp>
+        <p:nvSpPr>
+          <p:cNvPr id="2" name="CuadroTexto 1">
+            <a:extLst>
+              <a:ext uri="{FF2B5EF4-FFF2-40B4-BE49-F238E27FC236}">
+                <a16:creationId xmlns:a16="http://schemas.microsoft.com/office/drawing/2014/main" id="{A7F3F451-89EE-48EF-AB36-D9F6082585A1}"/>
+              </a:ext>
+            </a:extLst>
+          </p:cNvPr>
+          <p:cNvSpPr txBox="1"/>
+          <p:nvPr/>
+        </p:nvSpPr>
+        <p:spPr>
+          <a:xfrm>
+            <a:off x="556532" y="643467"/>
+            <a:ext cx="11210925" cy="744836"/>
+          </a:xfrm>
+          <a:prstGeom prst="rect">
+            <a:avLst/>
+          </a:prstGeom>
+        </p:spPr>
+        <p:txBody>
+          <a:bodyPr vert="horz" lIns="91440" tIns="45720" rIns="91440" bIns="45720" rtlCol="0" anchor="ctr">
+            <a:normAutofit/>
+          </a:bodyPr>
+          <a:lstStyle/>
+          <a:p>
+            <a:pPr algn="ctr">
+              <a:lnSpc>
+                <a:spcPct val="90000"/>
+              </a:lnSpc>
+              <a:spcBef>
+                <a:spcPct val="0"/>
+              </a:spcBef>
+              <a:spcAft>
+                <a:spcPts val="600"/>
+              </a:spcAft>
+            </a:pPr>
+            <a:r>
+              <a:rPr lang="en-US" sz="3200" kern="1200" dirty="0" err="1">
+                <a:solidFill>
+                  <a:schemeClr val="bg1"/>
+                </a:solidFill>
+                <a:latin typeface="+mj-lt"/>
+                <a:ea typeface="+mj-ea"/>
+                <a:cs typeface="+mj-cs"/>
+              </a:rPr>
+              <a:t>Redis</a:t>
+            </a:r>
+            <a:r>
+              <a:rPr lang="en-US" sz="3200" kern="1200" dirty="0">
+                <a:solidFill>
+                  <a:schemeClr val="bg1"/>
+                </a:solidFill>
+                <a:latin typeface="+mj-lt"/>
+                <a:ea typeface="+mj-ea"/>
+                <a:cs typeface="+mj-cs"/>
+              </a:rPr>
+              <a:t> cache</a:t>
+            </a:r>
+          </a:p>
+        </p:txBody>
+      </p:sp>
+      <p:pic>
+        <p:nvPicPr>
+          <p:cNvPr id="4" name="Imagen 3" descr="Imagen que contiene captura de pantalla&#10;&#10;Descripción generada con confianza muy alta">
+            <a:extLst>
+              <a:ext uri="{FF2B5EF4-FFF2-40B4-BE49-F238E27FC236}">
+                <a16:creationId xmlns:a16="http://schemas.microsoft.com/office/drawing/2014/main" id="{B17E9DE8-4A45-43CA-9946-E2CEB4C4A5E2}"/>
+              </a:ext>
+            </a:extLst>
+          </p:cNvPr>
+          <p:cNvPicPr>
+            <a:picLocks noChangeAspect="1"/>
+          </p:cNvPicPr>
+          <p:nvPr/>
+        </p:nvPicPr>
+        <p:blipFill>
+          <a:blip r:embed="rId3"/>
+          <a:stretch>
+            <a:fillRect/>
+          </a:stretch>
+        </p:blipFill>
+        <p:spPr>
+          <a:xfrm>
+            <a:off x="3242623" y="1675227"/>
+            <a:ext cx="5706753" cy="4394199"/>
+          </a:xfrm>
+          <a:prstGeom prst="rect">
+            <a:avLst/>
+          </a:prstGeom>
+        </p:spPr>
+      </p:pic>
+    </p:spTree>
+    <p:extLst>
+      <p:ext uri="{BB962C8B-B14F-4D97-AF65-F5344CB8AC3E}">
+        <p14:creationId xmlns:p14="http://schemas.microsoft.com/office/powerpoint/2010/main" val="2558160505"/>
+      </p:ext>
+    </p:extLst>
+  </p:cSld>
+  <p:clrMapOvr>
+    <a:masterClrMapping/>
+  </p:clrMapOvr>
+</p:sld>
+</file>
+
+<file path=ppt/slides/slide34.xml><?xml version="1.0" encoding="utf-8"?>
+<p:sld xmlns:a="http://schemas.openxmlformats.org/drawingml/2006/main" xmlns:r="http://schemas.openxmlformats.org/officeDocument/2006/relationships" xmlns:p="http://schemas.openxmlformats.org/presentationml/2006/main">
+  <p:cSld>
+    <p:bg>
+      <p:bgPr>
+        <a:solidFill>
+          <a:schemeClr val="bg1"/>
+        </a:solidFill>
+        <a:effectLst/>
+      </p:bgPr>
+    </p:bg>
+    <p:spTree>
+      <p:nvGrpSpPr>
+        <p:cNvPr id="1" name=""/>
+        <p:cNvGrpSpPr/>
+        <p:nvPr/>
+      </p:nvGrpSpPr>
+      <p:grpSpPr>
+        <a:xfrm>
+          <a:off x="0" y="0"/>
+          <a:ext cx="0" cy="0"/>
+          <a:chOff x="0" y="0"/>
+          <a:chExt cx="0" cy="0"/>
+        </a:xfrm>
+      </p:grpSpPr>
+      <p:sp>
+        <p:nvSpPr>
+          <p:cNvPr id="14" name="Rectangle 13">
+            <a:extLst>
+              <a:ext uri="{FF2B5EF4-FFF2-40B4-BE49-F238E27FC236}">
+                <a16:creationId xmlns:a16="http://schemas.microsoft.com/office/drawing/2014/main" id="{A4AC5506-6312-4701-8D3C-40187889A947}"/>
+              </a:ext>
+              <a:ext uri="{C183D7F6-B498-43B3-948B-1728B52AA6E4}">
+                <adec:decorative xmlns:adec="http://schemas.microsoft.com/office/drawing/2017/decorative" val="1"/>
+              </a:ext>
+            </a:extLst>
+          </p:cNvPr>
+          <p:cNvSpPr>
+            <a:spLocks noGrp="1" noRot="1" noChangeAspect="1" noMove="1" noResize="1" noEditPoints="1" noAdjustHandles="1" noChangeArrowheads="1" noChangeShapeType="1" noTextEdit="1"/>
+          </p:cNvSpPr>
+          <p:nvPr>
+            <p:extLst>
+              <p:ext uri="{386F3935-93C4-4BCD-93E2-E3B085C9AB24}">
+                <p16:designElem xmlns:p16="http://schemas.microsoft.com/office/powerpoint/2015/main" val="1"/>
+              </p:ext>
+            </p:extLst>
+          </p:nvPr>
+        </p:nvSpPr>
+        <p:spPr>
+          <a:xfrm>
+            <a:off x="0" y="651752"/>
+            <a:ext cx="12192000" cy="736551"/>
+          </a:xfrm>
+          <a:prstGeom prst="rect">
+            <a:avLst/>
+          </a:prstGeom>
+          <a:solidFill>
+            <a:schemeClr val="tx1"/>
+          </a:solidFill>
+          <a:ln>
+            <a:noFill/>
+          </a:ln>
+        </p:spPr>
+        <p:style>
+          <a:lnRef idx="2">
+            <a:schemeClr val="accent1">
+              <a:shade val="50000"/>
+            </a:schemeClr>
+          </a:lnRef>
+          <a:fillRef idx="1">
+            <a:schemeClr val="accent1"/>
+          </a:fillRef>
+          <a:effectRef idx="0">
+            <a:schemeClr val="accent1"/>
+          </a:effectRef>
+          <a:fontRef idx="minor">
+            <a:schemeClr val="lt1"/>
+          </a:fontRef>
+        </p:style>
+        <p:txBody>
+          <a:bodyPr rtlCol="0" anchor="ctr"/>
+          <a:lstStyle/>
+          <a:p>
+            <a:pPr algn="ctr"/>
+            <a:endParaRPr lang="en-US"/>
+          </a:p>
+        </p:txBody>
+      </p:sp>
+      <p:sp>
+        <p:nvSpPr>
+          <p:cNvPr id="2" name="CuadroTexto 1">
+            <a:extLst>
+              <a:ext uri="{FF2B5EF4-FFF2-40B4-BE49-F238E27FC236}">
+                <a16:creationId xmlns:a16="http://schemas.microsoft.com/office/drawing/2014/main" id="{A7F3F451-89EE-48EF-AB36-D9F6082585A1}"/>
+              </a:ext>
+            </a:extLst>
+          </p:cNvPr>
+          <p:cNvSpPr txBox="1"/>
+          <p:nvPr/>
+        </p:nvSpPr>
+        <p:spPr>
+          <a:xfrm>
+            <a:off x="556532" y="643467"/>
+            <a:ext cx="11210925" cy="744836"/>
+          </a:xfrm>
+          <a:prstGeom prst="rect">
+            <a:avLst/>
+          </a:prstGeom>
+        </p:spPr>
+        <p:txBody>
+          <a:bodyPr vert="horz" lIns="91440" tIns="45720" rIns="91440" bIns="45720" rtlCol="0" anchor="ctr">
+            <a:normAutofit/>
+          </a:bodyPr>
+          <a:lstStyle/>
+          <a:p>
+            <a:pPr algn="ctr">
+              <a:lnSpc>
+                <a:spcPct val="90000"/>
+              </a:lnSpc>
+              <a:spcBef>
+                <a:spcPct val="0"/>
+              </a:spcBef>
+              <a:spcAft>
+                <a:spcPts val="600"/>
+              </a:spcAft>
+            </a:pPr>
+            <a:r>
+              <a:rPr lang="en-US" sz="3200" kern="1200" dirty="0" err="1">
+                <a:solidFill>
+                  <a:schemeClr val="bg1"/>
+                </a:solidFill>
+                <a:latin typeface="+mj-lt"/>
+                <a:ea typeface="+mj-ea"/>
+                <a:cs typeface="+mj-cs"/>
+              </a:rPr>
+              <a:t>Redis</a:t>
+            </a:r>
+            <a:r>
+              <a:rPr lang="en-US" sz="3200" kern="1200" dirty="0">
+                <a:solidFill>
+                  <a:schemeClr val="bg1"/>
+                </a:solidFill>
+                <a:latin typeface="+mj-lt"/>
+                <a:ea typeface="+mj-ea"/>
+                <a:cs typeface="+mj-cs"/>
+              </a:rPr>
+              <a:t> Web</a:t>
+            </a:r>
+          </a:p>
+        </p:txBody>
+      </p:sp>
+      <p:pic>
+        <p:nvPicPr>
+          <p:cNvPr id="3" name="Imagen 2" descr="Imagen que contiene texto&#10;&#10;Descripción generada con confianza muy alta">
+            <a:extLst>
+              <a:ext uri="{FF2B5EF4-FFF2-40B4-BE49-F238E27FC236}">
+                <a16:creationId xmlns:a16="http://schemas.microsoft.com/office/drawing/2014/main" id="{F78FDDBB-0F95-4F36-986F-62723A071DA3}"/>
+              </a:ext>
+            </a:extLst>
+          </p:cNvPr>
+          <p:cNvPicPr>
+            <a:picLocks noChangeAspect="1"/>
+          </p:cNvPicPr>
+          <p:nvPr/>
+        </p:nvPicPr>
+        <p:blipFill>
+          <a:blip r:embed="rId3"/>
+          <a:stretch>
+            <a:fillRect/>
+          </a:stretch>
+        </p:blipFill>
+        <p:spPr>
+          <a:xfrm>
+            <a:off x="2207327" y="1675227"/>
+            <a:ext cx="7777345" cy="4394199"/>
+          </a:xfrm>
+          <a:prstGeom prst="rect">
+            <a:avLst/>
+          </a:prstGeom>
+        </p:spPr>
+      </p:pic>
+    </p:spTree>
+    <p:extLst>
+      <p:ext uri="{BB962C8B-B14F-4D97-AF65-F5344CB8AC3E}">
+        <p14:creationId xmlns:p14="http://schemas.microsoft.com/office/powerpoint/2010/main" val="2949193075"/>
+      </p:ext>
+    </p:extLst>
+  </p:cSld>
+  <p:clrMapOvr>
+    <a:masterClrMapping/>
+  </p:clrMapOvr>
+</p:sld>
+</file>
+
+<file path=ppt/slides/slide35.xml><?xml version="1.0" encoding="utf-8"?>
+<p:sld xmlns:a="http://schemas.openxmlformats.org/drawingml/2006/main" xmlns:r="http://schemas.openxmlformats.org/officeDocument/2006/relationships" xmlns:p="http://schemas.openxmlformats.org/presentationml/2006/main">
+  <p:cSld>
+    <p:bg>
+      <p:bgPr>
+        <a:solidFill>
+          <a:schemeClr val="bg1"/>
+        </a:solidFill>
+        <a:effectLst/>
+      </p:bgPr>
+    </p:bg>
+    <p:spTree>
+      <p:nvGrpSpPr>
+        <p:cNvPr id="1" name=""/>
+        <p:cNvGrpSpPr/>
+        <p:nvPr/>
+      </p:nvGrpSpPr>
+      <p:grpSpPr>
+        <a:xfrm>
+          <a:off x="0" y="0"/>
+          <a:ext cx="0" cy="0"/>
+          <a:chOff x="0" y="0"/>
+          <a:chExt cx="0" cy="0"/>
+        </a:xfrm>
+      </p:grpSpPr>
+      <p:sp>
+        <p:nvSpPr>
+          <p:cNvPr id="14" name="Rectangle 13">
+            <a:extLst>
+              <a:ext uri="{FF2B5EF4-FFF2-40B4-BE49-F238E27FC236}">
+                <a16:creationId xmlns:a16="http://schemas.microsoft.com/office/drawing/2014/main" id="{A4AC5506-6312-4701-8D3C-40187889A947}"/>
+              </a:ext>
+              <a:ext uri="{C183D7F6-B498-43B3-948B-1728B52AA6E4}">
+                <adec:decorative xmlns:adec="http://schemas.microsoft.com/office/drawing/2017/decorative" val="1"/>
+              </a:ext>
+            </a:extLst>
+          </p:cNvPr>
+          <p:cNvSpPr>
+            <a:spLocks noGrp="1" noRot="1" noChangeAspect="1" noMove="1" noResize="1" noEditPoints="1" noAdjustHandles="1" noChangeArrowheads="1" noChangeShapeType="1" noTextEdit="1"/>
+          </p:cNvSpPr>
+          <p:nvPr>
+            <p:extLst>
+              <p:ext uri="{386F3935-93C4-4BCD-93E2-E3B085C9AB24}">
+                <p16:designElem xmlns:p16="http://schemas.microsoft.com/office/powerpoint/2015/main" val="1"/>
+              </p:ext>
+            </p:extLst>
+          </p:nvPr>
+        </p:nvSpPr>
+        <p:spPr>
+          <a:xfrm>
+            <a:off x="0" y="651752"/>
+            <a:ext cx="12192000" cy="736551"/>
+          </a:xfrm>
+          <a:prstGeom prst="rect">
+            <a:avLst/>
+          </a:prstGeom>
+          <a:solidFill>
+            <a:schemeClr val="tx1"/>
+          </a:solidFill>
+          <a:ln>
+            <a:noFill/>
+          </a:ln>
+        </p:spPr>
+        <p:style>
+          <a:lnRef idx="2">
+            <a:schemeClr val="accent1">
+              <a:shade val="50000"/>
+            </a:schemeClr>
+          </a:lnRef>
+          <a:fillRef idx="1">
+            <a:schemeClr val="accent1"/>
+          </a:fillRef>
+          <a:effectRef idx="0">
+            <a:schemeClr val="accent1"/>
+          </a:effectRef>
+          <a:fontRef idx="minor">
+            <a:schemeClr val="lt1"/>
+          </a:fontRef>
+        </p:style>
+        <p:txBody>
+          <a:bodyPr rtlCol="0" anchor="ctr"/>
+          <a:lstStyle/>
+          <a:p>
+            <a:pPr algn="ctr"/>
+            <a:endParaRPr lang="en-US"/>
+          </a:p>
+        </p:txBody>
+      </p:sp>
+      <p:sp>
+        <p:nvSpPr>
+          <p:cNvPr id="2" name="CuadroTexto 1">
+            <a:extLst>
+              <a:ext uri="{FF2B5EF4-FFF2-40B4-BE49-F238E27FC236}">
+                <a16:creationId xmlns:a16="http://schemas.microsoft.com/office/drawing/2014/main" id="{A7F3F451-89EE-48EF-AB36-D9F6082585A1}"/>
+              </a:ext>
+            </a:extLst>
+          </p:cNvPr>
+          <p:cNvSpPr txBox="1"/>
+          <p:nvPr/>
+        </p:nvSpPr>
+        <p:spPr>
+          <a:xfrm>
+            <a:off x="556532" y="643467"/>
+            <a:ext cx="11210925" cy="744836"/>
+          </a:xfrm>
+          <a:prstGeom prst="rect">
+            <a:avLst/>
+          </a:prstGeom>
+        </p:spPr>
+        <p:txBody>
+          <a:bodyPr vert="horz" lIns="91440" tIns="45720" rIns="91440" bIns="45720" rtlCol="0" anchor="ctr">
+            <a:normAutofit/>
+          </a:bodyPr>
+          <a:lstStyle/>
+          <a:p>
+            <a:pPr algn="ctr">
+              <a:lnSpc>
+                <a:spcPct val="90000"/>
+              </a:lnSpc>
+              <a:spcBef>
+                <a:spcPct val="0"/>
+              </a:spcBef>
+              <a:spcAft>
+                <a:spcPts val="600"/>
+              </a:spcAft>
+            </a:pPr>
+            <a:r>
+              <a:rPr lang="en-US" sz="3200" kern="1200" dirty="0" err="1">
+                <a:solidFill>
+                  <a:schemeClr val="bg1"/>
+                </a:solidFill>
+                <a:latin typeface="+mj-lt"/>
+                <a:ea typeface="+mj-ea"/>
+                <a:cs typeface="+mj-cs"/>
+              </a:rPr>
+              <a:t>Redis</a:t>
+            </a:r>
+            <a:r>
+              <a:rPr lang="en-US" sz="3200" kern="1200" dirty="0">
+                <a:solidFill>
+                  <a:schemeClr val="bg1"/>
+                </a:solidFill>
+                <a:latin typeface="+mj-lt"/>
+                <a:ea typeface="+mj-ea"/>
+                <a:cs typeface="+mj-cs"/>
+              </a:rPr>
+              <a:t> MQ</a:t>
+            </a:r>
+          </a:p>
+        </p:txBody>
+      </p:sp>
+      <p:pic>
+        <p:nvPicPr>
+          <p:cNvPr id="4" name="Imagen 3">
+            <a:extLst>
+              <a:ext uri="{FF2B5EF4-FFF2-40B4-BE49-F238E27FC236}">
+                <a16:creationId xmlns:a16="http://schemas.microsoft.com/office/drawing/2014/main" id="{A81C4BA4-312E-4808-A49B-E81728D18D35}"/>
+              </a:ext>
+            </a:extLst>
+          </p:cNvPr>
+          <p:cNvPicPr>
+            <a:picLocks noChangeAspect="1"/>
+          </p:cNvPicPr>
+          <p:nvPr/>
+        </p:nvPicPr>
+        <p:blipFill>
+          <a:blip r:embed="rId3"/>
+          <a:stretch>
+            <a:fillRect/>
+          </a:stretch>
+        </p:blipFill>
+        <p:spPr>
+          <a:xfrm>
+            <a:off x="2867025" y="1895475"/>
+            <a:ext cx="6457950" cy="3752850"/>
+          </a:xfrm>
+          <a:prstGeom prst="rect">
+            <a:avLst/>
+          </a:prstGeom>
+        </p:spPr>
+      </p:pic>
+    </p:spTree>
+    <p:extLst>
+      <p:ext uri="{BB962C8B-B14F-4D97-AF65-F5344CB8AC3E}">
+        <p14:creationId xmlns:p14="http://schemas.microsoft.com/office/powerpoint/2010/main" val="4050902088"/>
       </p:ext>
     </p:extLst>
   </p:cSld>

--- a/ToolsForAPI.pptx
+++ b/ToolsForAPI.pptx
@@ -15097,7 +15097,7 @@
         </p:blipFill>
         <p:spPr bwMode="auto">
           <a:xfrm>
-            <a:off x="4806041" y="5629285"/>
+            <a:off x="4537411" y="5685419"/>
             <a:ext cx="3117177" cy="1041657"/>
           </a:xfrm>
           <a:prstGeom prst="rect">

--- a/ToolsForAPI.pptx
+++ b/ToolsForAPI.pptx
@@ -5,7 +5,7 @@
     <p:sldMasterId id="2147483733" r:id="rId1"/>
   </p:sldMasterIdLst>
   <p:notesMasterIdLst>
-    <p:notesMasterId r:id="rId37"/>
+    <p:notesMasterId r:id="rId39"/>
   </p:notesMasterIdLst>
   <p:sldIdLst>
     <p:sldId id="257" r:id="rId2"/>
@@ -43,6 +43,8 @@
     <p:sldId id="352" r:id="rId34"/>
     <p:sldId id="350" r:id="rId35"/>
     <p:sldId id="351" r:id="rId36"/>
+    <p:sldId id="354" r:id="rId37"/>
+    <p:sldId id="355" r:id="rId38"/>
   </p:sldIdLst>
   <p:sldSz cx="12192000" cy="6858000"/>
   <p:notesSz cx="6858000" cy="9144000"/>
@@ -189,6 +191,8 @@
             <p14:sldId id="352"/>
             <p14:sldId id="350"/>
             <p14:sldId id="351"/>
+            <p14:sldId id="354"/>
+            <p14:sldId id="355"/>
           </p14:sldIdLst>
         </p14:section>
       </p14:sectionLst>
@@ -282,7 +286,7 @@
           <a:p>
             <a:fld id="{CAF0A8B5-738B-4F91-AEE8-4CECB76619C0}" type="datetimeFigureOut">
               <a:rPr lang="es-CO" smtClean="0"/>
-              <a:t>27/07/2018</a:t>
+              <a:t>30/07/2018</a:t>
             </a:fld>
             <a:endParaRPr lang="es-CO"/>
           </a:p>
@@ -4428,6 +4432,324 @@
 </p:notes>
 </file>
 
+<file path=ppt/notesSlides/notesSlide36.xml><?xml version="1.0" encoding="utf-8"?>
+<p:notes xmlns:a="http://schemas.openxmlformats.org/drawingml/2006/main" xmlns:r="http://schemas.openxmlformats.org/officeDocument/2006/relationships" xmlns:p="http://schemas.openxmlformats.org/presentationml/2006/main">
+  <p:cSld>
+    <p:spTree>
+      <p:nvGrpSpPr>
+        <p:cNvPr id="1" name=""/>
+        <p:cNvGrpSpPr/>
+        <p:nvPr/>
+      </p:nvGrpSpPr>
+      <p:grpSpPr>
+        <a:xfrm>
+          <a:off x="0" y="0"/>
+          <a:ext cx="0" cy="0"/>
+          <a:chOff x="0" y="0"/>
+          <a:chExt cx="0" cy="0"/>
+        </a:xfrm>
+      </p:grpSpPr>
+      <p:sp>
+        <p:nvSpPr>
+          <p:cNvPr id="2" name="Marcador de imagen de diapositiva 1"/>
+          <p:cNvSpPr>
+            <a:spLocks noGrp="1" noRot="1" noChangeAspect="1"/>
+          </p:cNvSpPr>
+          <p:nvPr>
+            <p:ph type="sldImg"/>
+          </p:nvPr>
+        </p:nvSpPr>
+        <p:spPr/>
+      </p:sp>
+      <p:sp>
+        <p:nvSpPr>
+          <p:cNvPr id="3" name="Marcador de notas 2"/>
+          <p:cNvSpPr>
+            <a:spLocks noGrp="1"/>
+          </p:cNvSpPr>
+          <p:nvPr>
+            <p:ph type="body" idx="1"/>
+          </p:nvPr>
+        </p:nvSpPr>
+        <p:spPr/>
+        <p:txBody>
+          <a:bodyPr/>
+          <a:lstStyle/>
+          <a:p>
+            <a:pPr algn="ctr"/>
+            <a:endParaRPr lang="es-MX" sz="1200" b="0" i="0" kern="1200" dirty="0">
+              <a:solidFill>
+                <a:schemeClr val="tx1"/>
+              </a:solidFill>
+              <a:effectLst/>
+              <a:latin typeface="+mn-lt"/>
+              <a:ea typeface="+mn-ea"/>
+              <a:cs typeface="+mn-cs"/>
+            </a:endParaRPr>
+          </a:p>
+        </p:txBody>
+      </p:sp>
+      <p:sp>
+        <p:nvSpPr>
+          <p:cNvPr id="4" name="Marcador de número de diapositiva 3"/>
+          <p:cNvSpPr>
+            <a:spLocks noGrp="1"/>
+          </p:cNvSpPr>
+          <p:nvPr>
+            <p:ph type="sldNum" sz="quarter" idx="10"/>
+          </p:nvPr>
+        </p:nvSpPr>
+        <p:spPr/>
+        <p:txBody>
+          <a:bodyPr/>
+          <a:lstStyle/>
+          <a:p>
+            <a:fld id="{F82B9EC9-5510-408D-8820-096EB829DDB0}" type="slidenum">
+              <a:rPr lang="es-CO" smtClean="0"/>
+              <a:t>36</a:t>
+            </a:fld>
+            <a:endParaRPr lang="es-CO"/>
+          </a:p>
+        </p:txBody>
+      </p:sp>
+    </p:spTree>
+    <p:extLst>
+      <p:ext uri="{BB962C8B-B14F-4D97-AF65-F5344CB8AC3E}">
+        <p14:creationId xmlns:p14="http://schemas.microsoft.com/office/powerpoint/2010/main" val="3285771136"/>
+      </p:ext>
+    </p:extLst>
+  </p:cSld>
+  <p:clrMapOvr>
+    <a:masterClrMapping/>
+  </p:clrMapOvr>
+</p:notes>
+</file>
+
+<file path=ppt/notesSlides/notesSlide37.xml><?xml version="1.0" encoding="utf-8"?>
+<p:notes xmlns:a="http://schemas.openxmlformats.org/drawingml/2006/main" xmlns:r="http://schemas.openxmlformats.org/officeDocument/2006/relationships" xmlns:p="http://schemas.openxmlformats.org/presentationml/2006/main">
+  <p:cSld>
+    <p:spTree>
+      <p:nvGrpSpPr>
+        <p:cNvPr id="1" name=""/>
+        <p:cNvGrpSpPr/>
+        <p:nvPr/>
+      </p:nvGrpSpPr>
+      <p:grpSpPr>
+        <a:xfrm>
+          <a:off x="0" y="0"/>
+          <a:ext cx="0" cy="0"/>
+          <a:chOff x="0" y="0"/>
+          <a:chExt cx="0" cy="0"/>
+        </a:xfrm>
+      </p:grpSpPr>
+      <p:sp>
+        <p:nvSpPr>
+          <p:cNvPr id="2" name="Marcador de imagen de diapositiva 1"/>
+          <p:cNvSpPr>
+            <a:spLocks noGrp="1" noRot="1" noChangeAspect="1"/>
+          </p:cNvSpPr>
+          <p:nvPr>
+            <p:ph type="sldImg"/>
+          </p:nvPr>
+        </p:nvSpPr>
+        <p:spPr/>
+      </p:sp>
+      <p:sp>
+        <p:nvSpPr>
+          <p:cNvPr id="3" name="Marcador de notas 2"/>
+          <p:cNvSpPr>
+            <a:spLocks noGrp="1"/>
+          </p:cNvSpPr>
+          <p:nvPr>
+            <p:ph type="body" idx="1"/>
+          </p:nvPr>
+        </p:nvSpPr>
+        <p:spPr/>
+        <p:txBody>
+          <a:bodyPr/>
+          <a:lstStyle/>
+          <a:p>
+            <a:pPr fontAlgn="base"/>
+            <a:r>
+              <a:rPr lang="es-MX" sz="1200" b="0" i="0" u="none" strike="noStrike" kern="1200" dirty="0" err="1">
+                <a:solidFill>
+                  <a:schemeClr val="tx1"/>
+                </a:solidFill>
+                <a:effectLst/>
+                <a:latin typeface="+mn-lt"/>
+                <a:ea typeface="+mn-ea"/>
+                <a:cs typeface="+mn-cs"/>
+              </a:rPr>
+              <a:t>SignalR</a:t>
+            </a:r>
+            <a:r>
+              <a:rPr lang="es-MX" sz="1200" b="0" i="0" u="none" strike="noStrike" kern="1200" dirty="0">
+                <a:solidFill>
+                  <a:schemeClr val="tx1"/>
+                </a:solidFill>
+                <a:effectLst/>
+                <a:latin typeface="+mn-lt"/>
+                <a:ea typeface="+mn-ea"/>
+                <a:cs typeface="+mn-cs"/>
+              </a:rPr>
+              <a:t> ASP.NET es una nueva biblioteca para desarrolladores ASP.NET que hace que sea increíblemente fácil de agregar la funcionalidad de la web en tiempo real a las aplicaciones. ¿Qué es la funcionalidad de "web en tiempo real"? Es la capacidad que el pulsador de código de servidor contenido a los clientes conectados como ocurre, en tiempo real.</a:t>
+            </a:r>
+          </a:p>
+          <a:p>
+            <a:pPr fontAlgn="base"/>
+            <a:r>
+              <a:rPr lang="es-MX" sz="1200" b="0" i="0" u="none" strike="noStrike" kern="1200" dirty="0">
+                <a:solidFill>
+                  <a:schemeClr val="tx1"/>
+                </a:solidFill>
+                <a:effectLst/>
+                <a:latin typeface="+mn-lt"/>
+                <a:ea typeface="+mn-ea"/>
+                <a:cs typeface="+mn-cs"/>
+              </a:rPr>
+              <a:t>Que puede haber oído de </a:t>
+            </a:r>
+            <a:r>
+              <a:rPr lang="es-MX" sz="1200" b="0" i="0" u="none" strike="noStrike" kern="1200" dirty="0" err="1">
+                <a:solidFill>
+                  <a:schemeClr val="tx1"/>
+                </a:solidFill>
+                <a:effectLst/>
+                <a:latin typeface="+mn-lt"/>
+                <a:ea typeface="+mn-ea"/>
+                <a:cs typeface="+mn-cs"/>
+              </a:rPr>
+              <a:t>WebSockets</a:t>
+            </a:r>
+            <a:r>
+              <a:rPr lang="es-MX" sz="1200" b="0" i="0" u="none" strike="noStrike" kern="1200" dirty="0">
+                <a:solidFill>
+                  <a:schemeClr val="tx1"/>
+                </a:solidFill>
+                <a:effectLst/>
+                <a:latin typeface="+mn-lt"/>
+                <a:ea typeface="+mn-ea"/>
+                <a:cs typeface="+mn-cs"/>
+              </a:rPr>
+              <a:t>, una nueva API de HTML5 que permite la comunicación bidireccional entre el navegador y el servidor. </a:t>
+            </a:r>
+            <a:r>
+              <a:rPr lang="es-MX" sz="1200" b="0" i="0" u="none" strike="noStrike" kern="1200" dirty="0" err="1">
+                <a:solidFill>
+                  <a:schemeClr val="tx1"/>
+                </a:solidFill>
+                <a:effectLst/>
+                <a:latin typeface="+mn-lt"/>
+                <a:ea typeface="+mn-ea"/>
+                <a:cs typeface="+mn-cs"/>
+              </a:rPr>
+              <a:t>SignalR</a:t>
+            </a:r>
+            <a:r>
+              <a:rPr lang="es-MX" sz="1200" b="0" i="0" u="none" strike="noStrike" kern="1200" dirty="0">
+                <a:solidFill>
+                  <a:schemeClr val="tx1"/>
+                </a:solidFill>
+                <a:effectLst/>
+                <a:latin typeface="+mn-lt"/>
+                <a:ea typeface="+mn-ea"/>
+                <a:cs typeface="+mn-cs"/>
+              </a:rPr>
+              <a:t> utilizará </a:t>
+            </a:r>
+            <a:r>
+              <a:rPr lang="es-MX" sz="1200" b="0" i="0" u="none" strike="noStrike" kern="1200" dirty="0" err="1">
+                <a:solidFill>
+                  <a:schemeClr val="tx1"/>
+                </a:solidFill>
+                <a:effectLst/>
+                <a:latin typeface="+mn-lt"/>
+                <a:ea typeface="+mn-ea"/>
+                <a:cs typeface="+mn-cs"/>
+              </a:rPr>
+              <a:t>WebSockets</a:t>
+            </a:r>
+            <a:r>
+              <a:rPr lang="es-MX" sz="1200" b="0" i="0" u="none" strike="noStrike" kern="1200" dirty="0">
+                <a:solidFill>
+                  <a:schemeClr val="tx1"/>
+                </a:solidFill>
+                <a:effectLst/>
+                <a:latin typeface="+mn-lt"/>
+                <a:ea typeface="+mn-ea"/>
+                <a:cs typeface="+mn-cs"/>
+              </a:rPr>
+              <a:t> debajo de las cobijas cuando está disponible y con respaldo a otras técnicas y tecnologías cuando no lo es, mientras que su código de aplicación mantiene igual.</a:t>
+            </a:r>
+          </a:p>
+          <a:p>
+            <a:pPr fontAlgn="base"/>
+            <a:r>
+              <a:rPr lang="es-MX" sz="1200" b="0" i="0" u="none" strike="noStrike" kern="1200" dirty="0" err="1">
+                <a:solidFill>
+                  <a:schemeClr val="tx1"/>
+                </a:solidFill>
+                <a:effectLst/>
+                <a:latin typeface="+mn-lt"/>
+                <a:ea typeface="+mn-ea"/>
+                <a:cs typeface="+mn-cs"/>
+              </a:rPr>
+              <a:t>SignalR</a:t>
+            </a:r>
+            <a:r>
+              <a:rPr lang="es-MX" sz="1200" b="0" i="0" u="none" strike="noStrike" kern="1200" dirty="0">
+                <a:solidFill>
+                  <a:schemeClr val="tx1"/>
+                </a:solidFill>
+                <a:effectLst/>
+                <a:latin typeface="+mn-lt"/>
+                <a:ea typeface="+mn-ea"/>
+                <a:cs typeface="+mn-cs"/>
+              </a:rPr>
+              <a:t> también proporciona una API muy simple y de alto nivel para hacer de servidor a cliente RPC (llamar a funciones JavaScript en los navegadores de sus clientes desde código del lado del servidor. net) en la aplicación ASP.NET, así como añadir útiles ganchos para la gestión de conexión, por ejemplo, conectar / Desconecte los eventos, las conexiones de la agrupación, autorización. </a:t>
+            </a:r>
+          </a:p>
+          <a:p>
+            <a:endParaRPr lang="es-CO" dirty="0"/>
+          </a:p>
+        </p:txBody>
+      </p:sp>
+      <p:sp>
+        <p:nvSpPr>
+          <p:cNvPr id="4" name="Marcador de número de diapositiva 3"/>
+          <p:cNvSpPr>
+            <a:spLocks noGrp="1"/>
+          </p:cNvSpPr>
+          <p:nvPr>
+            <p:ph type="sldNum" sz="quarter" idx="10"/>
+          </p:nvPr>
+        </p:nvSpPr>
+        <p:spPr/>
+        <p:txBody>
+          <a:bodyPr/>
+          <a:lstStyle/>
+          <a:p>
+            <a:fld id="{F82B9EC9-5510-408D-8820-096EB829DDB0}" type="slidenum">
+              <a:rPr lang="es-CO" smtClean="0"/>
+              <a:t>37</a:t>
+            </a:fld>
+            <a:endParaRPr lang="es-CO"/>
+          </a:p>
+        </p:txBody>
+      </p:sp>
+    </p:spTree>
+    <p:extLst>
+      <p:ext uri="{BB962C8B-B14F-4D97-AF65-F5344CB8AC3E}">
+        <p14:creationId xmlns:p14="http://schemas.microsoft.com/office/powerpoint/2010/main" val="571413103"/>
+      </p:ext>
+    </p:extLst>
+  </p:cSld>
+  <p:clrMapOvr>
+    <a:masterClrMapping/>
+  </p:clrMapOvr>
+</p:notes>
+</file>
+
 <file path=ppt/notesSlides/notesSlide4.xml><?xml version="1.0" encoding="utf-8"?>
 <p:notes xmlns:a="http://schemas.openxmlformats.org/drawingml/2006/main" xmlns:r="http://schemas.openxmlformats.org/officeDocument/2006/relationships" xmlns:p="http://schemas.openxmlformats.org/presentationml/2006/main">
   <p:cSld>
@@ -5081,7 +5403,7 @@
           <a:p>
             <a:fld id="{E5D78773-9131-404C-ACB3-62F3C9BC13CF}" type="datetimeFigureOut">
               <a:rPr lang="es-CO" smtClean="0"/>
-              <a:t>27/07/2018</a:t>
+              <a:t>30/07/2018</a:t>
             </a:fld>
             <a:endParaRPr lang="es-CO"/>
           </a:p>
@@ -5281,7 +5603,7 @@
           <a:p>
             <a:fld id="{8A8E3610-CFDD-4880-BAB4-3CD60D9C7275}" type="datetimeFigureOut">
               <a:rPr lang="es-CO" smtClean="0"/>
-              <a:t>27/07/2018</a:t>
+              <a:t>30/07/2018</a:t>
             </a:fld>
             <a:endParaRPr lang="es-CO"/>
           </a:p>
@@ -5491,7 +5813,7 @@
           <a:p>
             <a:fld id="{8A8E3610-CFDD-4880-BAB4-3CD60D9C7275}" type="datetimeFigureOut">
               <a:rPr lang="es-CO" smtClean="0"/>
-              <a:t>27/07/2018</a:t>
+              <a:t>30/07/2018</a:t>
             </a:fld>
             <a:endParaRPr lang="es-CO"/>
           </a:p>
@@ -5827,7 +6149,7 @@
           <a:p>
             <a:fld id="{8A8E3610-CFDD-4880-BAB4-3CD60D9C7275}" type="datetimeFigureOut">
               <a:rPr lang="es-CO" smtClean="0"/>
-              <a:t>27/07/2018</a:t>
+              <a:t>30/07/2018</a:t>
             </a:fld>
             <a:endParaRPr lang="es-CO"/>
           </a:p>
@@ -6103,7 +6425,7 @@
           <a:p>
             <a:fld id="{8A8E3610-CFDD-4880-BAB4-3CD60D9C7275}" type="datetimeFigureOut">
               <a:rPr lang="es-CO" smtClean="0"/>
-              <a:t>27/07/2018</a:t>
+              <a:t>30/07/2018</a:t>
             </a:fld>
             <a:endParaRPr lang="es-CO"/>
           </a:p>
@@ -6371,7 +6693,7 @@
           <a:p>
             <a:fld id="{8A8E3610-CFDD-4880-BAB4-3CD60D9C7275}" type="datetimeFigureOut">
               <a:rPr lang="es-CO" smtClean="0"/>
-              <a:t>27/07/2018</a:t>
+              <a:t>30/07/2018</a:t>
             </a:fld>
             <a:endParaRPr lang="es-CO"/>
           </a:p>
@@ -6786,7 +7108,7 @@
           <a:p>
             <a:fld id="{8A8E3610-CFDD-4880-BAB4-3CD60D9C7275}" type="datetimeFigureOut">
               <a:rPr lang="es-CO" smtClean="0"/>
-              <a:t>27/07/2018</a:t>
+              <a:t>30/07/2018</a:t>
             </a:fld>
             <a:endParaRPr lang="es-CO"/>
           </a:p>
@@ -7003,7 +7325,7 @@
           <a:p>
             <a:fld id="{8A8E3610-CFDD-4880-BAB4-3CD60D9C7275}" type="datetimeFigureOut">
               <a:rPr lang="es-CO" smtClean="0"/>
-              <a:t>27/07/2018</a:t>
+              <a:t>30/07/2018</a:t>
             </a:fld>
             <a:endParaRPr lang="es-CO"/>
           </a:p>
@@ -7316,7 +7638,7 @@
           <a:p>
             <a:fld id="{8A8E3610-CFDD-4880-BAB4-3CD60D9C7275}" type="datetimeFigureOut">
               <a:rPr lang="es-CO" smtClean="0"/>
-              <a:t>27/07/2018</a:t>
+              <a:t>30/07/2018</a:t>
             </a:fld>
             <a:endParaRPr lang="es-CO"/>
           </a:p>
@@ -7605,7 +7927,7 @@
           <a:p>
             <a:fld id="{8A8E3610-CFDD-4880-BAB4-3CD60D9C7275}" type="datetimeFigureOut">
               <a:rPr lang="es-CO" smtClean="0"/>
-              <a:t>27/07/2018</a:t>
+              <a:t>30/07/2018</a:t>
             </a:fld>
             <a:endParaRPr lang="es-CO"/>
           </a:p>
@@ -7848,7 +8170,7 @@
           <a:p>
             <a:fld id="{E5D78773-9131-404C-ACB3-62F3C9BC13CF}" type="datetimeFigureOut">
               <a:rPr lang="es-CO" smtClean="0"/>
-              <a:t>27/07/2018</a:t>
+              <a:t>30/07/2018</a:t>
             </a:fld>
             <a:endParaRPr lang="es-CO"/>
           </a:p>
@@ -16035,6 +16357,259 @@
     <p:extLst>
       <p:ext uri="{BB962C8B-B14F-4D97-AF65-F5344CB8AC3E}">
         <p14:creationId xmlns:p14="http://schemas.microsoft.com/office/powerpoint/2010/main" val="4050902088"/>
+      </p:ext>
+    </p:extLst>
+  </p:cSld>
+  <p:clrMapOvr>
+    <a:masterClrMapping/>
+  </p:clrMapOvr>
+</p:sld>
+</file>
+
+<file path=ppt/slides/slide36.xml><?xml version="1.0" encoding="utf-8"?>
+<p:sld xmlns:a="http://schemas.openxmlformats.org/drawingml/2006/main" xmlns:r="http://schemas.openxmlformats.org/officeDocument/2006/relationships" xmlns:p="http://schemas.openxmlformats.org/presentationml/2006/main">
+  <p:cSld>
+    <p:bg>
+      <p:bgPr>
+        <a:solidFill>
+          <a:schemeClr val="bg1"/>
+        </a:solidFill>
+        <a:effectLst/>
+      </p:bgPr>
+    </p:bg>
+    <p:spTree>
+      <p:nvGrpSpPr>
+        <p:cNvPr id="1" name=""/>
+        <p:cNvGrpSpPr/>
+        <p:nvPr/>
+      </p:nvGrpSpPr>
+      <p:grpSpPr>
+        <a:xfrm>
+          <a:off x="0" y="0"/>
+          <a:ext cx="0" cy="0"/>
+          <a:chOff x="0" y="0"/>
+          <a:chExt cx="0" cy="0"/>
+        </a:xfrm>
+      </p:grpSpPr>
+      <p:pic>
+        <p:nvPicPr>
+          <p:cNvPr id="5" name="Imagen 4">
+            <a:extLst>
+              <a:ext uri="{FF2B5EF4-FFF2-40B4-BE49-F238E27FC236}">
+                <a16:creationId xmlns:a16="http://schemas.microsoft.com/office/drawing/2014/main" id="{80B5A5A1-B6E9-4B48-8F05-9C8C2D5AB5D3}"/>
+              </a:ext>
+            </a:extLst>
+          </p:cNvPr>
+          <p:cNvPicPr>
+            <a:picLocks noChangeAspect="1"/>
+          </p:cNvPicPr>
+          <p:nvPr/>
+        </p:nvPicPr>
+        <p:blipFill rotWithShape="1">
+          <a:blip r:embed="rId3">
+            <a:extLst>
+              <a:ext uri="{28A0092B-C50C-407E-A947-70E740481C1C}">
+                <a14:useLocalDpi xmlns:a14="http://schemas.microsoft.com/office/drawing/2010/main" val="0"/>
+              </a:ext>
+            </a:extLst>
+          </a:blip>
+          <a:srcRect t="1747"/>
+          <a:stretch/>
+        </p:blipFill>
+        <p:spPr>
+          <a:xfrm>
+            <a:off x="20" y="10"/>
+            <a:ext cx="12191980" cy="6857990"/>
+          </a:xfrm>
+          <a:prstGeom prst="rect">
+            <a:avLst/>
+          </a:prstGeom>
+        </p:spPr>
+      </p:pic>
+    </p:spTree>
+    <p:extLst>
+      <p:ext uri="{BB962C8B-B14F-4D97-AF65-F5344CB8AC3E}">
+        <p14:creationId xmlns:p14="http://schemas.microsoft.com/office/powerpoint/2010/main" val="3943053321"/>
+      </p:ext>
+    </p:extLst>
+  </p:cSld>
+  <p:clrMapOvr>
+    <a:masterClrMapping/>
+  </p:clrMapOvr>
+</p:sld>
+</file>
+
+<file path=ppt/slides/slide37.xml><?xml version="1.0" encoding="utf-8"?>
+<p:sld xmlns:a="http://schemas.openxmlformats.org/drawingml/2006/main" xmlns:r="http://schemas.openxmlformats.org/officeDocument/2006/relationships" xmlns:p="http://schemas.openxmlformats.org/presentationml/2006/main">
+  <p:cSld>
+    <p:spTree>
+      <p:nvGrpSpPr>
+        <p:cNvPr id="1" name=""/>
+        <p:cNvGrpSpPr/>
+        <p:nvPr/>
+      </p:nvGrpSpPr>
+      <p:grpSpPr>
+        <a:xfrm>
+          <a:off x="0" y="0"/>
+          <a:ext cx="0" cy="0"/>
+          <a:chOff x="0" y="0"/>
+          <a:chExt cx="0" cy="0"/>
+        </a:xfrm>
+      </p:grpSpPr>
+      <p:sp>
+        <p:nvSpPr>
+          <p:cNvPr id="2" name="CuadroTexto 1">
+            <a:extLst>
+              <a:ext uri="{FF2B5EF4-FFF2-40B4-BE49-F238E27FC236}">
+                <a16:creationId xmlns:a16="http://schemas.microsoft.com/office/drawing/2014/main" id="{A7F3F451-89EE-48EF-AB36-D9F6082585A1}"/>
+              </a:ext>
+            </a:extLst>
+          </p:cNvPr>
+          <p:cNvSpPr txBox="1"/>
+          <p:nvPr/>
+        </p:nvSpPr>
+        <p:spPr>
+          <a:xfrm>
+            <a:off x="931796" y="312814"/>
+            <a:ext cx="11487150" cy="769441"/>
+          </a:xfrm>
+          <a:prstGeom prst="rect">
+            <a:avLst/>
+          </a:prstGeom>
+          <a:noFill/>
+        </p:spPr>
+        <p:txBody>
+          <a:bodyPr wrap="square" rtlCol="0">
+            <a:spAutoFit/>
+          </a:bodyPr>
+          <a:lstStyle/>
+          <a:p>
+            <a:r>
+              <a:rPr lang="es-MX" sz="4400" dirty="0" err="1">
+                <a:solidFill>
+                  <a:schemeClr val="accent1">
+                    <a:lumMod val="50000"/>
+                  </a:schemeClr>
+                </a:solidFill>
+                <a:latin typeface="Segoe UI Light" panose="020B0502040204020203" pitchFamily="34" charset="0"/>
+                <a:cs typeface="Segoe UI Light" panose="020B0502040204020203" pitchFamily="34" charset="0"/>
+              </a:rPr>
+              <a:t>SignalR</a:t>
+            </a:r>
+            <a:endParaRPr lang="es-CO" sz="4400" dirty="0">
+              <a:solidFill>
+                <a:schemeClr val="accent1">
+                  <a:lumMod val="50000"/>
+                </a:schemeClr>
+              </a:solidFill>
+              <a:latin typeface="Segoe UI Light" panose="020B0502040204020203" pitchFamily="34" charset="0"/>
+              <a:cs typeface="Segoe UI Light" panose="020B0502040204020203" pitchFamily="34" charset="0"/>
+            </a:endParaRPr>
+          </a:p>
+        </p:txBody>
+      </p:sp>
+      <p:sp>
+        <p:nvSpPr>
+          <p:cNvPr id="3" name="CuadroTexto 2">
+            <a:extLst>
+              <a:ext uri="{FF2B5EF4-FFF2-40B4-BE49-F238E27FC236}">
+                <a16:creationId xmlns:a16="http://schemas.microsoft.com/office/drawing/2014/main" id="{A7BAEA31-82E3-4A49-9050-FE3014BF0198}"/>
+              </a:ext>
+            </a:extLst>
+          </p:cNvPr>
+          <p:cNvSpPr txBox="1"/>
+          <p:nvPr/>
+        </p:nvSpPr>
+        <p:spPr>
+          <a:xfrm>
+            <a:off x="2729698" y="3429000"/>
+            <a:ext cx="7410343" cy="1384995"/>
+          </a:xfrm>
+          <a:prstGeom prst="rect">
+            <a:avLst/>
+          </a:prstGeom>
+          <a:noFill/>
+        </p:spPr>
+        <p:txBody>
+          <a:bodyPr wrap="square" rtlCol="0">
+            <a:spAutoFit/>
+          </a:bodyPr>
+          <a:lstStyle/>
+          <a:p>
+            <a:r>
+              <a:rPr lang="es-CO" sz="2800" dirty="0">
+                <a:latin typeface="Segoe UI" panose="020B0502040204020203" pitchFamily="34" charset="0"/>
+                <a:cs typeface="Segoe UI" panose="020B0502040204020203" pitchFamily="34" charset="0"/>
+                <a:hlinkClick r:id="rId3"/>
+              </a:rPr>
+              <a:t>https://github.com/SignalR/SignalR</a:t>
+            </a:r>
+            <a:endParaRPr lang="es-CO" sz="2800" dirty="0">
+              <a:latin typeface="Segoe UI" panose="020B0502040204020203" pitchFamily="34" charset="0"/>
+              <a:cs typeface="Segoe UI" panose="020B0502040204020203" pitchFamily="34" charset="0"/>
+            </a:endParaRPr>
+          </a:p>
+          <a:p>
+            <a:endParaRPr lang="es-CO" sz="2800" dirty="0">
+              <a:latin typeface="Segoe UI" panose="020B0502040204020203" pitchFamily="34" charset="0"/>
+              <a:cs typeface="Segoe UI" panose="020B0502040204020203" pitchFamily="34" charset="0"/>
+            </a:endParaRPr>
+          </a:p>
+          <a:p>
+            <a:endParaRPr lang="es-CO" sz="2800" dirty="0">
+              <a:latin typeface="Segoe UI" panose="020B0502040204020203" pitchFamily="34" charset="0"/>
+              <a:cs typeface="Segoe UI" panose="020B0502040204020203" pitchFamily="34" charset="0"/>
+            </a:endParaRPr>
+          </a:p>
+        </p:txBody>
+      </p:sp>
+      <p:sp>
+        <p:nvSpPr>
+          <p:cNvPr id="15" name="CuadroTexto 14">
+            <a:extLst>
+              <a:ext uri="{FF2B5EF4-FFF2-40B4-BE49-F238E27FC236}">
+                <a16:creationId xmlns:a16="http://schemas.microsoft.com/office/drawing/2014/main" id="{66F8EA88-0F22-482B-B37B-0C47711188F9}"/>
+              </a:ext>
+            </a:extLst>
+          </p:cNvPr>
+          <p:cNvSpPr txBox="1"/>
+          <p:nvPr/>
+        </p:nvSpPr>
+        <p:spPr>
+          <a:xfrm>
+            <a:off x="1766033" y="2105561"/>
+            <a:ext cx="8227053" cy="1323439"/>
+          </a:xfrm>
+          <a:prstGeom prst="rect">
+            <a:avLst/>
+          </a:prstGeom>
+          <a:noFill/>
+        </p:spPr>
+        <p:txBody>
+          <a:bodyPr wrap="square" rtlCol="0">
+            <a:spAutoFit/>
+          </a:bodyPr>
+          <a:lstStyle/>
+          <a:p>
+            <a:pPr algn="ctr"/>
+            <a:r>
+              <a:rPr lang="es-MX" sz="4000" dirty="0">
+                <a:latin typeface="Segoe UI" panose="020B0502040204020203" pitchFamily="34" charset="0"/>
+                <a:cs typeface="Segoe UI" panose="020B0502040204020203" pitchFamily="34" charset="0"/>
+              </a:rPr>
+              <a:t>¿Qué es la funcionalidad de "web en tiempo real"?</a:t>
+            </a:r>
+            <a:endParaRPr lang="es-CO" sz="4000" dirty="0">
+              <a:latin typeface="Segoe UI" panose="020B0502040204020203" pitchFamily="34" charset="0"/>
+              <a:cs typeface="Segoe UI" panose="020B0502040204020203" pitchFamily="34" charset="0"/>
+            </a:endParaRPr>
+          </a:p>
+        </p:txBody>
+      </p:sp>
+    </p:spTree>
+    <p:extLst>
+      <p:ext uri="{BB962C8B-B14F-4D97-AF65-F5344CB8AC3E}">
+        <p14:creationId xmlns:p14="http://schemas.microsoft.com/office/powerpoint/2010/main" val="2291596043"/>
       </p:ext>
     </p:extLst>
   </p:cSld>
